--- a/Architecture/4 - Présentation/Présentation.pptx
+++ b/Architecture/4 - Présentation/Présentation.pptx
@@ -5,17 +5,19 @@
     <p:sldMasterId id="2147483660" r:id="rId1"/>
   </p:sldMasterIdLst>
   <p:notesMasterIdLst>
-    <p:notesMasterId r:id="rId10"/>
+    <p:notesMasterId r:id="rId12"/>
   </p:notesMasterIdLst>
   <p:sldIdLst>
     <p:sldId id="256" r:id="rId2"/>
     <p:sldId id="257" r:id="rId3"/>
     <p:sldId id="259" r:id="rId4"/>
-    <p:sldId id="269" r:id="rId5"/>
-    <p:sldId id="271" r:id="rId6"/>
-    <p:sldId id="270" r:id="rId7"/>
-    <p:sldId id="268" r:id="rId8"/>
-    <p:sldId id="264" r:id="rId9"/>
+    <p:sldId id="272" r:id="rId5"/>
+    <p:sldId id="273" r:id="rId6"/>
+    <p:sldId id="269" r:id="rId7"/>
+    <p:sldId id="271" r:id="rId8"/>
+    <p:sldId id="270" r:id="rId9"/>
+    <p:sldId id="268" r:id="rId10"/>
+    <p:sldId id="264" r:id="rId11"/>
   </p:sldIdLst>
   <p:sldSz cx="12192000" cy="6858000"/>
   <p:notesSz cx="6858000" cy="9144000"/>
@@ -204,7 +206,7 @@
           <a:p>
             <a:fld id="{CCA774A3-38F4-47C2-BD1F-E46A489CF4A2}" type="datetimeFigureOut">
               <a:rPr lang="fr-FR" smtClean="0"/>
-              <a:t>25/09/2022</a:t>
+              <a:t>20/11/2022</a:t>
             </a:fld>
             <a:endParaRPr lang="fr-FR"/>
           </a:p>
@@ -695,9 +697,9 @@
           <a:bodyPr/>
           <a:lstStyle/>
           <a:p>
-            <a:fld id="{3AC97E34-FB9B-4B62-A2BD-2ED3C3DF87E0}" type="datetime1">
+            <a:fld id="{3F249580-64D2-4B76-B591-C5473F982823}" type="datetime1">
               <a:rPr lang="fr-FR" smtClean="0"/>
-              <a:t>25/09/2022</a:t>
+              <a:t>20/11/2022</a:t>
             </a:fld>
             <a:endParaRPr lang="fr-FR"/>
           </a:p>
@@ -903,9 +905,9 @@
           <a:bodyPr/>
           <a:lstStyle/>
           <a:p>
-            <a:fld id="{E40B3B91-26F4-4C68-8380-85369F7CA5EF}" type="datetime1">
+            <a:fld id="{25FEB1CE-075E-473B-91EC-3DA1EBD05549}" type="datetime1">
               <a:rPr lang="fr-FR" smtClean="0"/>
-              <a:t>25/09/2022</a:t>
+              <a:t>20/11/2022</a:t>
             </a:fld>
             <a:endParaRPr lang="fr-FR"/>
           </a:p>
@@ -1159,9 +1161,9 @@
           <a:bodyPr/>
           <a:lstStyle/>
           <a:p>
-            <a:fld id="{84E9B8DB-F9B5-4D8B-93A1-82359EAA4EBE}" type="datetime1">
+            <a:fld id="{4FE7E34D-3B68-4795-96F2-FD03EE03A76F}" type="datetime1">
               <a:rPr lang="fr-FR" smtClean="0"/>
-              <a:t>25/09/2022</a:t>
+              <a:t>20/11/2022</a:t>
             </a:fld>
             <a:endParaRPr lang="fr-FR"/>
           </a:p>
@@ -1333,9 +1335,9 @@
           <a:bodyPr/>
           <a:lstStyle/>
           <a:p>
-            <a:fld id="{17998E29-5F07-48AD-B6AD-7C6274329757}" type="datetime1">
+            <a:fld id="{001DF3C6-A689-4502-9F43-449C2BBFFD40}" type="datetime1">
               <a:rPr lang="fr-FR" smtClean="0"/>
-              <a:t>25/09/2022</a:t>
+              <a:t>20/11/2022</a:t>
             </a:fld>
             <a:endParaRPr lang="fr-FR"/>
           </a:p>
@@ -1676,9 +1678,9 @@
           <a:bodyPr/>
           <a:lstStyle/>
           <a:p>
-            <a:fld id="{C40F73F2-2D5D-4478-A412-FF46C976B03D}" type="datetime1">
+            <a:fld id="{DCE01207-BD96-495C-B22D-90A9CDE64D4D}" type="datetime1">
               <a:rPr lang="fr-FR" smtClean="0"/>
-              <a:t>25/09/2022</a:t>
+              <a:t>20/11/2022</a:t>
             </a:fld>
             <a:endParaRPr lang="fr-FR"/>
           </a:p>
@@ -1951,9 +1953,9 @@
           <a:bodyPr/>
           <a:lstStyle/>
           <a:p>
-            <a:fld id="{17F37276-A18B-4093-AF8C-D4DB453A2A7B}" type="datetime1">
+            <a:fld id="{72C85633-991D-444E-B562-B23E410BDD6A}" type="datetime1">
               <a:rPr lang="fr-FR" smtClean="0"/>
-              <a:t>25/09/2022</a:t>
+              <a:t>20/11/2022</a:t>
             </a:fld>
             <a:endParaRPr lang="fr-FR"/>
           </a:p>
@@ -2330,9 +2332,9 @@
           <a:bodyPr/>
           <a:lstStyle/>
           <a:p>
-            <a:fld id="{4888012E-0C89-4020-AF16-CA95492B5F17}" type="datetime1">
+            <a:fld id="{9413EDA9-7E09-44A5-85AE-F505599743D6}" type="datetime1">
               <a:rPr lang="fr-FR" smtClean="0"/>
-              <a:t>25/09/2022</a:t>
+              <a:t>20/11/2022</a:t>
             </a:fld>
             <a:endParaRPr lang="fr-FR"/>
           </a:p>
@@ -2448,9 +2450,9 @@
           <a:bodyPr/>
           <a:lstStyle/>
           <a:p>
-            <a:fld id="{14008542-CFDC-42A6-9B53-29566E7FACE8}" type="datetime1">
+            <a:fld id="{DFC62449-823F-4317-AEDB-38B69A20922B}" type="datetime1">
               <a:rPr lang="fr-FR" smtClean="0"/>
-              <a:t>25/09/2022</a:t>
+              <a:t>20/11/2022</a:t>
             </a:fld>
             <a:endParaRPr lang="fr-FR"/>
           </a:p>
@@ -2619,9 +2621,9 @@
           <a:bodyPr/>
           <a:lstStyle/>
           <a:p>
-            <a:fld id="{4238CB0E-7E35-4BE5-A5AE-EAA8B57F83CA}" type="datetime1">
+            <a:fld id="{D04BD290-5A1E-4594-ACC2-3D4DDA00D310}" type="datetime1">
               <a:rPr lang="fr-FR" smtClean="0"/>
-              <a:t>25/09/2022</a:t>
+              <a:t>20/11/2022</a:t>
             </a:fld>
             <a:endParaRPr lang="fr-FR"/>
           </a:p>
@@ -2973,9 +2975,9 @@
             </a:lvl1pPr>
           </a:lstStyle>
           <a:p>
-            <a:fld id="{36C545F4-A38C-4111-8E6F-E3FBB7170728}" type="datetime1">
+            <a:fld id="{96D18323-7850-41E2-91C4-294E7B72F05E}" type="datetime1">
               <a:rPr lang="fr-FR" smtClean="0"/>
-              <a:t>25/09/2022</a:t>
+              <a:t>20/11/2022</a:t>
             </a:fld>
             <a:endParaRPr lang="fr-FR"/>
           </a:p>
@@ -3355,9 +3357,9 @@
           <a:bodyPr/>
           <a:lstStyle/>
           <a:p>
-            <a:fld id="{FCE96229-6A8F-4859-8C46-13560F191DB6}" type="datetime1">
+            <a:fld id="{8993E515-910C-40A3-A03C-4734CA8F7219}" type="datetime1">
               <a:rPr lang="fr-FR" smtClean="0"/>
-              <a:t>25/09/2022</a:t>
+              <a:t>20/11/2022</a:t>
             </a:fld>
             <a:endParaRPr lang="fr-FR"/>
           </a:p>
@@ -3642,9 +3644,9 @@
             </a:lvl1pPr>
           </a:lstStyle>
           <a:p>
-            <a:fld id="{82538C54-C196-41BA-9840-C9FE1D1CD36F}" type="datetime1">
+            <a:fld id="{2AAD1071-4DAA-4BD9-945D-51A49DCBDACD}" type="datetime1">
               <a:rPr lang="fr-FR" smtClean="0"/>
-              <a:t>25/09/2022</a:t>
+              <a:t>20/11/2022</a:t>
             </a:fld>
             <a:endParaRPr lang="fr-FR"/>
           </a:p>
@@ -3783,7 +3785,7 @@
     <p:sldLayoutId id="2147483670" r:id="rId10"/>
     <p:sldLayoutId id="2147483671" r:id="rId11"/>
   </p:sldLayoutIdLst>
-  <p:hf sldNum="0" hdr="0" ftr="0"/>
+  <p:hf hdr="0" ftr="0" dt="0"/>
   <p:txStyles>
     <p:titleStyle>
       <a:lvl1pPr algn="l" defTabSz="914400" rtl="0" eaLnBrk="1" latinLnBrk="0" hangingPunct="1">
@@ -4298,6 +4300,363 @@
 </p:sld>
 </file>
 
+<file path=ppt/slides/slide10.xml><?xml version="1.0" encoding="utf-8"?>
+<p:sld xmlns:a="http://schemas.openxmlformats.org/drawingml/2006/main" xmlns:r="http://schemas.openxmlformats.org/officeDocument/2006/relationships" xmlns:p="http://schemas.openxmlformats.org/presentationml/2006/main">
+  <p:cSld>
+    <p:spTree>
+      <p:nvGrpSpPr>
+        <p:cNvPr id="1" name=""/>
+        <p:cNvGrpSpPr/>
+        <p:nvPr/>
+      </p:nvGrpSpPr>
+      <p:grpSpPr>
+        <a:xfrm>
+          <a:off x="0" y="0"/>
+          <a:ext cx="0" cy="0"/>
+          <a:chOff x="0" y="0"/>
+          <a:chExt cx="0" cy="0"/>
+        </a:xfrm>
+      </p:grpSpPr>
+      <p:sp>
+        <p:nvSpPr>
+          <p:cNvPr id="6" name="Espace réservé du contenu 7">
+            <a:extLst>
+              <a:ext uri="{FF2B5EF4-FFF2-40B4-BE49-F238E27FC236}">
+                <a16:creationId xmlns:a16="http://schemas.microsoft.com/office/drawing/2014/main" id="{0AEA36C7-CCC1-50EE-7242-FA053D38EA8F}"/>
+              </a:ext>
+            </a:extLst>
+          </p:cNvPr>
+          <p:cNvSpPr txBox="1">
+            <a:spLocks/>
+          </p:cNvSpPr>
+          <p:nvPr/>
+        </p:nvSpPr>
+        <p:spPr>
+          <a:xfrm>
+            <a:off x="1066800" y="1417320"/>
+            <a:ext cx="10058400" cy="4023360"/>
+          </a:xfrm>
+          <a:prstGeom prst="rect">
+            <a:avLst/>
+          </a:prstGeom>
+        </p:spPr>
+        <p:txBody>
+          <a:bodyPr anchor="ctr"/>
+          <a:lstStyle>
+            <a:lvl1pPr marL="91440" indent="-91440" algn="l" defTabSz="914400" rtl="0" eaLnBrk="1" latinLnBrk="0" hangingPunct="1">
+              <a:lnSpc>
+                <a:spcPct val="90000"/>
+              </a:lnSpc>
+              <a:spcBef>
+                <a:spcPts val="1200"/>
+              </a:spcBef>
+              <a:spcAft>
+                <a:spcPts val="200"/>
+              </a:spcAft>
+              <a:buClr>
+                <a:schemeClr val="accent1"/>
+              </a:buClr>
+              <a:buSzPct val="100000"/>
+              <a:buFont typeface="Calibri" panose="020F0502020204030204" pitchFamily="34" charset="0"/>
+              <a:buChar char=" "/>
+              <a:defRPr sz="2000" kern="1200">
+                <a:solidFill>
+                  <a:schemeClr val="tx1">
+                    <a:lumMod val="75000"/>
+                    <a:lumOff val="25000"/>
+                  </a:schemeClr>
+                </a:solidFill>
+                <a:latin typeface="+mn-lt"/>
+                <a:ea typeface="+mn-ea"/>
+                <a:cs typeface="+mn-cs"/>
+              </a:defRPr>
+            </a:lvl1pPr>
+            <a:lvl2pPr marL="384048" indent="-182880" algn="l" defTabSz="914400" rtl="0" eaLnBrk="1" latinLnBrk="0" hangingPunct="1">
+              <a:lnSpc>
+                <a:spcPct val="90000"/>
+              </a:lnSpc>
+              <a:spcBef>
+                <a:spcPts val="200"/>
+              </a:spcBef>
+              <a:spcAft>
+                <a:spcPts val="400"/>
+              </a:spcAft>
+              <a:buClr>
+                <a:schemeClr val="accent1"/>
+              </a:buClr>
+              <a:buFont typeface="Calibri" pitchFamily="34" charset="0"/>
+              <a:buChar char="◦"/>
+              <a:defRPr sz="1800" kern="1200">
+                <a:solidFill>
+                  <a:schemeClr val="tx1">
+                    <a:lumMod val="75000"/>
+                    <a:lumOff val="25000"/>
+                  </a:schemeClr>
+                </a:solidFill>
+                <a:latin typeface="+mn-lt"/>
+                <a:ea typeface="+mn-ea"/>
+                <a:cs typeface="+mn-cs"/>
+              </a:defRPr>
+            </a:lvl2pPr>
+            <a:lvl3pPr marL="566928" indent="-182880" algn="l" defTabSz="914400" rtl="0" eaLnBrk="1" latinLnBrk="0" hangingPunct="1">
+              <a:lnSpc>
+                <a:spcPct val="90000"/>
+              </a:lnSpc>
+              <a:spcBef>
+                <a:spcPts val="200"/>
+              </a:spcBef>
+              <a:spcAft>
+                <a:spcPts val="400"/>
+              </a:spcAft>
+              <a:buClr>
+                <a:schemeClr val="accent1"/>
+              </a:buClr>
+              <a:buFont typeface="Calibri" pitchFamily="34" charset="0"/>
+              <a:buChar char="◦"/>
+              <a:defRPr sz="1400" kern="1200">
+                <a:solidFill>
+                  <a:schemeClr val="tx1">
+                    <a:lumMod val="75000"/>
+                    <a:lumOff val="25000"/>
+                  </a:schemeClr>
+                </a:solidFill>
+                <a:latin typeface="+mn-lt"/>
+                <a:ea typeface="+mn-ea"/>
+                <a:cs typeface="+mn-cs"/>
+              </a:defRPr>
+            </a:lvl3pPr>
+            <a:lvl4pPr marL="749808" indent="-182880" algn="l" defTabSz="914400" rtl="0" eaLnBrk="1" latinLnBrk="0" hangingPunct="1">
+              <a:lnSpc>
+                <a:spcPct val="90000"/>
+              </a:lnSpc>
+              <a:spcBef>
+                <a:spcPts val="200"/>
+              </a:spcBef>
+              <a:spcAft>
+                <a:spcPts val="400"/>
+              </a:spcAft>
+              <a:buClr>
+                <a:schemeClr val="accent1"/>
+              </a:buClr>
+              <a:buFont typeface="Calibri" pitchFamily="34" charset="0"/>
+              <a:buChar char="◦"/>
+              <a:defRPr sz="1400" kern="1200">
+                <a:solidFill>
+                  <a:schemeClr val="tx1">
+                    <a:lumMod val="75000"/>
+                    <a:lumOff val="25000"/>
+                  </a:schemeClr>
+                </a:solidFill>
+                <a:latin typeface="+mn-lt"/>
+                <a:ea typeface="+mn-ea"/>
+                <a:cs typeface="+mn-cs"/>
+              </a:defRPr>
+            </a:lvl4pPr>
+            <a:lvl5pPr marL="932688" indent="-182880" algn="l" defTabSz="914400" rtl="0" eaLnBrk="1" latinLnBrk="0" hangingPunct="1">
+              <a:lnSpc>
+                <a:spcPct val="90000"/>
+              </a:lnSpc>
+              <a:spcBef>
+                <a:spcPts val="200"/>
+              </a:spcBef>
+              <a:spcAft>
+                <a:spcPts val="400"/>
+              </a:spcAft>
+              <a:buClr>
+                <a:schemeClr val="accent1"/>
+              </a:buClr>
+              <a:buFont typeface="Calibri" pitchFamily="34" charset="0"/>
+              <a:buChar char="◦"/>
+              <a:defRPr sz="1400" kern="1200">
+                <a:solidFill>
+                  <a:schemeClr val="tx1">
+                    <a:lumMod val="75000"/>
+                    <a:lumOff val="25000"/>
+                  </a:schemeClr>
+                </a:solidFill>
+                <a:latin typeface="+mn-lt"/>
+                <a:ea typeface="+mn-ea"/>
+                <a:cs typeface="+mn-cs"/>
+              </a:defRPr>
+            </a:lvl5pPr>
+            <a:lvl6pPr marL="1100000" indent="-228600" algn="l" defTabSz="914400" rtl="0" eaLnBrk="1" latinLnBrk="0" hangingPunct="1">
+              <a:lnSpc>
+                <a:spcPct val="90000"/>
+              </a:lnSpc>
+              <a:spcBef>
+                <a:spcPts val="200"/>
+              </a:spcBef>
+              <a:spcAft>
+                <a:spcPts val="400"/>
+              </a:spcAft>
+              <a:buClr>
+                <a:schemeClr val="accent1"/>
+              </a:buClr>
+              <a:buFont typeface="Calibri" pitchFamily="34" charset="0"/>
+              <a:buChar char="◦"/>
+              <a:defRPr sz="1400" kern="1200">
+                <a:solidFill>
+                  <a:schemeClr val="tx1">
+                    <a:lumMod val="75000"/>
+                    <a:lumOff val="25000"/>
+                  </a:schemeClr>
+                </a:solidFill>
+                <a:latin typeface="+mn-lt"/>
+                <a:ea typeface="+mn-ea"/>
+                <a:cs typeface="+mn-cs"/>
+              </a:defRPr>
+            </a:lvl6pPr>
+            <a:lvl7pPr marL="1300000" indent="-228600" algn="l" defTabSz="914400" rtl="0" eaLnBrk="1" latinLnBrk="0" hangingPunct="1">
+              <a:lnSpc>
+                <a:spcPct val="90000"/>
+              </a:lnSpc>
+              <a:spcBef>
+                <a:spcPts val="200"/>
+              </a:spcBef>
+              <a:spcAft>
+                <a:spcPts val="400"/>
+              </a:spcAft>
+              <a:buClr>
+                <a:schemeClr val="accent1"/>
+              </a:buClr>
+              <a:buFont typeface="Calibri" pitchFamily="34" charset="0"/>
+              <a:buChar char="◦"/>
+              <a:defRPr sz="1400" kern="1200">
+                <a:solidFill>
+                  <a:schemeClr val="tx1">
+                    <a:lumMod val="75000"/>
+                    <a:lumOff val="25000"/>
+                  </a:schemeClr>
+                </a:solidFill>
+                <a:latin typeface="+mn-lt"/>
+                <a:ea typeface="+mn-ea"/>
+                <a:cs typeface="+mn-cs"/>
+              </a:defRPr>
+            </a:lvl7pPr>
+            <a:lvl8pPr marL="1500000" indent="-228600" algn="l" defTabSz="914400" rtl="0" eaLnBrk="1" latinLnBrk="0" hangingPunct="1">
+              <a:lnSpc>
+                <a:spcPct val="90000"/>
+              </a:lnSpc>
+              <a:spcBef>
+                <a:spcPts val="200"/>
+              </a:spcBef>
+              <a:spcAft>
+                <a:spcPts val="400"/>
+              </a:spcAft>
+              <a:buClr>
+                <a:schemeClr val="accent1"/>
+              </a:buClr>
+              <a:buFont typeface="Calibri" pitchFamily="34" charset="0"/>
+              <a:buChar char="◦"/>
+              <a:defRPr sz="1400" kern="1200">
+                <a:solidFill>
+                  <a:schemeClr val="tx1">
+                    <a:lumMod val="75000"/>
+                    <a:lumOff val="25000"/>
+                  </a:schemeClr>
+                </a:solidFill>
+                <a:latin typeface="+mn-lt"/>
+                <a:ea typeface="+mn-ea"/>
+                <a:cs typeface="+mn-cs"/>
+              </a:defRPr>
+            </a:lvl8pPr>
+            <a:lvl9pPr marL="1700000" indent="-228600" algn="l" defTabSz="914400" rtl="0" eaLnBrk="1" latinLnBrk="0" hangingPunct="1">
+              <a:lnSpc>
+                <a:spcPct val="90000"/>
+              </a:lnSpc>
+              <a:spcBef>
+                <a:spcPts val="200"/>
+              </a:spcBef>
+              <a:spcAft>
+                <a:spcPts val="400"/>
+              </a:spcAft>
+              <a:buClr>
+                <a:schemeClr val="accent1"/>
+              </a:buClr>
+              <a:buFont typeface="Calibri" pitchFamily="34" charset="0"/>
+              <a:buChar char="◦"/>
+              <a:defRPr sz="1400" kern="1200">
+                <a:solidFill>
+                  <a:schemeClr val="tx1">
+                    <a:lumMod val="75000"/>
+                    <a:lumOff val="25000"/>
+                  </a:schemeClr>
+                </a:solidFill>
+                <a:latin typeface="+mn-lt"/>
+                <a:ea typeface="+mn-ea"/>
+                <a:cs typeface="+mn-cs"/>
+              </a:defRPr>
+            </a:lvl9pPr>
+          </a:lstStyle>
+          <a:p>
+            <a:pPr marL="201168" lvl="1" indent="0" algn="ctr">
+              <a:buFont typeface="Calibri" pitchFamily="34" charset="0"/>
+              <a:buNone/>
+            </a:pPr>
+            <a:r>
+              <a:rPr lang="fr-FR" sz="8800" b="1" spc="-50" dirty="0">
+                <a:solidFill>
+                  <a:srgbClr val="00B0F0"/>
+                </a:solidFill>
+                <a:latin typeface="+mj-lt"/>
+                <a:ea typeface="+mj-ea"/>
+                <a:cs typeface="+mj-cs"/>
+              </a:rPr>
+              <a:t>MERCI</a:t>
+            </a:r>
+            <a:endParaRPr lang="fr-FR" sz="4400" b="1" spc="-50" dirty="0">
+              <a:solidFill>
+                <a:srgbClr val="00B0F0"/>
+              </a:solidFill>
+              <a:latin typeface="+mj-lt"/>
+              <a:ea typeface="+mj-ea"/>
+              <a:cs typeface="+mj-cs"/>
+            </a:endParaRPr>
+          </a:p>
+        </p:txBody>
+      </p:sp>
+      <p:sp>
+        <p:nvSpPr>
+          <p:cNvPr id="2" name="Espace réservé du numéro de diapositive 1">
+            <a:extLst>
+              <a:ext uri="{FF2B5EF4-FFF2-40B4-BE49-F238E27FC236}">
+                <a16:creationId xmlns:a16="http://schemas.microsoft.com/office/drawing/2014/main" id="{33EBB1A6-6BE5-9FE4-D327-8EC669B135A7}"/>
+              </a:ext>
+            </a:extLst>
+          </p:cNvPr>
+          <p:cNvSpPr>
+            <a:spLocks noGrp="1"/>
+          </p:cNvSpPr>
+          <p:nvPr>
+            <p:ph type="sldNum" sz="quarter" idx="12"/>
+          </p:nvPr>
+        </p:nvSpPr>
+        <p:spPr/>
+        <p:txBody>
+          <a:bodyPr/>
+          <a:lstStyle/>
+          <a:p>
+            <a:fld id="{BB460250-132E-47B3-835F-8C1BCF0D91F5}" type="slidenum">
+              <a:rPr lang="fr-FR" smtClean="0"/>
+              <a:t>10</a:t>
+            </a:fld>
+            <a:endParaRPr lang="fr-FR"/>
+          </a:p>
+        </p:txBody>
+      </p:sp>
+    </p:spTree>
+    <p:extLst>
+      <p:ext uri="{BB962C8B-B14F-4D97-AF65-F5344CB8AC3E}">
+        <p14:creationId xmlns:p14="http://schemas.microsoft.com/office/powerpoint/2010/main" val="2113078298"/>
+      </p:ext>
+    </p:extLst>
+  </p:cSld>
+  <p:clrMapOvr>
+    <a:masterClrMapping/>
+  </p:clrMapOvr>
+</p:sld>
+</file>
+
 <file path=ppt/slides/slide2.xml><?xml version="1.0" encoding="utf-8"?>
 <p:sld xmlns:a="http://schemas.openxmlformats.org/drawingml/2006/main" xmlns:r="http://schemas.openxmlformats.org/officeDocument/2006/relationships" xmlns:p="http://schemas.openxmlformats.org/presentationml/2006/main">
   <p:cSld>
@@ -4663,7 +5022,7 @@
             </a:pPr>
             <a:r>
               <a:rPr lang="fr-FR" sz="4400" b="1" dirty="0"/>
-              <a:t>L’architecture actuelle</a:t>
+              <a:t>Analyse de faisabilité</a:t>
             </a:r>
           </a:p>
           <a:p>
@@ -4673,7 +5032,7 @@
             </a:pPr>
             <a:r>
               <a:rPr lang="fr-FR" sz="4400" b="1" dirty="0"/>
-              <a:t>La nouvelle architecture</a:t>
+              <a:t>La feuille de route</a:t>
             </a:r>
           </a:p>
           <a:p>
@@ -4683,7 +5042,7 @@
             </a:pPr>
             <a:r>
               <a:rPr lang="fr-FR" sz="4400" b="1" dirty="0"/>
-              <a:t>La transition </a:t>
+              <a:t>Le plan de mise en place</a:t>
             </a:r>
           </a:p>
           <a:p>
@@ -4703,10 +5062,10 @@
       </p:sp>
       <p:sp>
         <p:nvSpPr>
-          <p:cNvPr id="4" name="Espace réservé de la date 3">
+          <p:cNvPr id="5" name="Espace réservé du numéro de diapositive 4">
             <a:extLst>
               <a:ext uri="{FF2B5EF4-FFF2-40B4-BE49-F238E27FC236}">
-                <a16:creationId xmlns:a16="http://schemas.microsoft.com/office/drawing/2014/main" id="{74AA6D4C-966F-549C-5F7F-39FDD4B4EC5D}"/>
+                <a16:creationId xmlns:a16="http://schemas.microsoft.com/office/drawing/2014/main" id="{1AAF9CBF-C28C-ABF3-4457-5520E3A107A0}"/>
               </a:ext>
             </a:extLst>
           </p:cNvPr>
@@ -4714,7 +5073,7 @@
             <a:spLocks noGrp="1"/>
           </p:cNvSpPr>
           <p:nvPr>
-            <p:ph type="dt" sz="half" idx="10"/>
+            <p:ph type="sldNum" sz="quarter" idx="12"/>
           </p:nvPr>
         </p:nvSpPr>
         <p:spPr/>
@@ -4722,9 +5081,9 @@
           <a:bodyPr/>
           <a:lstStyle/>
           <a:p>
-            <a:fld id="{72373F7B-CA42-4A7F-BE47-9592B687BBAE}" type="datetime1">
+            <a:fld id="{BB460250-132E-47B3-835F-8C1BCF0D91F5}" type="slidenum">
               <a:rPr lang="fr-FR" smtClean="0"/>
-              <a:t>25/09/2022</a:t>
+              <a:t>2</a:t>
             </a:fld>
             <a:endParaRPr lang="fr-FR"/>
           </a:p>
@@ -4826,10 +5185,10 @@
       </p:sp>
       <p:sp>
         <p:nvSpPr>
-          <p:cNvPr id="2" name="Espace réservé de la date 1">
+          <p:cNvPr id="3" name="Espace réservé du numéro de diapositive 2">
             <a:extLst>
               <a:ext uri="{FF2B5EF4-FFF2-40B4-BE49-F238E27FC236}">
-                <a16:creationId xmlns:a16="http://schemas.microsoft.com/office/drawing/2014/main" id="{47E8D1F1-E0E1-AFB4-216B-082D03DE0596}"/>
+                <a16:creationId xmlns:a16="http://schemas.microsoft.com/office/drawing/2014/main" id="{8217E0E3-EA36-C8BD-B7CC-5DB0C377667D}"/>
               </a:ext>
             </a:extLst>
           </p:cNvPr>
@@ -4837,7 +5196,7 @@
             <a:spLocks noGrp="1"/>
           </p:cNvSpPr>
           <p:nvPr>
-            <p:ph type="dt" sz="half" idx="10"/>
+            <p:ph type="sldNum" sz="quarter" idx="12"/>
           </p:nvPr>
         </p:nvSpPr>
         <p:spPr/>
@@ -4845,9 +5204,9 @@
           <a:bodyPr/>
           <a:lstStyle/>
           <a:p>
-            <a:fld id="{105800E8-47DC-4785-8041-8DB305D2E738}" type="datetime1">
+            <a:fld id="{BB460250-132E-47B3-835F-8C1BCF0D91F5}" type="slidenum">
               <a:rPr lang="fr-FR" smtClean="0"/>
-              <a:t>25/09/2022</a:t>
+              <a:t>3</a:t>
             </a:fld>
             <a:endParaRPr lang="fr-FR"/>
           </a:p>
@@ -4888,7 +5247,7 @@
           <p:cNvPr id="5" name="Titre 4">
             <a:extLst>
               <a:ext uri="{FF2B5EF4-FFF2-40B4-BE49-F238E27FC236}">
-                <a16:creationId xmlns:a16="http://schemas.microsoft.com/office/drawing/2014/main" id="{869D22E0-DA2B-5AE2-3F2C-EA457FF9F647}"/>
+                <a16:creationId xmlns:a16="http://schemas.microsoft.com/office/drawing/2014/main" id="{73AF9E0F-C0D3-5150-62AA-3094F5CD1C8F}"/>
               </a:ext>
             </a:extLst>
           </p:cNvPr>
@@ -4904,27 +5263,24 @@
           <a:bodyPr/>
           <a:lstStyle/>
           <a:p>
-            <a:pPr marL="571500" indent="-571500">
-              <a:buFont typeface="Wingdings" panose="05000000000000000000" pitchFamily="2" charset="2"/>
-              <a:buChar char="Ø"/>
-            </a:pPr>
-            <a:r>
-              <a:rPr lang="fr-FR" sz="4400" b="1" dirty="0">
-                <a:solidFill>
-                  <a:srgbClr val="00B0F0"/>
-                </a:solidFill>
-              </a:rPr>
-              <a:t>L’architecture actuelle</a:t>
-            </a:r>
-          </a:p>
-        </p:txBody>
-      </p:sp>
-      <p:sp>
-        <p:nvSpPr>
-          <p:cNvPr id="6" name="Espace réservé du texte 5">
+            <a:r>
+              <a:rPr lang="fr-FR" dirty="0"/>
+              <a:t>Présentation de </a:t>
+            </a:r>
+            <a:r>
+              <a:rPr lang="fr-FR" dirty="0" err="1"/>
+              <a:t>REP’Aero</a:t>
+            </a:r>
+            <a:endParaRPr lang="fr-FR" dirty="0"/>
+          </a:p>
+        </p:txBody>
+      </p:sp>
+      <p:sp>
+        <p:nvSpPr>
+          <p:cNvPr id="7" name="Espace réservé du numéro de diapositive 6">
             <a:extLst>
               <a:ext uri="{FF2B5EF4-FFF2-40B4-BE49-F238E27FC236}">
-                <a16:creationId xmlns:a16="http://schemas.microsoft.com/office/drawing/2014/main" id="{5433307A-B94A-9D9B-5E2F-A0EA21948A60}"/>
+                <a16:creationId xmlns:a16="http://schemas.microsoft.com/office/drawing/2014/main" id="{557DBAE8-AA06-0181-9FA1-1AFA0D5A1221}"/>
               </a:ext>
             </a:extLst>
           </p:cNvPr>
@@ -4932,7 +5288,7 @@
             <a:spLocks noGrp="1"/>
           </p:cNvSpPr>
           <p:nvPr>
-            <p:ph type="body" idx="1"/>
+            <p:ph type="sldNum" sz="quarter" idx="12"/>
           </p:nvPr>
         </p:nvSpPr>
         <p:spPr/>
@@ -4940,52 +5296,933 @@
           <a:bodyPr/>
           <a:lstStyle/>
           <a:p>
-            <a:r>
-              <a:rPr lang="fr-FR" dirty="0"/>
-              <a:t>REP’AERO</a:t>
-            </a:r>
-          </a:p>
-        </p:txBody>
-      </p:sp>
-      <p:sp>
-        <p:nvSpPr>
-          <p:cNvPr id="2" name="Espace réservé de la date 1">
+            <a:fld id="{BB460250-132E-47B3-835F-8C1BCF0D91F5}" type="slidenum">
+              <a:rPr lang="fr-FR" smtClean="0"/>
+              <a:t>4</a:t>
+            </a:fld>
+            <a:endParaRPr lang="fr-FR"/>
+          </a:p>
+        </p:txBody>
+      </p:sp>
+      <p:pic>
+        <p:nvPicPr>
+          <p:cNvPr id="8" name="image1.png">
             <a:extLst>
               <a:ext uri="{FF2B5EF4-FFF2-40B4-BE49-F238E27FC236}">
-                <a16:creationId xmlns:a16="http://schemas.microsoft.com/office/drawing/2014/main" id="{47E8D1F1-E0E1-AFB4-216B-082D03DE0596}"/>
+                <a16:creationId xmlns:a16="http://schemas.microsoft.com/office/drawing/2014/main" id="{C847422F-FAB9-3644-B190-81CB85770998}"/>
               </a:ext>
             </a:extLst>
           </p:cNvPr>
-          <p:cNvSpPr>
-            <a:spLocks noGrp="1"/>
-          </p:cNvSpPr>
-          <p:nvPr>
-            <p:ph type="dt" sz="half" idx="10"/>
-          </p:nvPr>
-        </p:nvSpPr>
-        <p:spPr/>
-        <p:txBody>
-          <a:bodyPr/>
-          <a:lstStyle/>
-          <a:p>
-            <a:fld id="{105800E8-47DC-4785-8041-8DB305D2E738}" type="datetime1">
-              <a:rPr lang="fr-FR" smtClean="0"/>
-              <a:t>25/09/2022</a:t>
-            </a:fld>
-            <a:endParaRPr lang="fr-FR"/>
+          <p:cNvPicPr/>
+          <p:nvPr/>
+        </p:nvPicPr>
+        <p:blipFill>
+          <a:blip r:embed="rId2">
+            <a:extLst>
+              <a:ext uri="{28A0092B-C50C-407E-A947-70E740481C1C}">
+                <a14:useLocalDpi xmlns:a14="http://schemas.microsoft.com/office/drawing/2010/main" val="0"/>
+              </a:ext>
+            </a:extLst>
+          </a:blip>
+          <a:srcRect/>
+          <a:stretch/>
+        </p:blipFill>
+        <p:spPr>
+          <a:xfrm>
+            <a:off x="4471071" y="2574839"/>
+            <a:ext cx="2556840" cy="2800350"/>
+          </a:xfrm>
+          <a:prstGeom prst="rect">
+            <a:avLst/>
+          </a:prstGeom>
+          <a:noFill/>
+          <a:ln>
+            <a:noFill/>
+            <a:prstDash/>
+          </a:ln>
+        </p:spPr>
+      </p:pic>
+      <p:sp>
+        <p:nvSpPr>
+          <p:cNvPr id="9" name="ZoneTexte 8">
+            <a:extLst>
+              <a:ext uri="{FF2B5EF4-FFF2-40B4-BE49-F238E27FC236}">
+                <a16:creationId xmlns:a16="http://schemas.microsoft.com/office/drawing/2014/main" id="{7DFC6315-8102-6613-22C1-C9B06E93463A}"/>
+              </a:ext>
+            </a:extLst>
+          </p:cNvPr>
+          <p:cNvSpPr txBox="1"/>
+          <p:nvPr/>
+        </p:nvSpPr>
+        <p:spPr>
+          <a:xfrm>
+            <a:off x="1289784" y="2098307"/>
+            <a:ext cx="6036509" cy="369332"/>
+          </a:xfrm>
+          <a:prstGeom prst="rect">
+            <a:avLst/>
+          </a:prstGeom>
+          <a:noFill/>
+        </p:spPr>
+        <p:txBody>
+          <a:bodyPr wrap="square" rtlCol="0">
+            <a:spAutoFit/>
+          </a:bodyPr>
+          <a:lstStyle/>
+          <a:p>
+            <a:r>
+              <a:rPr lang="fr-FR" dirty="0"/>
+              <a:t>Une entreprise de maintenance de pièce aéronautique</a:t>
+            </a:r>
+          </a:p>
+        </p:txBody>
+      </p:sp>
+      <p:sp>
+        <p:nvSpPr>
+          <p:cNvPr id="10" name="ZoneTexte 9">
+            <a:extLst>
+              <a:ext uri="{FF2B5EF4-FFF2-40B4-BE49-F238E27FC236}">
+                <a16:creationId xmlns:a16="http://schemas.microsoft.com/office/drawing/2014/main" id="{21F97081-41CF-1581-7E9B-70AE00CFDE31}"/>
+              </a:ext>
+            </a:extLst>
+          </p:cNvPr>
+          <p:cNvSpPr txBox="1"/>
+          <p:nvPr/>
+        </p:nvSpPr>
+        <p:spPr>
+          <a:xfrm>
+            <a:off x="508533" y="3244329"/>
+            <a:ext cx="6036509" cy="369332"/>
+          </a:xfrm>
+          <a:prstGeom prst="rect">
+            <a:avLst/>
+          </a:prstGeom>
+          <a:noFill/>
+        </p:spPr>
+        <p:txBody>
+          <a:bodyPr wrap="square" rtlCol="0">
+            <a:spAutoFit/>
+          </a:bodyPr>
+          <a:lstStyle/>
+          <a:p>
+            <a:r>
+              <a:rPr lang="fr-FR" dirty="0"/>
+              <a:t>Basé dans le Sud-Ouest de la France</a:t>
+            </a:r>
+          </a:p>
+        </p:txBody>
+      </p:sp>
+      <p:sp>
+        <p:nvSpPr>
+          <p:cNvPr id="11" name="ZoneTexte 10">
+            <a:extLst>
+              <a:ext uri="{FF2B5EF4-FFF2-40B4-BE49-F238E27FC236}">
+                <a16:creationId xmlns:a16="http://schemas.microsoft.com/office/drawing/2014/main" id="{9C96DF84-B0E6-7D76-BB6A-3A8C5749CF4A}"/>
+              </a:ext>
+            </a:extLst>
+          </p:cNvPr>
+          <p:cNvSpPr txBox="1"/>
+          <p:nvPr/>
+        </p:nvSpPr>
+        <p:spPr>
+          <a:xfrm>
+            <a:off x="516937" y="4390351"/>
+            <a:ext cx="6036509" cy="369332"/>
+          </a:xfrm>
+          <a:prstGeom prst="rect">
+            <a:avLst/>
+          </a:prstGeom>
+          <a:noFill/>
+        </p:spPr>
+        <p:txBody>
+          <a:bodyPr wrap="square" rtlCol="0">
+            <a:spAutoFit/>
+          </a:bodyPr>
+          <a:lstStyle/>
+          <a:p>
+            <a:r>
+              <a:rPr lang="fr-FR" dirty="0"/>
+              <a:t>Chiffre d’affaire de 320 000 euros</a:t>
+            </a:r>
+          </a:p>
+        </p:txBody>
+      </p:sp>
+      <p:pic>
+        <p:nvPicPr>
+          <p:cNvPr id="15" name="Image 14" descr="Une image contenant intérieur, plancher, avion, plafond&#10;&#10;Description générée automatiquement">
+            <a:extLst>
+              <a:ext uri="{FF2B5EF4-FFF2-40B4-BE49-F238E27FC236}">
+                <a16:creationId xmlns:a16="http://schemas.microsoft.com/office/drawing/2014/main" id="{E16BCA15-2B64-FD97-A474-05AA7AB64CB2}"/>
+              </a:ext>
+            </a:extLst>
+          </p:cNvPr>
+          <p:cNvPicPr>
+            <a:picLocks noChangeAspect="1"/>
+          </p:cNvPicPr>
+          <p:nvPr/>
+        </p:nvPicPr>
+        <p:blipFill>
+          <a:blip r:embed="rId3">
+            <a:extLst>
+              <a:ext uri="{28A0092B-C50C-407E-A947-70E740481C1C}">
+                <a14:useLocalDpi xmlns:a14="http://schemas.microsoft.com/office/drawing/2010/main" val="0"/>
+              </a:ext>
+              <a:ext uri="{837473B0-CC2E-450A-ABE3-18F120FF3D39}">
+                <a1611:picAttrSrcUrl xmlns:a1611="http://schemas.microsoft.com/office/drawing/2016/11/main" r:id="rId4"/>
+              </a:ext>
+            </a:extLst>
+          </a:blip>
+          <a:stretch>
+            <a:fillRect/>
+          </a:stretch>
+        </p:blipFill>
+        <p:spPr>
+          <a:xfrm>
+            <a:off x="8101433" y="1793990"/>
+            <a:ext cx="3054247" cy="2293035"/>
+          </a:xfrm>
+          <a:prstGeom prst="rect">
+            <a:avLst/>
+          </a:prstGeom>
+        </p:spPr>
+      </p:pic>
+      <p:sp>
+        <p:nvSpPr>
+          <p:cNvPr id="17" name="ZoneTexte 16">
+            <a:extLst>
+              <a:ext uri="{FF2B5EF4-FFF2-40B4-BE49-F238E27FC236}">
+                <a16:creationId xmlns:a16="http://schemas.microsoft.com/office/drawing/2014/main" id="{5DECCDA6-5B88-9C0E-33F5-00D81DD08558}"/>
+              </a:ext>
+            </a:extLst>
+          </p:cNvPr>
+          <p:cNvSpPr txBox="1"/>
+          <p:nvPr/>
+        </p:nvSpPr>
+        <p:spPr>
+          <a:xfrm>
+            <a:off x="979517" y="5536372"/>
+            <a:ext cx="1925053" cy="369332"/>
+          </a:xfrm>
+          <a:prstGeom prst="rect">
+            <a:avLst/>
+          </a:prstGeom>
+          <a:noFill/>
+        </p:spPr>
+        <p:txBody>
+          <a:bodyPr wrap="square" rtlCol="0">
+            <a:spAutoFit/>
+          </a:bodyPr>
+          <a:lstStyle/>
+          <a:p>
+            <a:r>
+              <a:rPr lang="fr-FR" dirty="0"/>
+              <a:t>6 salariés</a:t>
+            </a:r>
+          </a:p>
+        </p:txBody>
+      </p:sp>
+      <p:sp>
+        <p:nvSpPr>
+          <p:cNvPr id="18" name="ZoneTexte 17">
+            <a:extLst>
+              <a:ext uri="{FF2B5EF4-FFF2-40B4-BE49-F238E27FC236}">
+                <a16:creationId xmlns:a16="http://schemas.microsoft.com/office/drawing/2014/main" id="{26A9FCE2-F661-4C12-4726-1361A3D92327}"/>
+              </a:ext>
+            </a:extLst>
+          </p:cNvPr>
+          <p:cNvSpPr txBox="1"/>
+          <p:nvPr/>
+        </p:nvSpPr>
+        <p:spPr>
+          <a:xfrm>
+            <a:off x="3535192" y="5582596"/>
+            <a:ext cx="760396" cy="369332"/>
+          </a:xfrm>
+          <a:prstGeom prst="rect">
+            <a:avLst/>
+          </a:prstGeom>
+          <a:noFill/>
+        </p:spPr>
+        <p:txBody>
+          <a:bodyPr wrap="square" rtlCol="0">
+            <a:spAutoFit/>
+          </a:bodyPr>
+          <a:lstStyle/>
+          <a:p>
+            <a:r>
+              <a:rPr lang="fr-FR" dirty="0"/>
+              <a:t>1 CEO</a:t>
+            </a:r>
+          </a:p>
+        </p:txBody>
+      </p:sp>
+      <p:sp>
+        <p:nvSpPr>
+          <p:cNvPr id="19" name="ZoneTexte 18">
+            <a:extLst>
+              <a:ext uri="{FF2B5EF4-FFF2-40B4-BE49-F238E27FC236}">
+                <a16:creationId xmlns:a16="http://schemas.microsoft.com/office/drawing/2014/main" id="{9C49ACFC-27A2-2518-AB5E-76A01BB26C18}"/>
+              </a:ext>
+            </a:extLst>
+          </p:cNvPr>
+          <p:cNvSpPr txBox="1"/>
+          <p:nvPr/>
+        </p:nvSpPr>
+        <p:spPr>
+          <a:xfrm>
+            <a:off x="4926210" y="5582596"/>
+            <a:ext cx="760396" cy="369332"/>
+          </a:xfrm>
+          <a:prstGeom prst="rect">
+            <a:avLst/>
+          </a:prstGeom>
+          <a:noFill/>
+        </p:spPr>
+        <p:txBody>
+          <a:bodyPr wrap="square" rtlCol="0">
+            <a:spAutoFit/>
+          </a:bodyPr>
+          <a:lstStyle/>
+          <a:p>
+            <a:r>
+              <a:rPr lang="fr-FR" dirty="0"/>
+              <a:t>1 RSI</a:t>
+            </a:r>
+          </a:p>
+        </p:txBody>
+      </p:sp>
+      <p:sp>
+        <p:nvSpPr>
+          <p:cNvPr id="20" name="ZoneTexte 19">
+            <a:extLst>
+              <a:ext uri="{FF2B5EF4-FFF2-40B4-BE49-F238E27FC236}">
+                <a16:creationId xmlns:a16="http://schemas.microsoft.com/office/drawing/2014/main" id="{F4493E1E-D1BC-A75E-26A7-FAB83A5FE030}"/>
+              </a:ext>
+            </a:extLst>
+          </p:cNvPr>
+          <p:cNvSpPr txBox="1"/>
+          <p:nvPr/>
+        </p:nvSpPr>
+        <p:spPr>
+          <a:xfrm>
+            <a:off x="6317228" y="5582539"/>
+            <a:ext cx="1986885" cy="646331"/>
+          </a:xfrm>
+          <a:prstGeom prst="rect">
+            <a:avLst/>
+          </a:prstGeom>
+          <a:noFill/>
+        </p:spPr>
+        <p:txBody>
+          <a:bodyPr wrap="square" rtlCol="0">
+            <a:spAutoFit/>
+          </a:bodyPr>
+          <a:lstStyle/>
+          <a:p>
+            <a:r>
+              <a:rPr lang="fr-FR" dirty="0"/>
+              <a:t>1 chef techniciens de maintenance</a:t>
+            </a:r>
+          </a:p>
+        </p:txBody>
+      </p:sp>
+      <p:sp>
+        <p:nvSpPr>
+          <p:cNvPr id="21" name="ZoneTexte 20">
+            <a:extLst>
+              <a:ext uri="{FF2B5EF4-FFF2-40B4-BE49-F238E27FC236}">
+                <a16:creationId xmlns:a16="http://schemas.microsoft.com/office/drawing/2014/main" id="{30BFF20C-129B-66E1-45F6-148FE1987E74}"/>
+              </a:ext>
+            </a:extLst>
+          </p:cNvPr>
+          <p:cNvSpPr txBox="1"/>
+          <p:nvPr/>
+        </p:nvSpPr>
+        <p:spPr>
+          <a:xfrm>
+            <a:off x="8934735" y="5582596"/>
+            <a:ext cx="2277748" cy="646331"/>
+          </a:xfrm>
+          <a:prstGeom prst="rect">
+            <a:avLst/>
+          </a:prstGeom>
+          <a:noFill/>
+        </p:spPr>
+        <p:txBody>
+          <a:bodyPr wrap="square" rtlCol="0">
+            <a:spAutoFit/>
+          </a:bodyPr>
+          <a:lstStyle/>
+          <a:p>
+            <a:r>
+              <a:rPr lang="fr-FR" dirty="0"/>
+              <a:t>3 techniciens de maintenance</a:t>
+            </a:r>
+          </a:p>
+        </p:txBody>
+      </p:sp>
+      <p:sp>
+        <p:nvSpPr>
+          <p:cNvPr id="22" name="ZoneTexte 21">
+            <a:extLst>
+              <a:ext uri="{FF2B5EF4-FFF2-40B4-BE49-F238E27FC236}">
+                <a16:creationId xmlns:a16="http://schemas.microsoft.com/office/drawing/2014/main" id="{D6D30B08-155C-818B-1ADE-A5FAFD07145B}"/>
+              </a:ext>
+            </a:extLst>
+          </p:cNvPr>
+          <p:cNvSpPr txBox="1"/>
+          <p:nvPr/>
+        </p:nvSpPr>
+        <p:spPr>
+          <a:xfrm>
+            <a:off x="6862813" y="4317883"/>
+            <a:ext cx="4527166" cy="369332"/>
+          </a:xfrm>
+          <a:prstGeom prst="rect">
+            <a:avLst/>
+          </a:prstGeom>
+          <a:noFill/>
+        </p:spPr>
+        <p:txBody>
+          <a:bodyPr wrap="square" rtlCol="0">
+            <a:spAutoFit/>
+          </a:bodyPr>
+          <a:lstStyle/>
+          <a:p>
+            <a:r>
+              <a:rPr lang="fr-FR" dirty="0"/>
+              <a:t>Avions de transport commerciaux ou business</a:t>
+            </a:r>
           </a:p>
         </p:txBody>
       </p:sp>
     </p:spTree>
     <p:extLst>
       <p:ext uri="{BB962C8B-B14F-4D97-AF65-F5344CB8AC3E}">
-        <p14:creationId xmlns:p14="http://schemas.microsoft.com/office/powerpoint/2010/main" val="3266504755"/>
+        <p14:creationId xmlns:p14="http://schemas.microsoft.com/office/powerpoint/2010/main" val="2590219188"/>
       </p:ext>
     </p:extLst>
   </p:cSld>
   <p:clrMapOvr>
     <a:masterClrMapping/>
   </p:clrMapOvr>
+  <p:timing>
+    <p:tnLst>
+      <p:par>
+        <p:cTn id="1" dur="indefinite" restart="never" nodeType="tmRoot">
+          <p:childTnLst>
+            <p:seq concurrent="1" nextAc="seek">
+              <p:cTn id="2" dur="indefinite" nodeType="mainSeq">
+                <p:childTnLst>
+                  <p:par>
+                    <p:cTn id="3" fill="hold">
+                      <p:stCondLst>
+                        <p:cond delay="indefinite"/>
+                      </p:stCondLst>
+                      <p:childTnLst>
+                        <p:par>
+                          <p:cTn id="4" fill="hold">
+                            <p:stCondLst>
+                              <p:cond delay="0"/>
+                            </p:stCondLst>
+                            <p:childTnLst>
+                              <p:par>
+                                <p:cTn id="5" presetID="10" presetClass="entr" presetSubtype="0" fill="hold" grpId="0" nodeType="clickEffect">
+                                  <p:stCondLst>
+                                    <p:cond delay="0"/>
+                                  </p:stCondLst>
+                                  <p:childTnLst>
+                                    <p:set>
+                                      <p:cBhvr>
+                                        <p:cTn id="6" dur="1" fill="hold">
+                                          <p:stCondLst>
+                                            <p:cond delay="0"/>
+                                          </p:stCondLst>
+                                        </p:cTn>
+                                        <p:tgtEl>
+                                          <p:spTgt spid="9"/>
+                                        </p:tgtEl>
+                                        <p:attrNameLst>
+                                          <p:attrName>style.visibility</p:attrName>
+                                        </p:attrNameLst>
+                                      </p:cBhvr>
+                                      <p:to>
+                                        <p:strVal val="visible"/>
+                                      </p:to>
+                                    </p:set>
+                                    <p:animEffect transition="in" filter="fade">
+                                      <p:cBhvr>
+                                        <p:cTn id="7" dur="500"/>
+                                        <p:tgtEl>
+                                          <p:spTgt spid="9"/>
+                                        </p:tgtEl>
+                                      </p:cBhvr>
+                                    </p:animEffect>
+                                  </p:childTnLst>
+                                </p:cTn>
+                              </p:par>
+                            </p:childTnLst>
+                          </p:cTn>
+                        </p:par>
+                      </p:childTnLst>
+                    </p:cTn>
+                  </p:par>
+                  <p:par>
+                    <p:cTn id="8" fill="hold">
+                      <p:stCondLst>
+                        <p:cond delay="indefinite"/>
+                      </p:stCondLst>
+                      <p:childTnLst>
+                        <p:par>
+                          <p:cTn id="9" fill="hold">
+                            <p:stCondLst>
+                              <p:cond delay="0"/>
+                            </p:stCondLst>
+                            <p:childTnLst>
+                              <p:par>
+                                <p:cTn id="10" presetID="10" presetClass="entr" presetSubtype="0" fill="hold" grpId="0" nodeType="clickEffect">
+                                  <p:stCondLst>
+                                    <p:cond delay="0"/>
+                                  </p:stCondLst>
+                                  <p:childTnLst>
+                                    <p:set>
+                                      <p:cBhvr>
+                                        <p:cTn id="11" dur="1" fill="hold">
+                                          <p:stCondLst>
+                                            <p:cond delay="0"/>
+                                          </p:stCondLst>
+                                        </p:cTn>
+                                        <p:tgtEl>
+                                          <p:spTgt spid="22"/>
+                                        </p:tgtEl>
+                                        <p:attrNameLst>
+                                          <p:attrName>style.visibility</p:attrName>
+                                        </p:attrNameLst>
+                                      </p:cBhvr>
+                                      <p:to>
+                                        <p:strVal val="visible"/>
+                                      </p:to>
+                                    </p:set>
+                                    <p:animEffect transition="in" filter="fade">
+                                      <p:cBhvr>
+                                        <p:cTn id="12" dur="500"/>
+                                        <p:tgtEl>
+                                          <p:spTgt spid="22"/>
+                                        </p:tgtEl>
+                                      </p:cBhvr>
+                                    </p:animEffect>
+                                  </p:childTnLst>
+                                </p:cTn>
+                              </p:par>
+                              <p:par>
+                                <p:cTn id="13" presetID="10" presetClass="entr" presetSubtype="0" fill="hold" nodeType="withEffect">
+                                  <p:stCondLst>
+                                    <p:cond delay="0"/>
+                                  </p:stCondLst>
+                                  <p:childTnLst>
+                                    <p:set>
+                                      <p:cBhvr>
+                                        <p:cTn id="14" dur="1" fill="hold">
+                                          <p:stCondLst>
+                                            <p:cond delay="0"/>
+                                          </p:stCondLst>
+                                        </p:cTn>
+                                        <p:tgtEl>
+                                          <p:spTgt spid="15"/>
+                                        </p:tgtEl>
+                                        <p:attrNameLst>
+                                          <p:attrName>style.visibility</p:attrName>
+                                        </p:attrNameLst>
+                                      </p:cBhvr>
+                                      <p:to>
+                                        <p:strVal val="visible"/>
+                                      </p:to>
+                                    </p:set>
+                                    <p:animEffect transition="in" filter="fade">
+                                      <p:cBhvr>
+                                        <p:cTn id="15" dur="500"/>
+                                        <p:tgtEl>
+                                          <p:spTgt spid="15"/>
+                                        </p:tgtEl>
+                                      </p:cBhvr>
+                                    </p:animEffect>
+                                  </p:childTnLst>
+                                </p:cTn>
+                              </p:par>
+                            </p:childTnLst>
+                          </p:cTn>
+                        </p:par>
+                      </p:childTnLst>
+                    </p:cTn>
+                  </p:par>
+                  <p:par>
+                    <p:cTn id="16" fill="hold">
+                      <p:stCondLst>
+                        <p:cond delay="indefinite"/>
+                      </p:stCondLst>
+                      <p:childTnLst>
+                        <p:par>
+                          <p:cTn id="17" fill="hold">
+                            <p:stCondLst>
+                              <p:cond delay="0"/>
+                            </p:stCondLst>
+                            <p:childTnLst>
+                              <p:par>
+                                <p:cTn id="18" presetID="10" presetClass="entr" presetSubtype="0" fill="hold" grpId="0" nodeType="clickEffect">
+                                  <p:stCondLst>
+                                    <p:cond delay="0"/>
+                                  </p:stCondLst>
+                                  <p:childTnLst>
+                                    <p:set>
+                                      <p:cBhvr>
+                                        <p:cTn id="19" dur="1" fill="hold">
+                                          <p:stCondLst>
+                                            <p:cond delay="0"/>
+                                          </p:stCondLst>
+                                        </p:cTn>
+                                        <p:tgtEl>
+                                          <p:spTgt spid="10"/>
+                                        </p:tgtEl>
+                                        <p:attrNameLst>
+                                          <p:attrName>style.visibility</p:attrName>
+                                        </p:attrNameLst>
+                                      </p:cBhvr>
+                                      <p:to>
+                                        <p:strVal val="visible"/>
+                                      </p:to>
+                                    </p:set>
+                                    <p:animEffect transition="in" filter="fade">
+                                      <p:cBhvr>
+                                        <p:cTn id="20" dur="500"/>
+                                        <p:tgtEl>
+                                          <p:spTgt spid="10"/>
+                                        </p:tgtEl>
+                                      </p:cBhvr>
+                                    </p:animEffect>
+                                  </p:childTnLst>
+                                </p:cTn>
+                              </p:par>
+                            </p:childTnLst>
+                          </p:cTn>
+                        </p:par>
+                      </p:childTnLst>
+                    </p:cTn>
+                  </p:par>
+                  <p:par>
+                    <p:cTn id="21" fill="hold">
+                      <p:stCondLst>
+                        <p:cond delay="indefinite"/>
+                      </p:stCondLst>
+                      <p:childTnLst>
+                        <p:par>
+                          <p:cTn id="22" fill="hold">
+                            <p:stCondLst>
+                              <p:cond delay="0"/>
+                            </p:stCondLst>
+                            <p:childTnLst>
+                              <p:par>
+                                <p:cTn id="23" presetID="10" presetClass="entr" presetSubtype="0" fill="hold" grpId="0" nodeType="clickEffect">
+                                  <p:stCondLst>
+                                    <p:cond delay="0"/>
+                                  </p:stCondLst>
+                                  <p:childTnLst>
+                                    <p:set>
+                                      <p:cBhvr>
+                                        <p:cTn id="24" dur="1" fill="hold">
+                                          <p:stCondLst>
+                                            <p:cond delay="0"/>
+                                          </p:stCondLst>
+                                        </p:cTn>
+                                        <p:tgtEl>
+                                          <p:spTgt spid="11"/>
+                                        </p:tgtEl>
+                                        <p:attrNameLst>
+                                          <p:attrName>style.visibility</p:attrName>
+                                        </p:attrNameLst>
+                                      </p:cBhvr>
+                                      <p:to>
+                                        <p:strVal val="visible"/>
+                                      </p:to>
+                                    </p:set>
+                                    <p:animEffect transition="in" filter="fade">
+                                      <p:cBhvr>
+                                        <p:cTn id="25" dur="500"/>
+                                        <p:tgtEl>
+                                          <p:spTgt spid="11"/>
+                                        </p:tgtEl>
+                                      </p:cBhvr>
+                                    </p:animEffect>
+                                  </p:childTnLst>
+                                </p:cTn>
+                              </p:par>
+                            </p:childTnLst>
+                          </p:cTn>
+                        </p:par>
+                      </p:childTnLst>
+                    </p:cTn>
+                  </p:par>
+                  <p:par>
+                    <p:cTn id="26" fill="hold">
+                      <p:stCondLst>
+                        <p:cond delay="indefinite"/>
+                      </p:stCondLst>
+                      <p:childTnLst>
+                        <p:par>
+                          <p:cTn id="27" fill="hold">
+                            <p:stCondLst>
+                              <p:cond delay="0"/>
+                            </p:stCondLst>
+                            <p:childTnLst>
+                              <p:par>
+                                <p:cTn id="28" presetID="10" presetClass="entr" presetSubtype="0" fill="hold" grpId="0" nodeType="clickEffect">
+                                  <p:stCondLst>
+                                    <p:cond delay="0"/>
+                                  </p:stCondLst>
+                                  <p:childTnLst>
+                                    <p:set>
+                                      <p:cBhvr>
+                                        <p:cTn id="29" dur="1" fill="hold">
+                                          <p:stCondLst>
+                                            <p:cond delay="0"/>
+                                          </p:stCondLst>
+                                        </p:cTn>
+                                        <p:tgtEl>
+                                          <p:spTgt spid="17"/>
+                                        </p:tgtEl>
+                                        <p:attrNameLst>
+                                          <p:attrName>style.visibility</p:attrName>
+                                        </p:attrNameLst>
+                                      </p:cBhvr>
+                                      <p:to>
+                                        <p:strVal val="visible"/>
+                                      </p:to>
+                                    </p:set>
+                                    <p:animEffect transition="in" filter="fade">
+                                      <p:cBhvr>
+                                        <p:cTn id="30" dur="500"/>
+                                        <p:tgtEl>
+                                          <p:spTgt spid="17"/>
+                                        </p:tgtEl>
+                                      </p:cBhvr>
+                                    </p:animEffect>
+                                  </p:childTnLst>
+                                </p:cTn>
+                              </p:par>
+                            </p:childTnLst>
+                          </p:cTn>
+                        </p:par>
+                        <p:par>
+                          <p:cTn id="31" fill="hold">
+                            <p:stCondLst>
+                              <p:cond delay="500"/>
+                            </p:stCondLst>
+                            <p:childTnLst>
+                              <p:par>
+                                <p:cTn id="32" presetID="10" presetClass="entr" presetSubtype="0" fill="hold" grpId="0" nodeType="afterEffect">
+                                  <p:stCondLst>
+                                    <p:cond delay="3000"/>
+                                  </p:stCondLst>
+                                  <p:childTnLst>
+                                    <p:set>
+                                      <p:cBhvr>
+                                        <p:cTn id="33" dur="1" fill="hold">
+                                          <p:stCondLst>
+                                            <p:cond delay="0"/>
+                                          </p:stCondLst>
+                                        </p:cTn>
+                                        <p:tgtEl>
+                                          <p:spTgt spid="18"/>
+                                        </p:tgtEl>
+                                        <p:attrNameLst>
+                                          <p:attrName>style.visibility</p:attrName>
+                                        </p:attrNameLst>
+                                      </p:cBhvr>
+                                      <p:to>
+                                        <p:strVal val="visible"/>
+                                      </p:to>
+                                    </p:set>
+                                    <p:animEffect transition="in" filter="fade">
+                                      <p:cBhvr>
+                                        <p:cTn id="34" dur="500"/>
+                                        <p:tgtEl>
+                                          <p:spTgt spid="18"/>
+                                        </p:tgtEl>
+                                      </p:cBhvr>
+                                    </p:animEffect>
+                                  </p:childTnLst>
+                                </p:cTn>
+                              </p:par>
+                            </p:childTnLst>
+                          </p:cTn>
+                        </p:par>
+                        <p:par>
+                          <p:cTn id="35" fill="hold">
+                            <p:stCondLst>
+                              <p:cond delay="4000"/>
+                            </p:stCondLst>
+                            <p:childTnLst>
+                              <p:par>
+                                <p:cTn id="36" presetID="10" presetClass="entr" presetSubtype="0" fill="hold" grpId="0" nodeType="afterEffect">
+                                  <p:stCondLst>
+                                    <p:cond delay="1500"/>
+                                  </p:stCondLst>
+                                  <p:childTnLst>
+                                    <p:set>
+                                      <p:cBhvr>
+                                        <p:cTn id="37" dur="1" fill="hold">
+                                          <p:stCondLst>
+                                            <p:cond delay="0"/>
+                                          </p:stCondLst>
+                                        </p:cTn>
+                                        <p:tgtEl>
+                                          <p:spTgt spid="19"/>
+                                        </p:tgtEl>
+                                        <p:attrNameLst>
+                                          <p:attrName>style.visibility</p:attrName>
+                                        </p:attrNameLst>
+                                      </p:cBhvr>
+                                      <p:to>
+                                        <p:strVal val="visible"/>
+                                      </p:to>
+                                    </p:set>
+                                    <p:animEffect transition="in" filter="fade">
+                                      <p:cBhvr>
+                                        <p:cTn id="38" dur="500"/>
+                                        <p:tgtEl>
+                                          <p:spTgt spid="19"/>
+                                        </p:tgtEl>
+                                      </p:cBhvr>
+                                    </p:animEffect>
+                                  </p:childTnLst>
+                                </p:cTn>
+                              </p:par>
+                            </p:childTnLst>
+                          </p:cTn>
+                        </p:par>
+                        <p:par>
+                          <p:cTn id="39" fill="hold">
+                            <p:stCondLst>
+                              <p:cond delay="6000"/>
+                            </p:stCondLst>
+                            <p:childTnLst>
+                              <p:par>
+                                <p:cTn id="40" presetID="10" presetClass="entr" presetSubtype="0" fill="hold" grpId="0" nodeType="afterEffect">
+                                  <p:stCondLst>
+                                    <p:cond delay="1500"/>
+                                  </p:stCondLst>
+                                  <p:childTnLst>
+                                    <p:set>
+                                      <p:cBhvr>
+                                        <p:cTn id="41" dur="1" fill="hold">
+                                          <p:stCondLst>
+                                            <p:cond delay="0"/>
+                                          </p:stCondLst>
+                                        </p:cTn>
+                                        <p:tgtEl>
+                                          <p:spTgt spid="20"/>
+                                        </p:tgtEl>
+                                        <p:attrNameLst>
+                                          <p:attrName>style.visibility</p:attrName>
+                                        </p:attrNameLst>
+                                      </p:cBhvr>
+                                      <p:to>
+                                        <p:strVal val="visible"/>
+                                      </p:to>
+                                    </p:set>
+                                    <p:animEffect transition="in" filter="fade">
+                                      <p:cBhvr>
+                                        <p:cTn id="42" dur="500"/>
+                                        <p:tgtEl>
+                                          <p:spTgt spid="20"/>
+                                        </p:tgtEl>
+                                      </p:cBhvr>
+                                    </p:animEffect>
+                                  </p:childTnLst>
+                                </p:cTn>
+                              </p:par>
+                            </p:childTnLst>
+                          </p:cTn>
+                        </p:par>
+                        <p:par>
+                          <p:cTn id="43" fill="hold">
+                            <p:stCondLst>
+                              <p:cond delay="8000"/>
+                            </p:stCondLst>
+                            <p:childTnLst>
+                              <p:par>
+                                <p:cTn id="44" presetID="10" presetClass="entr" presetSubtype="0" fill="hold" grpId="0" nodeType="afterEffect">
+                                  <p:stCondLst>
+                                    <p:cond delay="1500"/>
+                                  </p:stCondLst>
+                                  <p:childTnLst>
+                                    <p:set>
+                                      <p:cBhvr>
+                                        <p:cTn id="45" dur="1" fill="hold">
+                                          <p:stCondLst>
+                                            <p:cond delay="0"/>
+                                          </p:stCondLst>
+                                        </p:cTn>
+                                        <p:tgtEl>
+                                          <p:spTgt spid="21"/>
+                                        </p:tgtEl>
+                                        <p:attrNameLst>
+                                          <p:attrName>style.visibility</p:attrName>
+                                        </p:attrNameLst>
+                                      </p:cBhvr>
+                                      <p:to>
+                                        <p:strVal val="visible"/>
+                                      </p:to>
+                                    </p:set>
+                                    <p:animEffect transition="in" filter="fade">
+                                      <p:cBhvr>
+                                        <p:cTn id="46" dur="500"/>
+                                        <p:tgtEl>
+                                          <p:spTgt spid="21"/>
+                                        </p:tgtEl>
+                                      </p:cBhvr>
+                                    </p:animEffect>
+                                  </p:childTnLst>
+                                </p:cTn>
+                              </p:par>
+                            </p:childTnLst>
+                          </p:cTn>
+                        </p:par>
+                      </p:childTnLst>
+                    </p:cTn>
+                  </p:par>
+                </p:childTnLst>
+              </p:cTn>
+              <p:prevCondLst>
+                <p:cond evt="onPrev" delay="0">
+                  <p:tgtEl>
+                    <p:sldTgt/>
+                  </p:tgtEl>
+                </p:cond>
+              </p:prevCondLst>
+              <p:nextCondLst>
+                <p:cond evt="onNext" delay="0">
+                  <p:tgtEl>
+                    <p:sldTgt/>
+                  </p:tgtEl>
+                </p:cond>
+              </p:nextCondLst>
+            </p:seq>
+          </p:childTnLst>
+        </p:cTn>
+      </p:par>
+    </p:tnLst>
+    <p:bldLst>
+      <p:bldP spid="9" grpId="0"/>
+      <p:bldP spid="10" grpId="0"/>
+      <p:bldP spid="11" grpId="0"/>
+      <p:bldP spid="17" grpId="0"/>
+      <p:bldP spid="18" grpId="0"/>
+      <p:bldP spid="19" grpId="0"/>
+      <p:bldP spid="20" grpId="0"/>
+      <p:bldP spid="21" grpId="0"/>
+      <p:bldP spid="22" grpId="0"/>
+    </p:bldLst>
+  </p:timing>
 </p:sld>
 </file>
 
@@ -5008,10 +6245,10 @@
       </p:grpSpPr>
       <p:sp>
         <p:nvSpPr>
-          <p:cNvPr id="5" name="Titre 4">
+          <p:cNvPr id="2" name="Titre 1">
             <a:extLst>
               <a:ext uri="{FF2B5EF4-FFF2-40B4-BE49-F238E27FC236}">
-                <a16:creationId xmlns:a16="http://schemas.microsoft.com/office/drawing/2014/main" id="{869D22E0-DA2B-5AE2-3F2C-EA457FF9F647}"/>
+                <a16:creationId xmlns:a16="http://schemas.microsoft.com/office/drawing/2014/main" id="{4F02CCE0-135F-87A2-62BC-5843C623CE91}"/>
               </a:ext>
             </a:extLst>
           </p:cNvPr>
@@ -5027,27 +6264,19 @@
           <a:bodyPr/>
           <a:lstStyle/>
           <a:p>
-            <a:pPr marL="571500" indent="-571500">
-              <a:buFont typeface="Wingdings" panose="05000000000000000000" pitchFamily="2" charset="2"/>
-              <a:buChar char="Ø"/>
-            </a:pPr>
-            <a:r>
-              <a:rPr lang="fr-FR" sz="4400" b="1" dirty="0">
-                <a:solidFill>
-                  <a:srgbClr val="00B0F0"/>
-                </a:solidFill>
-              </a:rPr>
-              <a:t>La nouvelle architecture</a:t>
-            </a:r>
-          </a:p>
-        </p:txBody>
-      </p:sp>
-      <p:sp>
-        <p:nvSpPr>
-          <p:cNvPr id="6" name="Espace réservé du texte 5">
+            <a:r>
+              <a:rPr lang="fr-FR" dirty="0"/>
+              <a:t>Le projet, une nécessité technique</a:t>
+            </a:r>
+          </a:p>
+        </p:txBody>
+      </p:sp>
+      <p:sp>
+        <p:nvSpPr>
+          <p:cNvPr id="4" name="Espace réservé du numéro de diapositive 3">
             <a:extLst>
               <a:ext uri="{FF2B5EF4-FFF2-40B4-BE49-F238E27FC236}">
-                <a16:creationId xmlns:a16="http://schemas.microsoft.com/office/drawing/2014/main" id="{5433307A-B94A-9D9B-5E2F-A0EA21948A60}"/>
+                <a16:creationId xmlns:a16="http://schemas.microsoft.com/office/drawing/2014/main" id="{0F3C2386-62CF-28EE-EC69-2DDFB06AC00C}"/>
               </a:ext>
             </a:extLst>
           </p:cNvPr>
@@ -5055,7 +6284,7 @@
             <a:spLocks noGrp="1"/>
           </p:cNvSpPr>
           <p:nvPr>
-            <p:ph type="body" idx="1"/>
+            <p:ph type="sldNum" sz="quarter" idx="12"/>
           </p:nvPr>
         </p:nvSpPr>
         <p:spPr/>
@@ -5063,46 +6292,159 @@
           <a:bodyPr/>
           <a:lstStyle/>
           <a:p>
-            <a:r>
-              <a:rPr lang="fr-FR" dirty="0"/>
-              <a:t>REP’AERO</a:t>
-            </a:r>
-          </a:p>
-        </p:txBody>
-      </p:sp>
-      <p:sp>
-        <p:nvSpPr>
-          <p:cNvPr id="2" name="Espace réservé de la date 1">
+            <a:fld id="{BB460250-132E-47B3-835F-8C1BCF0D91F5}" type="slidenum">
+              <a:rPr lang="fr-FR" smtClean="0"/>
+              <a:t>5</a:t>
+            </a:fld>
+            <a:endParaRPr lang="fr-FR"/>
+          </a:p>
+        </p:txBody>
+      </p:sp>
+      <p:sp>
+        <p:nvSpPr>
+          <p:cNvPr id="6" name="ZoneTexte 5">
             <a:extLst>
               <a:ext uri="{FF2B5EF4-FFF2-40B4-BE49-F238E27FC236}">
-                <a16:creationId xmlns:a16="http://schemas.microsoft.com/office/drawing/2014/main" id="{47E8D1F1-E0E1-AFB4-216B-082D03DE0596}"/>
+                <a16:creationId xmlns:a16="http://schemas.microsoft.com/office/drawing/2014/main" id="{DA253674-7C36-8B6B-7DF8-BEF109692C17}"/>
               </a:ext>
             </a:extLst>
           </p:cNvPr>
-          <p:cNvSpPr>
-            <a:spLocks noGrp="1"/>
-          </p:cNvSpPr>
-          <p:nvPr>
-            <p:ph type="dt" sz="half" idx="10"/>
-          </p:nvPr>
-        </p:nvSpPr>
-        <p:spPr/>
-        <p:txBody>
-          <a:bodyPr/>
-          <a:lstStyle/>
-          <a:p>
-            <a:fld id="{105800E8-47DC-4785-8041-8DB305D2E738}" type="datetime1">
-              <a:rPr lang="fr-FR" smtClean="0"/>
-              <a:t>25/09/2022</a:t>
-            </a:fld>
-            <a:endParaRPr lang="fr-FR"/>
+          <p:cNvSpPr txBox="1"/>
+          <p:nvPr/>
+        </p:nvSpPr>
+        <p:spPr>
+          <a:xfrm>
+            <a:off x="1097280" y="2618071"/>
+            <a:ext cx="2800952" cy="369332"/>
+          </a:xfrm>
+          <a:prstGeom prst="rect">
+            <a:avLst/>
+          </a:prstGeom>
+          <a:noFill/>
+        </p:spPr>
+        <p:txBody>
+          <a:bodyPr wrap="square" rtlCol="0">
+            <a:spAutoFit/>
+          </a:bodyPr>
+          <a:lstStyle/>
+          <a:p>
+            <a:r>
+              <a:rPr lang="fr-FR" dirty="0"/>
+              <a:t>Perte d’un client historique</a:t>
+            </a:r>
+          </a:p>
+        </p:txBody>
+      </p:sp>
+      <p:sp>
+        <p:nvSpPr>
+          <p:cNvPr id="7" name="ZoneTexte 6">
+            <a:extLst>
+              <a:ext uri="{FF2B5EF4-FFF2-40B4-BE49-F238E27FC236}">
+                <a16:creationId xmlns:a16="http://schemas.microsoft.com/office/drawing/2014/main" id="{02E83AAB-5DB7-722C-47BB-CFFE275DE868}"/>
+              </a:ext>
+            </a:extLst>
+          </p:cNvPr>
+          <p:cNvSpPr txBox="1"/>
+          <p:nvPr/>
+        </p:nvSpPr>
+        <p:spPr>
+          <a:xfrm>
+            <a:off x="4745255" y="2127183"/>
+            <a:ext cx="3455469" cy="369332"/>
+          </a:xfrm>
+          <a:prstGeom prst="rect">
+            <a:avLst/>
+          </a:prstGeom>
+          <a:noFill/>
+        </p:spPr>
+        <p:txBody>
+          <a:bodyPr wrap="square" rtlCol="0">
+            <a:spAutoFit/>
+          </a:bodyPr>
+          <a:lstStyle/>
+          <a:p>
+            <a:r>
+              <a:rPr lang="fr-FR"/>
+              <a:t>Lenteur technique</a:t>
+            </a:r>
+            <a:endParaRPr lang="fr-FR" dirty="0"/>
+          </a:p>
+        </p:txBody>
+      </p:sp>
+      <p:sp>
+        <p:nvSpPr>
+          <p:cNvPr id="8" name="ZoneTexte 7">
+            <a:extLst>
+              <a:ext uri="{FF2B5EF4-FFF2-40B4-BE49-F238E27FC236}">
+                <a16:creationId xmlns:a16="http://schemas.microsoft.com/office/drawing/2014/main" id="{598596BA-ACFA-A508-E129-0B9CD4340D40}"/>
+              </a:ext>
+            </a:extLst>
+          </p:cNvPr>
+          <p:cNvSpPr txBox="1"/>
+          <p:nvPr/>
+        </p:nvSpPr>
+        <p:spPr>
+          <a:xfrm>
+            <a:off x="4745255" y="2669406"/>
+            <a:ext cx="3455469" cy="369332"/>
+          </a:xfrm>
+          <a:prstGeom prst="rect">
+            <a:avLst/>
+          </a:prstGeom>
+          <a:noFill/>
+        </p:spPr>
+        <p:txBody>
+          <a:bodyPr wrap="square" rtlCol="0">
+            <a:spAutoFit/>
+          </a:bodyPr>
+          <a:lstStyle/>
+          <a:p>
+            <a:r>
+              <a:rPr lang="fr-FR" dirty="0"/>
+              <a:t>Gestion et suivi client difficile</a:t>
+            </a:r>
+          </a:p>
+        </p:txBody>
+      </p:sp>
+      <p:sp>
+        <p:nvSpPr>
+          <p:cNvPr id="9" name="ZoneTexte 8">
+            <a:extLst>
+              <a:ext uri="{FF2B5EF4-FFF2-40B4-BE49-F238E27FC236}">
+                <a16:creationId xmlns:a16="http://schemas.microsoft.com/office/drawing/2014/main" id="{641A257B-15F0-255F-DB06-A4F2FB22B2AF}"/>
+              </a:ext>
+            </a:extLst>
+          </p:cNvPr>
+          <p:cNvSpPr txBox="1"/>
+          <p:nvPr/>
+        </p:nvSpPr>
+        <p:spPr>
+          <a:xfrm>
+            <a:off x="4745255" y="3244334"/>
+            <a:ext cx="3455469" cy="369332"/>
+          </a:xfrm>
+          <a:prstGeom prst="rect">
+            <a:avLst/>
+          </a:prstGeom>
+          <a:noFill/>
+        </p:spPr>
+        <p:txBody>
+          <a:bodyPr wrap="square" rtlCol="0">
+            <a:spAutoFit/>
+          </a:bodyPr>
+          <a:lstStyle/>
+          <a:p>
+            <a:r>
+              <a:rPr lang="fr-FR" dirty="0"/>
+              <a:t>Aucune interconnexion entre outils</a:t>
+            </a:r>
           </a:p>
         </p:txBody>
       </p:sp>
     </p:spTree>
     <p:extLst>
       <p:ext uri="{BB962C8B-B14F-4D97-AF65-F5344CB8AC3E}">
-        <p14:creationId xmlns:p14="http://schemas.microsoft.com/office/powerpoint/2010/main" val="741221638"/>
+        <p14:creationId xmlns:p14="http://schemas.microsoft.com/office/powerpoint/2010/main" val="1086843822"/>
       </p:ext>
     </p:extLst>
   </p:cSld>
@@ -5160,7 +6502,7 @@
                   <a:srgbClr val="00B0F0"/>
                 </a:solidFill>
               </a:rPr>
-              <a:t>La Transition</a:t>
+              <a:t>L’architecture actuelle</a:t>
             </a:r>
           </a:p>
         </p:txBody>
@@ -5191,17 +6533,14 @@
               <a:t>REP’AERO</a:t>
             </a:r>
           </a:p>
-          <a:p>
-            <a:endParaRPr lang="fr-FR" dirty="0"/>
-          </a:p>
-        </p:txBody>
-      </p:sp>
-      <p:sp>
-        <p:nvSpPr>
-          <p:cNvPr id="2" name="Espace réservé de la date 1">
+        </p:txBody>
+      </p:sp>
+      <p:sp>
+        <p:nvSpPr>
+          <p:cNvPr id="3" name="Espace réservé du numéro de diapositive 2">
             <a:extLst>
               <a:ext uri="{FF2B5EF4-FFF2-40B4-BE49-F238E27FC236}">
-                <a16:creationId xmlns:a16="http://schemas.microsoft.com/office/drawing/2014/main" id="{47E8D1F1-E0E1-AFB4-216B-082D03DE0596}"/>
+                <a16:creationId xmlns:a16="http://schemas.microsoft.com/office/drawing/2014/main" id="{7B6B30BB-6C95-8DCE-D613-0EAD128869AF}"/>
               </a:ext>
             </a:extLst>
           </p:cNvPr>
@@ -5209,7 +6548,7 @@
             <a:spLocks noGrp="1"/>
           </p:cNvSpPr>
           <p:nvPr>
-            <p:ph type="dt" sz="half" idx="10"/>
+            <p:ph type="sldNum" sz="quarter" idx="12"/>
           </p:nvPr>
         </p:nvSpPr>
         <p:spPr/>
@@ -5217,9 +6556,9 @@
           <a:bodyPr/>
           <a:lstStyle/>
           <a:p>
-            <a:fld id="{105800E8-47DC-4785-8041-8DB305D2E738}" type="datetime1">
+            <a:fld id="{BB460250-132E-47B3-835F-8C1BCF0D91F5}" type="slidenum">
               <a:rPr lang="fr-FR" smtClean="0"/>
-              <a:t>25/09/2022</a:t>
+              <a:t>6</a:t>
             </a:fld>
             <a:endParaRPr lang="fr-FR"/>
           </a:p>
@@ -5228,7 +6567,7 @@
     </p:spTree>
     <p:extLst>
       <p:ext uri="{BB962C8B-B14F-4D97-AF65-F5344CB8AC3E}">
-        <p14:creationId xmlns:p14="http://schemas.microsoft.com/office/powerpoint/2010/main" val="3719972945"/>
+        <p14:creationId xmlns:p14="http://schemas.microsoft.com/office/powerpoint/2010/main" val="3266504755"/>
       </p:ext>
     </p:extLst>
   </p:cSld>
@@ -5257,10 +6596,10 @@
       </p:grpSpPr>
       <p:sp>
         <p:nvSpPr>
-          <p:cNvPr id="4" name="Espace réservé de la date 3">
+          <p:cNvPr id="5" name="Titre 4">
             <a:extLst>
               <a:ext uri="{FF2B5EF4-FFF2-40B4-BE49-F238E27FC236}">
-                <a16:creationId xmlns:a16="http://schemas.microsoft.com/office/drawing/2014/main" id="{103F411D-F79A-BB61-B692-6A4B4FAFFABE}"/>
+                <a16:creationId xmlns:a16="http://schemas.microsoft.com/office/drawing/2014/main" id="{869D22E0-DA2B-5AE2-3F2C-EA457FF9F647}"/>
               </a:ext>
             </a:extLst>
           </p:cNvPr>
@@ -5268,44 +6607,10 @@
             <a:spLocks noGrp="1"/>
           </p:cNvSpPr>
           <p:nvPr>
-            <p:ph type="dt" sz="half" idx="10"/>
+            <p:ph type="title"/>
           </p:nvPr>
         </p:nvSpPr>
         <p:spPr/>
-        <p:txBody>
-          <a:bodyPr/>
-          <a:lstStyle/>
-          <a:p>
-            <a:fld id="{56C2B04D-0606-475C-A929-D2B475C53DC3}" type="datetime1">
-              <a:rPr lang="fr-FR" smtClean="0"/>
-              <a:t>25/09/2022</a:t>
-            </a:fld>
-            <a:endParaRPr lang="fr-FR" dirty="0"/>
-          </a:p>
-        </p:txBody>
-      </p:sp>
-      <p:sp>
-        <p:nvSpPr>
-          <p:cNvPr id="10" name="Titre 5">
-            <a:extLst>
-              <a:ext uri="{FF2B5EF4-FFF2-40B4-BE49-F238E27FC236}">
-                <a16:creationId xmlns:a16="http://schemas.microsoft.com/office/drawing/2014/main" id="{67707F07-DCEF-29A3-3493-B4C86C6F9A3C}"/>
-              </a:ext>
-            </a:extLst>
-          </p:cNvPr>
-          <p:cNvSpPr>
-            <a:spLocks noGrp="1"/>
-          </p:cNvSpPr>
-          <p:nvPr>
-            <p:ph type="title"/>
-          </p:nvPr>
-        </p:nvSpPr>
-        <p:spPr>
-          <a:xfrm>
-            <a:off x="1097280" y="758952"/>
-            <a:ext cx="10058400" cy="3566160"/>
-          </a:xfrm>
-        </p:spPr>
         <p:txBody>
           <a:bodyPr/>
           <a:lstStyle/>
@@ -5320,17 +6625,17 @@
                   <a:srgbClr val="00B0F0"/>
                 </a:solidFill>
               </a:rPr>
-              <a:t>Des questions ?</a:t>
-            </a:r>
-          </a:p>
-        </p:txBody>
-      </p:sp>
-      <p:sp>
-        <p:nvSpPr>
-          <p:cNvPr id="3" name="Espace réservé du texte 2">
+              <a:t>La nouvelle architecture</a:t>
+            </a:r>
+          </a:p>
+        </p:txBody>
+      </p:sp>
+      <p:sp>
+        <p:nvSpPr>
+          <p:cNvPr id="6" name="Espace réservé du texte 5">
             <a:extLst>
               <a:ext uri="{FF2B5EF4-FFF2-40B4-BE49-F238E27FC236}">
-                <a16:creationId xmlns:a16="http://schemas.microsoft.com/office/drawing/2014/main" id="{5183F29D-EAA9-551D-1999-75CBDEA216EB}"/>
+                <a16:creationId xmlns:a16="http://schemas.microsoft.com/office/drawing/2014/main" id="{5433307A-B94A-9D9B-5E2F-A0EA21948A60}"/>
               </a:ext>
             </a:extLst>
           </p:cNvPr>
@@ -5346,6 +6651,38 @@
           <a:bodyPr/>
           <a:lstStyle/>
           <a:p>
+            <a:r>
+              <a:rPr lang="fr-FR" dirty="0"/>
+              <a:t>REP’AERO</a:t>
+            </a:r>
+          </a:p>
+        </p:txBody>
+      </p:sp>
+      <p:sp>
+        <p:nvSpPr>
+          <p:cNvPr id="3" name="Espace réservé du numéro de diapositive 2">
+            <a:extLst>
+              <a:ext uri="{FF2B5EF4-FFF2-40B4-BE49-F238E27FC236}">
+                <a16:creationId xmlns:a16="http://schemas.microsoft.com/office/drawing/2014/main" id="{B8285540-6AE4-37DE-1847-88B2CBEF64AA}"/>
+              </a:ext>
+            </a:extLst>
+          </p:cNvPr>
+          <p:cNvSpPr>
+            <a:spLocks noGrp="1"/>
+          </p:cNvSpPr>
+          <p:nvPr>
+            <p:ph type="sldNum" sz="quarter" idx="12"/>
+          </p:nvPr>
+        </p:nvSpPr>
+        <p:spPr/>
+        <p:txBody>
+          <a:bodyPr/>
+          <a:lstStyle/>
+          <a:p>
+            <a:fld id="{BB460250-132E-47B3-835F-8C1BCF0D91F5}" type="slidenum">
+              <a:rPr lang="fr-FR" smtClean="0"/>
+              <a:t>7</a:t>
+            </a:fld>
             <a:endParaRPr lang="fr-FR"/>
           </a:p>
         </p:txBody>
@@ -5353,7 +6690,7 @@
     </p:spTree>
     <p:extLst>
       <p:ext uri="{BB962C8B-B14F-4D97-AF65-F5344CB8AC3E}">
-        <p14:creationId xmlns:p14="http://schemas.microsoft.com/office/powerpoint/2010/main" val="1332921262"/>
+        <p14:creationId xmlns:p14="http://schemas.microsoft.com/office/powerpoint/2010/main" val="741221638"/>
       </p:ext>
     </p:extLst>
   </p:cSld>
@@ -5382,10 +6719,10 @@
       </p:grpSpPr>
       <p:sp>
         <p:nvSpPr>
-          <p:cNvPr id="4" name="Espace réservé de la date 3">
+          <p:cNvPr id="5" name="Titre 4">
             <a:extLst>
               <a:ext uri="{FF2B5EF4-FFF2-40B4-BE49-F238E27FC236}">
-                <a16:creationId xmlns:a16="http://schemas.microsoft.com/office/drawing/2014/main" id="{6E131F7D-6880-F239-381B-2E6244DC212B}"/>
+                <a16:creationId xmlns:a16="http://schemas.microsoft.com/office/drawing/2014/main" id="{869D22E0-DA2B-5AE2-3F2C-EA457FF9F647}"/>
               </a:ext>
             </a:extLst>
           </p:cNvPr>
@@ -5393,7 +6730,7 @@
             <a:spLocks noGrp="1"/>
           </p:cNvSpPr>
           <p:nvPr>
-            <p:ph type="dt" sz="half" idx="10"/>
+            <p:ph type="title"/>
           </p:nvPr>
         </p:nvSpPr>
         <p:spPr/>
@@ -5401,316 +6738,210 @@
           <a:bodyPr/>
           <a:lstStyle/>
           <a:p>
-            <a:fld id="{66D14505-7D92-4381-8682-D9B8DFE0A44D}" type="datetime1">
-              <a:rPr lang="fr-FR" smtClean="0"/>
-              <a:t>25/09/2022</a:t>
-            </a:fld>
-            <a:endParaRPr lang="fr-FR" dirty="0"/>
-          </a:p>
-        </p:txBody>
-      </p:sp>
-      <p:sp>
-        <p:nvSpPr>
-          <p:cNvPr id="6" name="Espace réservé du contenu 7">
+            <a:pPr marL="571500" indent="-571500">
+              <a:buFont typeface="Wingdings" panose="05000000000000000000" pitchFamily="2" charset="2"/>
+              <a:buChar char="Ø"/>
+            </a:pPr>
+            <a:r>
+              <a:rPr lang="fr-FR" sz="4400" b="1" dirty="0">
+                <a:solidFill>
+                  <a:srgbClr val="00B0F0"/>
+                </a:solidFill>
+              </a:rPr>
+              <a:t>La Transition</a:t>
+            </a:r>
+          </a:p>
+        </p:txBody>
+      </p:sp>
+      <p:sp>
+        <p:nvSpPr>
+          <p:cNvPr id="6" name="Espace réservé du texte 5">
             <a:extLst>
               <a:ext uri="{FF2B5EF4-FFF2-40B4-BE49-F238E27FC236}">
-                <a16:creationId xmlns:a16="http://schemas.microsoft.com/office/drawing/2014/main" id="{0AEA36C7-CCC1-50EE-7242-FA053D38EA8F}"/>
+                <a16:creationId xmlns:a16="http://schemas.microsoft.com/office/drawing/2014/main" id="{5433307A-B94A-9D9B-5E2F-A0EA21948A60}"/>
               </a:ext>
             </a:extLst>
           </p:cNvPr>
-          <p:cNvSpPr txBox="1">
-            <a:spLocks/>
-          </p:cNvSpPr>
-          <p:nvPr/>
+          <p:cNvSpPr>
+            <a:spLocks noGrp="1"/>
+          </p:cNvSpPr>
+          <p:nvPr>
+            <p:ph type="body" idx="1"/>
+          </p:nvPr>
+        </p:nvSpPr>
+        <p:spPr/>
+        <p:txBody>
+          <a:bodyPr/>
+          <a:lstStyle/>
+          <a:p>
+            <a:r>
+              <a:rPr lang="fr-FR" dirty="0"/>
+              <a:t>REP’AERO</a:t>
+            </a:r>
+          </a:p>
+          <a:p>
+            <a:endParaRPr lang="fr-FR" dirty="0"/>
+          </a:p>
+        </p:txBody>
+      </p:sp>
+      <p:sp>
+        <p:nvSpPr>
+          <p:cNvPr id="3" name="Espace réservé du numéro de diapositive 2">
+            <a:extLst>
+              <a:ext uri="{FF2B5EF4-FFF2-40B4-BE49-F238E27FC236}">
+                <a16:creationId xmlns:a16="http://schemas.microsoft.com/office/drawing/2014/main" id="{CCFE3020-E40C-7A38-F476-6C1F083FA00B}"/>
+              </a:ext>
+            </a:extLst>
+          </p:cNvPr>
+          <p:cNvSpPr>
+            <a:spLocks noGrp="1"/>
+          </p:cNvSpPr>
+          <p:nvPr>
+            <p:ph type="sldNum" sz="quarter" idx="12"/>
+          </p:nvPr>
+        </p:nvSpPr>
+        <p:spPr/>
+        <p:txBody>
+          <a:bodyPr/>
+          <a:lstStyle/>
+          <a:p>
+            <a:fld id="{BB460250-132E-47B3-835F-8C1BCF0D91F5}" type="slidenum">
+              <a:rPr lang="fr-FR" smtClean="0"/>
+              <a:t>8</a:t>
+            </a:fld>
+            <a:endParaRPr lang="fr-FR"/>
+          </a:p>
+        </p:txBody>
+      </p:sp>
+    </p:spTree>
+    <p:extLst>
+      <p:ext uri="{BB962C8B-B14F-4D97-AF65-F5344CB8AC3E}">
+        <p14:creationId xmlns:p14="http://schemas.microsoft.com/office/powerpoint/2010/main" val="3719972945"/>
+      </p:ext>
+    </p:extLst>
+  </p:cSld>
+  <p:clrMapOvr>
+    <a:masterClrMapping/>
+  </p:clrMapOvr>
+</p:sld>
+</file>
+
+<file path=ppt/slides/slide9.xml><?xml version="1.0" encoding="utf-8"?>
+<p:sld xmlns:a="http://schemas.openxmlformats.org/drawingml/2006/main" xmlns:r="http://schemas.openxmlformats.org/officeDocument/2006/relationships" xmlns:p="http://schemas.openxmlformats.org/presentationml/2006/main">
+  <p:cSld>
+    <p:spTree>
+      <p:nvGrpSpPr>
+        <p:cNvPr id="1" name=""/>
+        <p:cNvGrpSpPr/>
+        <p:nvPr/>
+      </p:nvGrpSpPr>
+      <p:grpSpPr>
+        <a:xfrm>
+          <a:off x="0" y="0"/>
+          <a:ext cx="0" cy="0"/>
+          <a:chOff x="0" y="0"/>
+          <a:chExt cx="0" cy="0"/>
+        </a:xfrm>
+      </p:grpSpPr>
+      <p:sp>
+        <p:nvSpPr>
+          <p:cNvPr id="10" name="Titre 5">
+            <a:extLst>
+              <a:ext uri="{FF2B5EF4-FFF2-40B4-BE49-F238E27FC236}">
+                <a16:creationId xmlns:a16="http://schemas.microsoft.com/office/drawing/2014/main" id="{67707F07-DCEF-29A3-3493-B4C86C6F9A3C}"/>
+              </a:ext>
+            </a:extLst>
+          </p:cNvPr>
+          <p:cNvSpPr>
+            <a:spLocks noGrp="1"/>
+          </p:cNvSpPr>
+          <p:nvPr>
+            <p:ph type="title"/>
+          </p:nvPr>
         </p:nvSpPr>
         <p:spPr>
           <a:xfrm>
-            <a:off x="1066800" y="1417320"/>
-            <a:ext cx="10058400" cy="4023360"/>
+            <a:off x="1097280" y="758952"/>
+            <a:ext cx="10058400" cy="3566160"/>
           </a:xfrm>
-          <a:prstGeom prst="rect">
-            <a:avLst/>
-          </a:prstGeom>
         </p:spPr>
         <p:txBody>
-          <a:bodyPr anchor="ctr"/>
-          <a:lstStyle>
-            <a:lvl1pPr marL="91440" indent="-91440" algn="l" defTabSz="914400" rtl="0" eaLnBrk="1" latinLnBrk="0" hangingPunct="1">
-              <a:lnSpc>
-                <a:spcPct val="90000"/>
-              </a:lnSpc>
-              <a:spcBef>
-                <a:spcPts val="1200"/>
-              </a:spcBef>
-              <a:spcAft>
-                <a:spcPts val="200"/>
-              </a:spcAft>
-              <a:buClr>
-                <a:schemeClr val="accent1"/>
-              </a:buClr>
-              <a:buSzPct val="100000"/>
-              <a:buFont typeface="Calibri" panose="020F0502020204030204" pitchFamily="34" charset="0"/>
-              <a:buChar char=" "/>
-              <a:defRPr sz="2000" kern="1200">
-                <a:solidFill>
-                  <a:schemeClr val="tx1">
-                    <a:lumMod val="75000"/>
-                    <a:lumOff val="25000"/>
-                  </a:schemeClr>
-                </a:solidFill>
-                <a:latin typeface="+mn-lt"/>
-                <a:ea typeface="+mn-ea"/>
-                <a:cs typeface="+mn-cs"/>
-              </a:defRPr>
-            </a:lvl1pPr>
-            <a:lvl2pPr marL="384048" indent="-182880" algn="l" defTabSz="914400" rtl="0" eaLnBrk="1" latinLnBrk="0" hangingPunct="1">
-              <a:lnSpc>
-                <a:spcPct val="90000"/>
-              </a:lnSpc>
-              <a:spcBef>
-                <a:spcPts val="200"/>
-              </a:spcBef>
-              <a:spcAft>
-                <a:spcPts val="400"/>
-              </a:spcAft>
-              <a:buClr>
-                <a:schemeClr val="accent1"/>
-              </a:buClr>
-              <a:buFont typeface="Calibri" pitchFamily="34" charset="0"/>
-              <a:buChar char="◦"/>
-              <a:defRPr sz="1800" kern="1200">
-                <a:solidFill>
-                  <a:schemeClr val="tx1">
-                    <a:lumMod val="75000"/>
-                    <a:lumOff val="25000"/>
-                  </a:schemeClr>
-                </a:solidFill>
-                <a:latin typeface="+mn-lt"/>
-                <a:ea typeface="+mn-ea"/>
-                <a:cs typeface="+mn-cs"/>
-              </a:defRPr>
-            </a:lvl2pPr>
-            <a:lvl3pPr marL="566928" indent="-182880" algn="l" defTabSz="914400" rtl="0" eaLnBrk="1" latinLnBrk="0" hangingPunct="1">
-              <a:lnSpc>
-                <a:spcPct val="90000"/>
-              </a:lnSpc>
-              <a:spcBef>
-                <a:spcPts val="200"/>
-              </a:spcBef>
-              <a:spcAft>
-                <a:spcPts val="400"/>
-              </a:spcAft>
-              <a:buClr>
-                <a:schemeClr val="accent1"/>
-              </a:buClr>
-              <a:buFont typeface="Calibri" pitchFamily="34" charset="0"/>
-              <a:buChar char="◦"/>
-              <a:defRPr sz="1400" kern="1200">
-                <a:solidFill>
-                  <a:schemeClr val="tx1">
-                    <a:lumMod val="75000"/>
-                    <a:lumOff val="25000"/>
-                  </a:schemeClr>
-                </a:solidFill>
-                <a:latin typeface="+mn-lt"/>
-                <a:ea typeface="+mn-ea"/>
-                <a:cs typeface="+mn-cs"/>
-              </a:defRPr>
-            </a:lvl3pPr>
-            <a:lvl4pPr marL="749808" indent="-182880" algn="l" defTabSz="914400" rtl="0" eaLnBrk="1" latinLnBrk="0" hangingPunct="1">
-              <a:lnSpc>
-                <a:spcPct val="90000"/>
-              </a:lnSpc>
-              <a:spcBef>
-                <a:spcPts val="200"/>
-              </a:spcBef>
-              <a:spcAft>
-                <a:spcPts val="400"/>
-              </a:spcAft>
-              <a:buClr>
-                <a:schemeClr val="accent1"/>
-              </a:buClr>
-              <a:buFont typeface="Calibri" pitchFamily="34" charset="0"/>
-              <a:buChar char="◦"/>
-              <a:defRPr sz="1400" kern="1200">
-                <a:solidFill>
-                  <a:schemeClr val="tx1">
-                    <a:lumMod val="75000"/>
-                    <a:lumOff val="25000"/>
-                  </a:schemeClr>
-                </a:solidFill>
-                <a:latin typeface="+mn-lt"/>
-                <a:ea typeface="+mn-ea"/>
-                <a:cs typeface="+mn-cs"/>
-              </a:defRPr>
-            </a:lvl4pPr>
-            <a:lvl5pPr marL="932688" indent="-182880" algn="l" defTabSz="914400" rtl="0" eaLnBrk="1" latinLnBrk="0" hangingPunct="1">
-              <a:lnSpc>
-                <a:spcPct val="90000"/>
-              </a:lnSpc>
-              <a:spcBef>
-                <a:spcPts val="200"/>
-              </a:spcBef>
-              <a:spcAft>
-                <a:spcPts val="400"/>
-              </a:spcAft>
-              <a:buClr>
-                <a:schemeClr val="accent1"/>
-              </a:buClr>
-              <a:buFont typeface="Calibri" pitchFamily="34" charset="0"/>
-              <a:buChar char="◦"/>
-              <a:defRPr sz="1400" kern="1200">
-                <a:solidFill>
-                  <a:schemeClr val="tx1">
-                    <a:lumMod val="75000"/>
-                    <a:lumOff val="25000"/>
-                  </a:schemeClr>
-                </a:solidFill>
-                <a:latin typeface="+mn-lt"/>
-                <a:ea typeface="+mn-ea"/>
-                <a:cs typeface="+mn-cs"/>
-              </a:defRPr>
-            </a:lvl5pPr>
-            <a:lvl6pPr marL="1100000" indent="-228600" algn="l" defTabSz="914400" rtl="0" eaLnBrk="1" latinLnBrk="0" hangingPunct="1">
-              <a:lnSpc>
-                <a:spcPct val="90000"/>
-              </a:lnSpc>
-              <a:spcBef>
-                <a:spcPts val="200"/>
-              </a:spcBef>
-              <a:spcAft>
-                <a:spcPts val="400"/>
-              </a:spcAft>
-              <a:buClr>
-                <a:schemeClr val="accent1"/>
-              </a:buClr>
-              <a:buFont typeface="Calibri" pitchFamily="34" charset="0"/>
-              <a:buChar char="◦"/>
-              <a:defRPr sz="1400" kern="1200">
-                <a:solidFill>
-                  <a:schemeClr val="tx1">
-                    <a:lumMod val="75000"/>
-                    <a:lumOff val="25000"/>
-                  </a:schemeClr>
-                </a:solidFill>
-                <a:latin typeface="+mn-lt"/>
-                <a:ea typeface="+mn-ea"/>
-                <a:cs typeface="+mn-cs"/>
-              </a:defRPr>
-            </a:lvl6pPr>
-            <a:lvl7pPr marL="1300000" indent="-228600" algn="l" defTabSz="914400" rtl="0" eaLnBrk="1" latinLnBrk="0" hangingPunct="1">
-              <a:lnSpc>
-                <a:spcPct val="90000"/>
-              </a:lnSpc>
-              <a:spcBef>
-                <a:spcPts val="200"/>
-              </a:spcBef>
-              <a:spcAft>
-                <a:spcPts val="400"/>
-              </a:spcAft>
-              <a:buClr>
-                <a:schemeClr val="accent1"/>
-              </a:buClr>
-              <a:buFont typeface="Calibri" pitchFamily="34" charset="0"/>
-              <a:buChar char="◦"/>
-              <a:defRPr sz="1400" kern="1200">
-                <a:solidFill>
-                  <a:schemeClr val="tx1">
-                    <a:lumMod val="75000"/>
-                    <a:lumOff val="25000"/>
-                  </a:schemeClr>
-                </a:solidFill>
-                <a:latin typeface="+mn-lt"/>
-                <a:ea typeface="+mn-ea"/>
-                <a:cs typeface="+mn-cs"/>
-              </a:defRPr>
-            </a:lvl7pPr>
-            <a:lvl8pPr marL="1500000" indent="-228600" algn="l" defTabSz="914400" rtl="0" eaLnBrk="1" latinLnBrk="0" hangingPunct="1">
-              <a:lnSpc>
-                <a:spcPct val="90000"/>
-              </a:lnSpc>
-              <a:spcBef>
-                <a:spcPts val="200"/>
-              </a:spcBef>
-              <a:spcAft>
-                <a:spcPts val="400"/>
-              </a:spcAft>
-              <a:buClr>
-                <a:schemeClr val="accent1"/>
-              </a:buClr>
-              <a:buFont typeface="Calibri" pitchFamily="34" charset="0"/>
-              <a:buChar char="◦"/>
-              <a:defRPr sz="1400" kern="1200">
-                <a:solidFill>
-                  <a:schemeClr val="tx1">
-                    <a:lumMod val="75000"/>
-                    <a:lumOff val="25000"/>
-                  </a:schemeClr>
-                </a:solidFill>
-                <a:latin typeface="+mn-lt"/>
-                <a:ea typeface="+mn-ea"/>
-                <a:cs typeface="+mn-cs"/>
-              </a:defRPr>
-            </a:lvl8pPr>
-            <a:lvl9pPr marL="1700000" indent="-228600" algn="l" defTabSz="914400" rtl="0" eaLnBrk="1" latinLnBrk="0" hangingPunct="1">
-              <a:lnSpc>
-                <a:spcPct val="90000"/>
-              </a:lnSpc>
-              <a:spcBef>
-                <a:spcPts val="200"/>
-              </a:spcBef>
-              <a:spcAft>
-                <a:spcPts val="400"/>
-              </a:spcAft>
-              <a:buClr>
-                <a:schemeClr val="accent1"/>
-              </a:buClr>
-              <a:buFont typeface="Calibri" pitchFamily="34" charset="0"/>
-              <a:buChar char="◦"/>
-              <a:defRPr sz="1400" kern="1200">
-                <a:solidFill>
-                  <a:schemeClr val="tx1">
-                    <a:lumMod val="75000"/>
-                    <a:lumOff val="25000"/>
-                  </a:schemeClr>
-                </a:solidFill>
-                <a:latin typeface="+mn-lt"/>
-                <a:ea typeface="+mn-ea"/>
-                <a:cs typeface="+mn-cs"/>
-              </a:defRPr>
-            </a:lvl9pPr>
-          </a:lstStyle>
-          <a:p>
-            <a:pPr marL="201168" lvl="1" indent="0" algn="ctr">
-              <a:buFont typeface="Calibri" pitchFamily="34" charset="0"/>
-              <a:buNone/>
+          <a:bodyPr/>
+          <a:lstStyle/>
+          <a:p>
+            <a:pPr marL="571500" indent="-571500">
+              <a:buFont typeface="Wingdings" panose="05000000000000000000" pitchFamily="2" charset="2"/>
+              <a:buChar char="Ø"/>
             </a:pPr>
             <a:r>
-              <a:rPr lang="fr-FR" sz="8800" b="1" spc="-50" dirty="0">
+              <a:rPr lang="fr-FR" sz="4400" b="1" dirty="0">
                 <a:solidFill>
                   <a:srgbClr val="00B0F0"/>
                 </a:solidFill>
-                <a:latin typeface="+mj-lt"/>
-                <a:ea typeface="+mj-ea"/>
-                <a:cs typeface="+mj-cs"/>
               </a:rPr>
-              <a:t>MERCI</a:t>
-            </a:r>
-            <a:endParaRPr lang="fr-FR" sz="4400" b="1" spc="-50" dirty="0">
-              <a:solidFill>
-                <a:srgbClr val="00B0F0"/>
-              </a:solidFill>
-              <a:latin typeface="+mj-lt"/>
-              <a:ea typeface="+mj-ea"/>
-              <a:cs typeface="+mj-cs"/>
-            </a:endParaRPr>
+              <a:t>Des questions ?</a:t>
+            </a:r>
+          </a:p>
+        </p:txBody>
+      </p:sp>
+      <p:sp>
+        <p:nvSpPr>
+          <p:cNvPr id="3" name="Espace réservé du texte 2">
+            <a:extLst>
+              <a:ext uri="{FF2B5EF4-FFF2-40B4-BE49-F238E27FC236}">
+                <a16:creationId xmlns:a16="http://schemas.microsoft.com/office/drawing/2014/main" id="{5183F29D-EAA9-551D-1999-75CBDEA216EB}"/>
+              </a:ext>
+            </a:extLst>
+          </p:cNvPr>
+          <p:cNvSpPr>
+            <a:spLocks noGrp="1"/>
+          </p:cNvSpPr>
+          <p:nvPr>
+            <p:ph type="body" idx="1"/>
+          </p:nvPr>
+        </p:nvSpPr>
+        <p:spPr/>
+        <p:txBody>
+          <a:bodyPr/>
+          <a:lstStyle/>
+          <a:p>
+            <a:endParaRPr lang="fr-FR"/>
+          </a:p>
+        </p:txBody>
+      </p:sp>
+      <p:sp>
+        <p:nvSpPr>
+          <p:cNvPr id="2" name="Espace réservé du numéro de diapositive 1">
+            <a:extLst>
+              <a:ext uri="{FF2B5EF4-FFF2-40B4-BE49-F238E27FC236}">
+                <a16:creationId xmlns:a16="http://schemas.microsoft.com/office/drawing/2014/main" id="{5D9A9007-3A7D-0644-84FE-1A927E39B0E4}"/>
+              </a:ext>
+            </a:extLst>
+          </p:cNvPr>
+          <p:cNvSpPr>
+            <a:spLocks noGrp="1"/>
+          </p:cNvSpPr>
+          <p:nvPr>
+            <p:ph type="sldNum" sz="quarter" idx="12"/>
+          </p:nvPr>
+        </p:nvSpPr>
+        <p:spPr/>
+        <p:txBody>
+          <a:bodyPr/>
+          <a:lstStyle/>
+          <a:p>
+            <a:fld id="{BB460250-132E-47B3-835F-8C1BCF0D91F5}" type="slidenum">
+              <a:rPr lang="fr-FR" smtClean="0"/>
+              <a:t>9</a:t>
+            </a:fld>
+            <a:endParaRPr lang="fr-FR"/>
           </a:p>
         </p:txBody>
       </p:sp>
     </p:spTree>
     <p:extLst>
       <p:ext uri="{BB962C8B-B14F-4D97-AF65-F5344CB8AC3E}">
-        <p14:creationId xmlns:p14="http://schemas.microsoft.com/office/powerpoint/2010/main" val="2113078298"/>
+        <p14:creationId xmlns:p14="http://schemas.microsoft.com/office/powerpoint/2010/main" val="1332921262"/>
       </p:ext>
     </p:extLst>
   </p:cSld>

--- a/Architecture/4 - Présentation/Présentation.pptx
+++ b/Architecture/4 - Présentation/Présentation.pptx
@@ -5,7 +5,7 @@
     <p:sldMasterId id="2147483660" r:id="rId1"/>
   </p:sldMasterIdLst>
   <p:notesMasterIdLst>
-    <p:notesMasterId r:id="rId21"/>
+    <p:notesMasterId r:id="rId22"/>
   </p:notesMasterIdLst>
   <p:sldIdLst>
     <p:sldId id="256" r:id="rId2"/>
@@ -22,11 +22,12 @@
     <p:sldId id="270" r:id="rId13"/>
     <p:sldId id="278" r:id="rId14"/>
     <p:sldId id="281" r:id="rId15"/>
-    <p:sldId id="282" r:id="rId16"/>
-    <p:sldId id="279" r:id="rId17"/>
-    <p:sldId id="280" r:id="rId18"/>
-    <p:sldId id="268" r:id="rId19"/>
-    <p:sldId id="264" r:id="rId20"/>
+    <p:sldId id="283" r:id="rId16"/>
+    <p:sldId id="282" r:id="rId17"/>
+    <p:sldId id="279" r:id="rId18"/>
+    <p:sldId id="280" r:id="rId19"/>
+    <p:sldId id="268" r:id="rId20"/>
+    <p:sldId id="264" r:id="rId21"/>
   </p:sldIdLst>
   <p:sldSz cx="12192000" cy="6858000"/>
   <p:notesSz cx="6858000" cy="9144000"/>
@@ -7540,6 +7541,786 @@
           <p:cNvPr id="2" name="Titre 1">
             <a:extLst>
               <a:ext uri="{FF2B5EF4-FFF2-40B4-BE49-F238E27FC236}">
+                <a16:creationId xmlns:a16="http://schemas.microsoft.com/office/drawing/2014/main" id="{E88203B8-E92E-25FD-96A8-360C2A3360CA}"/>
+              </a:ext>
+            </a:extLst>
+          </p:cNvPr>
+          <p:cNvSpPr>
+            <a:spLocks noGrp="1"/>
+          </p:cNvSpPr>
+          <p:nvPr>
+            <p:ph type="title"/>
+          </p:nvPr>
+        </p:nvSpPr>
+        <p:spPr/>
+        <p:txBody>
+          <a:bodyPr/>
+          <a:lstStyle/>
+          <a:p>
+            <a:r>
+              <a:rPr lang="fr-FR" dirty="0"/>
+              <a:t>Les différents délivrables</a:t>
+            </a:r>
+          </a:p>
+        </p:txBody>
+      </p:sp>
+      <p:graphicFrame>
+        <p:nvGraphicFramePr>
+          <p:cNvPr id="5" name="Espace réservé du contenu 4">
+            <a:extLst>
+              <a:ext uri="{FF2B5EF4-FFF2-40B4-BE49-F238E27FC236}">
+                <a16:creationId xmlns:a16="http://schemas.microsoft.com/office/drawing/2014/main" id="{A09C795D-E585-288A-685D-91D8481D2709}"/>
+              </a:ext>
+            </a:extLst>
+          </p:cNvPr>
+          <p:cNvGraphicFramePr>
+            <a:graphicFrameLocks noGrp="1"/>
+          </p:cNvGraphicFramePr>
+          <p:nvPr>
+            <p:ph idx="1"/>
+            <p:extLst>
+              <p:ext uri="{D42A27DB-BD31-4B8C-83A1-F6EECF244321}">
+                <p14:modId xmlns:p14="http://schemas.microsoft.com/office/powerpoint/2010/main" val="924900627"/>
+              </p:ext>
+            </p:extLst>
+          </p:nvPr>
+        </p:nvGraphicFramePr>
+        <p:xfrm>
+          <a:off x="1097280" y="1953928"/>
+          <a:ext cx="10058400" cy="3965607"/>
+        </p:xfrm>
+        <a:graphic>
+          <a:graphicData uri="http://schemas.openxmlformats.org/drawingml/2006/table">
+            <a:tbl>
+              <a:tblPr firstRow="1" firstCol="1" bandRow="1">
+                <a:tableStyleId>{5C22544A-7EE6-4342-B048-85BDC9FD1C3A}</a:tableStyleId>
+              </a:tblPr>
+              <a:tblGrid>
+                <a:gridCol w="5169147">
+                  <a:extLst>
+                    <a:ext uri="{9D8B030D-6E8A-4147-A177-3AD203B41FA5}">
+                      <a16:colId xmlns:a16="http://schemas.microsoft.com/office/drawing/2014/main" val="3660853839"/>
+                    </a:ext>
+                  </a:extLst>
+                </a:gridCol>
+                <a:gridCol w="4889253">
+                  <a:extLst>
+                    <a:ext uri="{9D8B030D-6E8A-4147-A177-3AD203B41FA5}">
+                      <a16:colId xmlns:a16="http://schemas.microsoft.com/office/drawing/2014/main" val="3303172814"/>
+                    </a:ext>
+                  </a:extLst>
+                </a:gridCol>
+              </a:tblGrid>
+              <a:tr h="360195">
+                <a:tc>
+                  <a:txBody>
+                    <a:bodyPr/>
+                    <a:lstStyle/>
+                    <a:p>
+                      <a:pPr algn="ctr">
+                        <a:lnSpc>
+                          <a:spcPct val="115000"/>
+                        </a:lnSpc>
+                      </a:pPr>
+                      <a:r>
+                        <a:rPr lang="fr-FR" sz="1000">
+                          <a:effectLst/>
+                        </a:rPr>
+                        <a:t>Phase</a:t>
+                      </a:r>
+                      <a:endParaRPr lang="fr-FR" sz="1100">
+                        <a:effectLst/>
+                        <a:latin typeface="Arial" panose="020B0604020202020204" pitchFamily="34" charset="0"/>
+                        <a:ea typeface="SimSun" panose="02010600030101010101" pitchFamily="2" charset="-122"/>
+                        <a:cs typeface="Times New Roman" panose="02020603050405020304" pitchFamily="18" charset="0"/>
+                      </a:endParaRPr>
+                    </a:p>
+                  </a:txBody>
+                  <a:tcPr marL="127000" marR="127000" marT="63500" marB="63500"/>
+                </a:tc>
+                <a:tc>
+                  <a:txBody>
+                    <a:bodyPr/>
+                    <a:lstStyle/>
+                    <a:p>
+                      <a:pPr algn="ctr">
+                        <a:lnSpc>
+                          <a:spcPct val="115000"/>
+                        </a:lnSpc>
+                      </a:pPr>
+                      <a:r>
+                        <a:rPr lang="fr-FR" sz="1000" dirty="0">
+                          <a:effectLst/>
+                        </a:rPr>
+                        <a:t>Délivrable</a:t>
+                      </a:r>
+                      <a:endParaRPr lang="fr-FR" sz="1100" dirty="0">
+                        <a:effectLst/>
+                        <a:latin typeface="Arial" panose="020B0604020202020204" pitchFamily="34" charset="0"/>
+                        <a:ea typeface="SimSun" panose="02010600030101010101" pitchFamily="2" charset="-122"/>
+                        <a:cs typeface="Times New Roman" panose="02020603050405020304" pitchFamily="18" charset="0"/>
+                      </a:endParaRPr>
+                    </a:p>
+                  </a:txBody>
+                  <a:tcPr marL="127000" marR="127000" marT="63500" marB="63500"/>
+                </a:tc>
+                <a:extLst>
+                  <a:ext uri="{0D108BD9-81ED-4DB2-BD59-A6C34878D82A}">
+                    <a16:rowId xmlns:a16="http://schemas.microsoft.com/office/drawing/2014/main" val="2062148751"/>
+                  </a:ext>
+                </a:extLst>
+              </a:tr>
+              <a:tr h="577162">
+                <a:tc>
+                  <a:txBody>
+                    <a:bodyPr/>
+                    <a:lstStyle/>
+                    <a:p>
+                      <a:pPr algn="ctr">
+                        <a:lnSpc>
+                          <a:spcPct val="115000"/>
+                        </a:lnSpc>
+                      </a:pPr>
+                      <a:r>
+                        <a:rPr lang="fr-FR" sz="1000">
+                          <a:effectLst/>
+                        </a:rPr>
+                        <a:t>Préliminaire</a:t>
+                      </a:r>
+                      <a:endParaRPr lang="fr-FR" sz="1100">
+                        <a:effectLst/>
+                      </a:endParaRPr>
+                    </a:p>
+                    <a:p>
+                      <a:pPr algn="ctr">
+                        <a:lnSpc>
+                          <a:spcPct val="115000"/>
+                        </a:lnSpc>
+                      </a:pPr>
+                      <a:r>
+                        <a:rPr lang="fr-FR" sz="1000">
+                          <a:effectLst/>
+                        </a:rPr>
+                        <a:t> </a:t>
+                      </a:r>
+                      <a:endParaRPr lang="fr-FR" sz="1100">
+                        <a:effectLst/>
+                        <a:latin typeface="Arial" panose="020B0604020202020204" pitchFamily="34" charset="0"/>
+                        <a:ea typeface="SimSun" panose="02010600030101010101" pitchFamily="2" charset="-122"/>
+                        <a:cs typeface="Times New Roman" panose="02020603050405020304" pitchFamily="18" charset="0"/>
+                      </a:endParaRPr>
+                    </a:p>
+                  </a:txBody>
+                  <a:tcPr marL="127000" marR="127000" marT="63500" marB="63500"/>
+                </a:tc>
+                <a:tc rowSpan="2">
+                  <a:txBody>
+                    <a:bodyPr/>
+                    <a:lstStyle/>
+                    <a:p>
+                      <a:pPr marL="342900" lvl="0" indent="-342900">
+                        <a:lnSpc>
+                          <a:spcPct val="115000"/>
+                        </a:lnSpc>
+                        <a:buFont typeface="Wingdings" panose="05000000000000000000" pitchFamily="2" charset="2"/>
+                        <a:buChar char=""/>
+                      </a:pPr>
+                      <a:r>
+                        <a:rPr lang="fr-FR" sz="1000">
+                          <a:effectLst/>
+                        </a:rPr>
+                        <a:t>Demande de la mise en chantier d’architecture</a:t>
+                      </a:r>
+                      <a:endParaRPr lang="fr-FR" sz="1100">
+                        <a:effectLst/>
+                      </a:endParaRPr>
+                    </a:p>
+                    <a:p>
+                      <a:pPr marL="342900" lvl="0" indent="-342900">
+                        <a:lnSpc>
+                          <a:spcPct val="115000"/>
+                        </a:lnSpc>
+                        <a:buFont typeface="Wingdings" panose="05000000000000000000" pitchFamily="2" charset="2"/>
+                        <a:buChar char=""/>
+                      </a:pPr>
+                      <a:r>
+                        <a:rPr lang="fr-FR" sz="1000">
+                          <a:effectLst/>
+                        </a:rPr>
+                        <a:t>Vision de l’architecture</a:t>
+                      </a:r>
+                      <a:endParaRPr lang="fr-FR" sz="1100">
+                        <a:effectLst/>
+                        <a:latin typeface="Symbol" panose="05050102010706020507" pitchFamily="18" charset="2"/>
+                        <a:ea typeface="SimSun" panose="02010600030101010101" pitchFamily="2" charset="-122"/>
+                        <a:cs typeface="Times New Roman" panose="02020603050405020304" pitchFamily="18" charset="0"/>
+                      </a:endParaRPr>
+                    </a:p>
+                  </a:txBody>
+                  <a:tcPr marL="127000" marR="127000" marT="63500" marB="63500" anchor="ctr"/>
+                </a:tc>
+                <a:extLst>
+                  <a:ext uri="{0D108BD9-81ED-4DB2-BD59-A6C34878D82A}">
+                    <a16:rowId xmlns:a16="http://schemas.microsoft.com/office/drawing/2014/main" val="327262730"/>
+                  </a:ext>
+                </a:extLst>
+              </a:tr>
+              <a:tr h="360195">
+                <a:tc>
+                  <a:txBody>
+                    <a:bodyPr/>
+                    <a:lstStyle/>
+                    <a:p>
+                      <a:pPr algn="ctr">
+                        <a:lnSpc>
+                          <a:spcPct val="115000"/>
+                        </a:lnSpc>
+                      </a:pPr>
+                      <a:r>
+                        <a:rPr lang="fr-FR" sz="1000">
+                          <a:effectLst/>
+                        </a:rPr>
+                        <a:t>A - Vision de l’architecture</a:t>
+                      </a:r>
+                      <a:endParaRPr lang="fr-FR" sz="1100">
+                        <a:effectLst/>
+                        <a:latin typeface="Arial" panose="020B0604020202020204" pitchFamily="34" charset="0"/>
+                        <a:ea typeface="SimSun" panose="02010600030101010101" pitchFamily="2" charset="-122"/>
+                        <a:cs typeface="Times New Roman" panose="02020603050405020304" pitchFamily="18" charset="0"/>
+                      </a:endParaRPr>
+                    </a:p>
+                  </a:txBody>
+                  <a:tcPr marL="127000" marR="127000" marT="63500" marB="63500"/>
+                </a:tc>
+                <a:tc vMerge="1">
+                  <a:txBody>
+                    <a:bodyPr/>
+                    <a:lstStyle/>
+                    <a:p>
+                      <a:endParaRPr lang="fr-FR"/>
+                    </a:p>
+                  </a:txBody>
+                  <a:tcPr/>
+                </a:tc>
+                <a:extLst>
+                  <a:ext uri="{0D108BD9-81ED-4DB2-BD59-A6C34878D82A}">
+                    <a16:rowId xmlns:a16="http://schemas.microsoft.com/office/drawing/2014/main" val="4175560577"/>
+                  </a:ext>
+                </a:extLst>
+              </a:tr>
+              <a:tr h="360195">
+                <a:tc>
+                  <a:txBody>
+                    <a:bodyPr/>
+                    <a:lstStyle/>
+                    <a:p>
+                      <a:pPr algn="ctr">
+                        <a:lnSpc>
+                          <a:spcPct val="115000"/>
+                        </a:lnSpc>
+                      </a:pPr>
+                      <a:r>
+                        <a:rPr lang="fr-FR" sz="1000">
+                          <a:effectLst/>
+                        </a:rPr>
+                        <a:t>B - Architecture business</a:t>
+                      </a:r>
+                      <a:endParaRPr lang="fr-FR" sz="1100">
+                        <a:effectLst/>
+                        <a:latin typeface="Arial" panose="020B0604020202020204" pitchFamily="34" charset="0"/>
+                        <a:ea typeface="SimSun" panose="02010600030101010101" pitchFamily="2" charset="-122"/>
+                        <a:cs typeface="Times New Roman" panose="02020603050405020304" pitchFamily="18" charset="0"/>
+                      </a:endParaRPr>
+                    </a:p>
+                  </a:txBody>
+                  <a:tcPr marL="127000" marR="127000" marT="63500" marB="63500"/>
+                </a:tc>
+                <a:tc rowSpan="3">
+                  <a:txBody>
+                    <a:bodyPr/>
+                    <a:lstStyle/>
+                    <a:p>
+                      <a:pPr marL="342900" lvl="0" indent="-342900">
+                        <a:lnSpc>
+                          <a:spcPct val="115000"/>
+                        </a:lnSpc>
+                        <a:buFont typeface="Wingdings" panose="05000000000000000000" pitchFamily="2" charset="2"/>
+                        <a:buChar char=""/>
+                      </a:pPr>
+                      <a:r>
+                        <a:rPr lang="fr-FR" sz="1000">
+                          <a:effectLst/>
+                        </a:rPr>
+                        <a:t>Feuille de route de la migration</a:t>
+                      </a:r>
+                      <a:endParaRPr lang="fr-FR" sz="1100">
+                        <a:effectLst/>
+                      </a:endParaRPr>
+                    </a:p>
+                    <a:p>
+                      <a:pPr marL="342900" lvl="0" indent="-342900">
+                        <a:lnSpc>
+                          <a:spcPct val="115000"/>
+                        </a:lnSpc>
+                        <a:buFont typeface="Wingdings" panose="05000000000000000000" pitchFamily="2" charset="2"/>
+                        <a:buChar char=""/>
+                      </a:pPr>
+                      <a:r>
+                        <a:rPr lang="fr-FR" sz="1000">
+                          <a:effectLst/>
+                        </a:rPr>
+                        <a:t>Document de définition de l’architecture</a:t>
+                      </a:r>
+                      <a:endParaRPr lang="fr-FR" sz="1100">
+                        <a:effectLst/>
+                        <a:latin typeface="Symbol" panose="05050102010706020507" pitchFamily="18" charset="2"/>
+                        <a:ea typeface="SimSun" panose="02010600030101010101" pitchFamily="2" charset="-122"/>
+                        <a:cs typeface="Times New Roman" panose="02020603050405020304" pitchFamily="18" charset="0"/>
+                      </a:endParaRPr>
+                    </a:p>
+                  </a:txBody>
+                  <a:tcPr marL="127000" marR="127000" marT="63500" marB="63500" anchor="ctr"/>
+                </a:tc>
+                <a:extLst>
+                  <a:ext uri="{0D108BD9-81ED-4DB2-BD59-A6C34878D82A}">
+                    <a16:rowId xmlns:a16="http://schemas.microsoft.com/office/drawing/2014/main" val="1136565331"/>
+                  </a:ext>
+                </a:extLst>
+              </a:tr>
+              <a:tr h="360195">
+                <a:tc>
+                  <a:txBody>
+                    <a:bodyPr/>
+                    <a:lstStyle/>
+                    <a:p>
+                      <a:pPr algn="ctr">
+                        <a:lnSpc>
+                          <a:spcPct val="115000"/>
+                        </a:lnSpc>
+                      </a:pPr>
+                      <a:r>
+                        <a:rPr lang="fr-FR" sz="1000">
+                          <a:effectLst/>
+                        </a:rPr>
+                        <a:t>C - Architecture des systèmes d’information</a:t>
+                      </a:r>
+                      <a:endParaRPr lang="fr-FR" sz="1100">
+                        <a:effectLst/>
+                        <a:latin typeface="Arial" panose="020B0604020202020204" pitchFamily="34" charset="0"/>
+                        <a:ea typeface="SimSun" panose="02010600030101010101" pitchFamily="2" charset="-122"/>
+                        <a:cs typeface="Times New Roman" panose="02020603050405020304" pitchFamily="18" charset="0"/>
+                      </a:endParaRPr>
+                    </a:p>
+                  </a:txBody>
+                  <a:tcPr marL="127000" marR="127000" marT="63500" marB="63500"/>
+                </a:tc>
+                <a:tc vMerge="1">
+                  <a:txBody>
+                    <a:bodyPr/>
+                    <a:lstStyle/>
+                    <a:p>
+                      <a:endParaRPr lang="fr-FR"/>
+                    </a:p>
+                  </a:txBody>
+                  <a:tcPr/>
+                </a:tc>
+                <a:extLst>
+                  <a:ext uri="{0D108BD9-81ED-4DB2-BD59-A6C34878D82A}">
+                    <a16:rowId xmlns:a16="http://schemas.microsoft.com/office/drawing/2014/main" val="3175837766"/>
+                  </a:ext>
+                </a:extLst>
+              </a:tr>
+              <a:tr h="360195">
+                <a:tc>
+                  <a:txBody>
+                    <a:bodyPr/>
+                    <a:lstStyle/>
+                    <a:p>
+                      <a:pPr algn="ctr">
+                        <a:lnSpc>
+                          <a:spcPct val="115000"/>
+                        </a:lnSpc>
+                      </a:pPr>
+                      <a:r>
+                        <a:rPr lang="fr-FR" sz="1000">
+                          <a:effectLst/>
+                        </a:rPr>
+                        <a:t>D - Architecture technologique</a:t>
+                      </a:r>
+                      <a:endParaRPr lang="fr-FR" sz="1100">
+                        <a:effectLst/>
+                        <a:latin typeface="Arial" panose="020B0604020202020204" pitchFamily="34" charset="0"/>
+                        <a:ea typeface="SimSun" panose="02010600030101010101" pitchFamily="2" charset="-122"/>
+                        <a:cs typeface="Times New Roman" panose="02020603050405020304" pitchFamily="18" charset="0"/>
+                      </a:endParaRPr>
+                    </a:p>
+                  </a:txBody>
+                  <a:tcPr marL="127000" marR="127000" marT="63500" marB="63500"/>
+                </a:tc>
+                <a:tc vMerge="1">
+                  <a:txBody>
+                    <a:bodyPr/>
+                    <a:lstStyle/>
+                    <a:p>
+                      <a:endParaRPr lang="fr-FR"/>
+                    </a:p>
+                  </a:txBody>
+                  <a:tcPr/>
+                </a:tc>
+                <a:extLst>
+                  <a:ext uri="{0D108BD9-81ED-4DB2-BD59-A6C34878D82A}">
+                    <a16:rowId xmlns:a16="http://schemas.microsoft.com/office/drawing/2014/main" val="1372552326"/>
+                  </a:ext>
+                </a:extLst>
+              </a:tr>
+              <a:tr h="360195">
+                <a:tc>
+                  <a:txBody>
+                    <a:bodyPr/>
+                    <a:lstStyle/>
+                    <a:p>
+                      <a:pPr algn="ctr">
+                        <a:lnSpc>
+                          <a:spcPct val="115000"/>
+                        </a:lnSpc>
+                      </a:pPr>
+                      <a:r>
+                        <a:rPr lang="fr-FR" sz="1000">
+                          <a:effectLst/>
+                        </a:rPr>
+                        <a:t>E - Opportunités et solutions</a:t>
+                      </a:r>
+                      <a:endParaRPr lang="fr-FR" sz="1100">
+                        <a:effectLst/>
+                        <a:latin typeface="Arial" panose="020B0604020202020204" pitchFamily="34" charset="0"/>
+                        <a:ea typeface="SimSun" panose="02010600030101010101" pitchFamily="2" charset="-122"/>
+                        <a:cs typeface="Times New Roman" panose="02020603050405020304" pitchFamily="18" charset="0"/>
+                      </a:endParaRPr>
+                    </a:p>
+                  </a:txBody>
+                  <a:tcPr marL="127000" marR="127000" marT="63500" marB="63500"/>
+                </a:tc>
+                <a:tc rowSpan="2">
+                  <a:txBody>
+                    <a:bodyPr/>
+                    <a:lstStyle/>
+                    <a:p>
+                      <a:pPr marL="342900" lvl="0" indent="-342900">
+                        <a:lnSpc>
+                          <a:spcPct val="115000"/>
+                        </a:lnSpc>
+                        <a:buFont typeface="Wingdings" panose="05000000000000000000" pitchFamily="2" charset="2"/>
+                        <a:buChar char=""/>
+                      </a:pPr>
+                      <a:r>
+                        <a:rPr lang="fr-FR" sz="1000">
+                          <a:effectLst/>
+                        </a:rPr>
+                        <a:t>Plan d’implémentation</a:t>
+                      </a:r>
+                      <a:endParaRPr lang="fr-FR" sz="1100">
+                        <a:effectLst/>
+                      </a:endParaRPr>
+                    </a:p>
+                    <a:p>
+                      <a:pPr marL="342900" lvl="0" indent="-342900">
+                        <a:lnSpc>
+                          <a:spcPct val="115000"/>
+                        </a:lnSpc>
+                        <a:buFont typeface="Wingdings" panose="05000000000000000000" pitchFamily="2" charset="2"/>
+                        <a:buChar char=""/>
+                      </a:pPr>
+                      <a:r>
+                        <a:rPr lang="fr-FR" sz="1000">
+                          <a:effectLst/>
+                        </a:rPr>
+                        <a:t>Planning d’architecture</a:t>
+                      </a:r>
+                      <a:endParaRPr lang="fr-FR" sz="1100">
+                        <a:effectLst/>
+                      </a:endParaRPr>
+                    </a:p>
+                    <a:p>
+                      <a:pPr marL="342900" lvl="0" indent="-342900">
+                        <a:lnSpc>
+                          <a:spcPct val="115000"/>
+                        </a:lnSpc>
+                        <a:buFont typeface="Wingdings" panose="05000000000000000000" pitchFamily="2" charset="2"/>
+                        <a:buChar char=""/>
+                      </a:pPr>
+                      <a:r>
+                        <a:rPr lang="fr-FR" sz="1000">
+                          <a:effectLst/>
+                        </a:rPr>
+                        <a:t>Contrat d’architecture</a:t>
+                      </a:r>
+                      <a:endParaRPr lang="fr-FR" sz="1100">
+                        <a:effectLst/>
+                        <a:latin typeface="Symbol" panose="05050102010706020507" pitchFamily="18" charset="2"/>
+                        <a:ea typeface="SimSun" panose="02010600030101010101" pitchFamily="2" charset="-122"/>
+                        <a:cs typeface="Times New Roman" panose="02020603050405020304" pitchFamily="18" charset="0"/>
+                      </a:endParaRPr>
+                    </a:p>
+                  </a:txBody>
+                  <a:tcPr marL="127000" marR="127000" marT="63500" marB="63500" anchor="ctr"/>
+                </a:tc>
+                <a:extLst>
+                  <a:ext uri="{0D108BD9-81ED-4DB2-BD59-A6C34878D82A}">
+                    <a16:rowId xmlns:a16="http://schemas.microsoft.com/office/drawing/2014/main" val="31165875"/>
+                  </a:ext>
+                </a:extLst>
+              </a:tr>
+              <a:tr h="433540">
+                <a:tc>
+                  <a:txBody>
+                    <a:bodyPr/>
+                    <a:lstStyle/>
+                    <a:p>
+                      <a:pPr algn="ctr">
+                        <a:lnSpc>
+                          <a:spcPct val="115000"/>
+                        </a:lnSpc>
+                      </a:pPr>
+                      <a:r>
+                        <a:rPr lang="fr-FR" sz="1000">
+                          <a:effectLst/>
+                        </a:rPr>
+                        <a:t>F - Planning de migration</a:t>
+                      </a:r>
+                      <a:endParaRPr lang="fr-FR" sz="1100">
+                        <a:effectLst/>
+                        <a:latin typeface="Arial" panose="020B0604020202020204" pitchFamily="34" charset="0"/>
+                        <a:ea typeface="SimSun" panose="02010600030101010101" pitchFamily="2" charset="-122"/>
+                        <a:cs typeface="Times New Roman" panose="02020603050405020304" pitchFamily="18" charset="0"/>
+                      </a:endParaRPr>
+                    </a:p>
+                  </a:txBody>
+                  <a:tcPr marL="127000" marR="127000" marT="63500" marB="63500"/>
+                </a:tc>
+                <a:tc vMerge="1">
+                  <a:txBody>
+                    <a:bodyPr/>
+                    <a:lstStyle/>
+                    <a:p>
+                      <a:endParaRPr lang="fr-FR"/>
+                    </a:p>
+                  </a:txBody>
+                  <a:tcPr/>
+                </a:tc>
+                <a:extLst>
+                  <a:ext uri="{0D108BD9-81ED-4DB2-BD59-A6C34878D82A}">
+                    <a16:rowId xmlns:a16="http://schemas.microsoft.com/office/drawing/2014/main" val="312986945"/>
+                  </a:ext>
+                </a:extLst>
+              </a:tr>
+              <a:tr h="360195">
+                <a:tc>
+                  <a:txBody>
+                    <a:bodyPr/>
+                    <a:lstStyle/>
+                    <a:p>
+                      <a:pPr algn="ctr">
+                        <a:lnSpc>
+                          <a:spcPct val="115000"/>
+                        </a:lnSpc>
+                      </a:pPr>
+                      <a:r>
+                        <a:rPr lang="fr-FR" sz="1000">
+                          <a:effectLst/>
+                        </a:rPr>
+                        <a:t>G - Gouvernance de l’implémentation</a:t>
+                      </a:r>
+                      <a:endParaRPr lang="fr-FR" sz="1100">
+                        <a:effectLst/>
+                        <a:latin typeface="Arial" panose="020B0604020202020204" pitchFamily="34" charset="0"/>
+                        <a:ea typeface="SimSun" panose="02010600030101010101" pitchFamily="2" charset="-122"/>
+                        <a:cs typeface="Times New Roman" panose="02020603050405020304" pitchFamily="18" charset="0"/>
+                      </a:endParaRPr>
+                    </a:p>
+                  </a:txBody>
+                  <a:tcPr marL="127000" marR="127000" marT="63500" marB="63500"/>
+                </a:tc>
+                <a:tc rowSpan="2">
+                  <a:txBody>
+                    <a:bodyPr/>
+                    <a:lstStyle/>
+                    <a:p>
+                      <a:pPr marL="342900" lvl="0" indent="-342900">
+                        <a:lnSpc>
+                          <a:spcPct val="115000"/>
+                        </a:lnSpc>
+                        <a:buFont typeface="Wingdings" panose="05000000000000000000" pitchFamily="2" charset="2"/>
+                        <a:buChar char=""/>
+                      </a:pPr>
+                      <a:r>
+                        <a:rPr lang="fr-FR" sz="1000">
+                          <a:effectLst/>
+                        </a:rPr>
+                        <a:t>Nouvelle architecture</a:t>
+                      </a:r>
+                      <a:endParaRPr lang="fr-FR" sz="1100">
+                        <a:effectLst/>
+                      </a:endParaRPr>
+                    </a:p>
+                    <a:p>
+                      <a:pPr marL="342900" lvl="0" indent="-342900">
+                        <a:lnSpc>
+                          <a:spcPct val="115000"/>
+                        </a:lnSpc>
+                        <a:buFont typeface="Wingdings" panose="05000000000000000000" pitchFamily="2" charset="2"/>
+                        <a:buChar char=""/>
+                      </a:pPr>
+                      <a:r>
+                        <a:rPr lang="fr-FR" sz="1000">
+                          <a:effectLst/>
+                        </a:rPr>
+                        <a:t>Evaluation de conformité</a:t>
+                      </a:r>
+                      <a:endParaRPr lang="fr-FR" sz="1100">
+                        <a:effectLst/>
+                      </a:endParaRPr>
+                    </a:p>
+                    <a:p>
+                      <a:pPr marL="342900" lvl="0" indent="-342900">
+                        <a:lnSpc>
+                          <a:spcPct val="115000"/>
+                        </a:lnSpc>
+                        <a:buFont typeface="Wingdings" panose="05000000000000000000" pitchFamily="2" charset="2"/>
+                        <a:buChar char=""/>
+                      </a:pPr>
+                      <a:r>
+                        <a:rPr lang="fr-FR" sz="1000">
+                          <a:effectLst/>
+                        </a:rPr>
+                        <a:t>Demande de modification</a:t>
+                      </a:r>
+                      <a:endParaRPr lang="fr-FR" sz="1100">
+                        <a:effectLst/>
+                        <a:latin typeface="Symbol" panose="05050102010706020507" pitchFamily="18" charset="2"/>
+                        <a:ea typeface="SimSun" panose="02010600030101010101" pitchFamily="2" charset="-122"/>
+                        <a:cs typeface="Times New Roman" panose="02020603050405020304" pitchFamily="18" charset="0"/>
+                      </a:endParaRPr>
+                    </a:p>
+                  </a:txBody>
+                  <a:tcPr marL="127000" marR="127000" marT="63500" marB="63500" anchor="ctr"/>
+                </a:tc>
+                <a:extLst>
+                  <a:ext uri="{0D108BD9-81ED-4DB2-BD59-A6C34878D82A}">
+                    <a16:rowId xmlns:a16="http://schemas.microsoft.com/office/drawing/2014/main" val="2371809409"/>
+                  </a:ext>
+                </a:extLst>
+              </a:tr>
+              <a:tr h="433540">
+                <a:tc>
+                  <a:txBody>
+                    <a:bodyPr/>
+                    <a:lstStyle/>
+                    <a:p>
+                      <a:pPr algn="ctr">
+                        <a:lnSpc>
+                          <a:spcPct val="115000"/>
+                        </a:lnSpc>
+                      </a:pPr>
+                      <a:r>
+                        <a:rPr lang="fr-FR" sz="1000" dirty="0">
+                          <a:effectLst/>
+                        </a:rPr>
+                        <a:t>H - Management du changement d’architecture</a:t>
+                      </a:r>
+                      <a:endParaRPr lang="fr-FR" sz="1100" dirty="0">
+                        <a:effectLst/>
+                        <a:latin typeface="Arial" panose="020B0604020202020204" pitchFamily="34" charset="0"/>
+                        <a:ea typeface="SimSun" panose="02010600030101010101" pitchFamily="2" charset="-122"/>
+                        <a:cs typeface="Times New Roman" panose="02020603050405020304" pitchFamily="18" charset="0"/>
+                      </a:endParaRPr>
+                    </a:p>
+                  </a:txBody>
+                  <a:tcPr marL="127000" marR="127000" marT="63500" marB="63500"/>
+                </a:tc>
+                <a:tc vMerge="1">
+                  <a:txBody>
+                    <a:bodyPr/>
+                    <a:lstStyle/>
+                    <a:p>
+                      <a:endParaRPr lang="fr-FR"/>
+                    </a:p>
+                  </a:txBody>
+                  <a:tcPr/>
+                </a:tc>
+                <a:extLst>
+                  <a:ext uri="{0D108BD9-81ED-4DB2-BD59-A6C34878D82A}">
+                    <a16:rowId xmlns:a16="http://schemas.microsoft.com/office/drawing/2014/main" val="3878774440"/>
+                  </a:ext>
+                </a:extLst>
+              </a:tr>
+            </a:tbl>
+          </a:graphicData>
+        </a:graphic>
+      </p:graphicFrame>
+      <p:sp>
+        <p:nvSpPr>
+          <p:cNvPr id="4" name="Espace réservé du numéro de diapositive 3">
+            <a:extLst>
+              <a:ext uri="{FF2B5EF4-FFF2-40B4-BE49-F238E27FC236}">
+                <a16:creationId xmlns:a16="http://schemas.microsoft.com/office/drawing/2014/main" id="{37BD8F16-063B-026A-79F0-7216298FBA77}"/>
+              </a:ext>
+            </a:extLst>
+          </p:cNvPr>
+          <p:cNvSpPr>
+            <a:spLocks noGrp="1"/>
+          </p:cNvSpPr>
+          <p:nvPr>
+            <p:ph type="sldNum" sz="quarter" idx="12"/>
+          </p:nvPr>
+        </p:nvSpPr>
+        <p:spPr/>
+        <p:txBody>
+          <a:bodyPr/>
+          <a:lstStyle/>
+          <a:p>
+            <a:fld id="{BB460250-132E-47B3-835F-8C1BCF0D91F5}" type="slidenum">
+              <a:rPr lang="fr-FR" smtClean="0"/>
+              <a:t>15</a:t>
+            </a:fld>
+            <a:endParaRPr lang="fr-FR"/>
+          </a:p>
+        </p:txBody>
+      </p:sp>
+    </p:spTree>
+    <p:extLst>
+      <p:ext uri="{BB962C8B-B14F-4D97-AF65-F5344CB8AC3E}">
+        <p14:creationId xmlns:p14="http://schemas.microsoft.com/office/powerpoint/2010/main" val="1991956821"/>
+      </p:ext>
+    </p:extLst>
+  </p:cSld>
+  <p:clrMapOvr>
+    <a:masterClrMapping/>
+  </p:clrMapOvr>
+</p:sld>
+</file>
+
+<file path=ppt/slides/slide16.xml><?xml version="1.0" encoding="utf-8"?>
+<p:sld xmlns:a="http://schemas.openxmlformats.org/drawingml/2006/main" xmlns:r="http://schemas.openxmlformats.org/officeDocument/2006/relationships" xmlns:p="http://schemas.openxmlformats.org/presentationml/2006/main">
+  <p:cSld>
+    <p:spTree>
+      <p:nvGrpSpPr>
+        <p:cNvPr id="1" name=""/>
+        <p:cNvGrpSpPr/>
+        <p:nvPr/>
+      </p:nvGrpSpPr>
+      <p:grpSpPr>
+        <a:xfrm>
+          <a:off x="0" y="0"/>
+          <a:ext cx="0" cy="0"/>
+          <a:chOff x="0" y="0"/>
+          <a:chExt cx="0" cy="0"/>
+        </a:xfrm>
+      </p:grpSpPr>
+      <p:sp>
+        <p:nvSpPr>
+          <p:cNvPr id="2" name="Titre 1">
+            <a:extLst>
+              <a:ext uri="{FF2B5EF4-FFF2-40B4-BE49-F238E27FC236}">
                 <a16:creationId xmlns:a16="http://schemas.microsoft.com/office/drawing/2014/main" id="{017D7271-27E0-3B9A-E8FB-D475CCC7416B}"/>
               </a:ext>
             </a:extLst>
@@ -7962,7 +8743,7 @@
           <a:p>
             <a:fld id="{BB460250-132E-47B3-835F-8C1BCF0D91F5}" type="slidenum">
               <a:rPr lang="fr-FR" smtClean="0"/>
-              <a:t>15</a:t>
+              <a:t>16</a:t>
             </a:fld>
             <a:endParaRPr lang="fr-FR"/>
           </a:p>
@@ -7981,7 +8762,7 @@
 </p:sld>
 </file>
 
-<file path=ppt/slides/slide16.xml><?xml version="1.0" encoding="utf-8"?>
+<file path=ppt/slides/slide17.xml><?xml version="1.0" encoding="utf-8"?>
 <p:sld xmlns:a="http://schemas.openxmlformats.org/drawingml/2006/main" xmlns:r="http://schemas.openxmlformats.org/officeDocument/2006/relationships" xmlns:p="http://schemas.openxmlformats.org/presentationml/2006/main">
   <p:cSld>
     <p:spTree>
@@ -8016,12 +8797,14 @@
         </p:nvSpPr>
         <p:spPr/>
         <p:txBody>
-          <a:bodyPr/>
+          <a:bodyPr>
+            <a:normAutofit/>
+          </a:bodyPr>
           <a:lstStyle/>
           <a:p>
             <a:r>
-              <a:rPr lang="fr-FR" dirty="0"/>
-              <a:t>La transition : les coût et ressources</a:t>
+              <a:rPr lang="fr-FR" sz="4000" dirty="0"/>
+              <a:t>La transition : les coût, le temps et les ressources</a:t>
             </a:r>
           </a:p>
         </p:txBody>
@@ -8049,7 +8832,7 @@
           <a:p>
             <a:fld id="{BB460250-132E-47B3-835F-8C1BCF0D91F5}" type="slidenum">
               <a:rPr lang="fr-FR" smtClean="0"/>
-              <a:t>16</a:t>
+              <a:t>17</a:t>
             </a:fld>
             <a:endParaRPr lang="fr-FR"/>
           </a:p>
@@ -10738,7 +11521,7 @@
 </p:sld>
 </file>
 
-<file path=ppt/slides/slide17.xml><?xml version="1.0" encoding="utf-8"?>
+<file path=ppt/slides/slide18.xml><?xml version="1.0" encoding="utf-8"?>
 <p:sld xmlns:a="http://schemas.openxmlformats.org/drawingml/2006/main" xmlns:r="http://schemas.openxmlformats.org/officeDocument/2006/relationships" xmlns:p="http://schemas.openxmlformats.org/presentationml/2006/main">
   <p:cSld>
     <p:spTree>
@@ -10806,7 +11589,7 @@
           <a:p>
             <a:fld id="{BB460250-132E-47B3-835F-8C1BCF0D91F5}" type="slidenum">
               <a:rPr lang="fr-FR" smtClean="0"/>
-              <a:t>17</a:t>
+              <a:t>18</a:t>
             </a:fld>
             <a:endParaRPr lang="fr-FR"/>
           </a:p>
@@ -11322,7 +12105,7 @@
 </p:sld>
 </file>
 
-<file path=ppt/slides/slide18.xml><?xml version="1.0" encoding="utf-8"?>
+<file path=ppt/slides/slide19.xml><?xml version="1.0" encoding="utf-8"?>
 <p:sld xmlns:a="http://schemas.openxmlformats.org/drawingml/2006/main" xmlns:r="http://schemas.openxmlformats.org/officeDocument/2006/relationships" xmlns:p="http://schemas.openxmlformats.org/presentationml/2006/main">
   <p:cSld>
     <p:spTree>
@@ -11428,7 +12211,7 @@
           <a:p>
             <a:fld id="{BB460250-132E-47B3-835F-8C1BCF0D91F5}" type="slidenum">
               <a:rPr lang="fr-FR" smtClean="0"/>
-              <a:t>18</a:t>
+              <a:t>19</a:t>
             </a:fld>
             <a:endParaRPr lang="fr-FR"/>
           </a:p>
@@ -11447,7 +12230,452 @@
 </p:sld>
 </file>
 
-<file path=ppt/slides/slide19.xml><?xml version="1.0" encoding="utf-8"?>
+<file path=ppt/slides/slide2.xml><?xml version="1.0" encoding="utf-8"?>
+<p:sld xmlns:a="http://schemas.openxmlformats.org/drawingml/2006/main" xmlns:r="http://schemas.openxmlformats.org/officeDocument/2006/relationships" xmlns:p="http://schemas.openxmlformats.org/presentationml/2006/main">
+  <p:cSld>
+    <p:spTree>
+      <p:nvGrpSpPr>
+        <p:cNvPr id="1" name=""/>
+        <p:cNvGrpSpPr/>
+        <p:nvPr/>
+      </p:nvGrpSpPr>
+      <p:grpSpPr>
+        <a:xfrm>
+          <a:off x="0" y="0"/>
+          <a:ext cx="0" cy="0"/>
+          <a:chOff x="0" y="0"/>
+          <a:chExt cx="0" cy="0"/>
+        </a:xfrm>
+      </p:grpSpPr>
+      <p:sp>
+        <p:nvSpPr>
+          <p:cNvPr id="2" name="Titre 1">
+            <a:extLst>
+              <a:ext uri="{FF2B5EF4-FFF2-40B4-BE49-F238E27FC236}">
+                <a16:creationId xmlns:a16="http://schemas.microsoft.com/office/drawing/2014/main" id="{80042FFF-9946-5386-809A-24AA943CDFAD}"/>
+              </a:ext>
+            </a:extLst>
+          </p:cNvPr>
+          <p:cNvSpPr txBox="1">
+            <a:spLocks/>
+          </p:cNvSpPr>
+          <p:nvPr/>
+        </p:nvSpPr>
+        <p:spPr>
+          <a:xfrm>
+            <a:off x="1097280" y="286603"/>
+            <a:ext cx="10058400" cy="1450757"/>
+          </a:xfrm>
+          <a:prstGeom prst="rect">
+            <a:avLst/>
+          </a:prstGeom>
+        </p:spPr>
+        <p:txBody>
+          <a:bodyPr/>
+          <a:lstStyle>
+            <a:lvl1pPr algn="l" defTabSz="914400" rtl="0" eaLnBrk="1" latinLnBrk="0" hangingPunct="1">
+              <a:lnSpc>
+                <a:spcPct val="85000"/>
+              </a:lnSpc>
+              <a:spcBef>
+                <a:spcPct val="0"/>
+              </a:spcBef>
+              <a:buNone/>
+              <a:defRPr sz="4800" kern="1200" spc="-50" baseline="0">
+                <a:solidFill>
+                  <a:schemeClr val="tx1">
+                    <a:lumMod val="75000"/>
+                    <a:lumOff val="25000"/>
+                  </a:schemeClr>
+                </a:solidFill>
+                <a:latin typeface="+mj-lt"/>
+                <a:ea typeface="+mj-ea"/>
+                <a:cs typeface="+mj-cs"/>
+              </a:defRPr>
+            </a:lvl1pPr>
+          </a:lstStyle>
+          <a:p>
+            <a:r>
+              <a:rPr lang="fr-FR" b="1">
+                <a:solidFill>
+                  <a:srgbClr val="00B0F0"/>
+                </a:solidFill>
+              </a:rPr>
+              <a:t>Sommaire :</a:t>
+            </a:r>
+            <a:endParaRPr lang="fr-FR" dirty="0"/>
+          </a:p>
+        </p:txBody>
+      </p:sp>
+      <p:sp>
+        <p:nvSpPr>
+          <p:cNvPr id="3" name="Espace réservé du contenu 2">
+            <a:extLst>
+              <a:ext uri="{FF2B5EF4-FFF2-40B4-BE49-F238E27FC236}">
+                <a16:creationId xmlns:a16="http://schemas.microsoft.com/office/drawing/2014/main" id="{792B8632-6BC6-51BC-60B3-D186BDE5F876}"/>
+              </a:ext>
+            </a:extLst>
+          </p:cNvPr>
+          <p:cNvSpPr txBox="1">
+            <a:spLocks/>
+          </p:cNvSpPr>
+          <p:nvPr/>
+        </p:nvSpPr>
+        <p:spPr>
+          <a:xfrm>
+            <a:off x="554975" y="1661668"/>
+            <a:ext cx="11380424" cy="3824731"/>
+          </a:xfrm>
+          <a:prstGeom prst="rect">
+            <a:avLst/>
+          </a:prstGeom>
+        </p:spPr>
+        <p:txBody>
+          <a:bodyPr/>
+          <a:lstStyle>
+            <a:lvl1pPr marL="91440" indent="-91440" algn="l" defTabSz="914400" rtl="0" eaLnBrk="1" latinLnBrk="0" hangingPunct="1">
+              <a:lnSpc>
+                <a:spcPct val="90000"/>
+              </a:lnSpc>
+              <a:spcBef>
+                <a:spcPts val="1200"/>
+              </a:spcBef>
+              <a:spcAft>
+                <a:spcPts val="200"/>
+              </a:spcAft>
+              <a:buClr>
+                <a:schemeClr val="accent1"/>
+              </a:buClr>
+              <a:buSzPct val="100000"/>
+              <a:buFont typeface="Calibri" panose="020F0502020204030204" pitchFamily="34" charset="0"/>
+              <a:buChar char=" "/>
+              <a:defRPr sz="2000" kern="1200">
+                <a:solidFill>
+                  <a:schemeClr val="tx1">
+                    <a:lumMod val="75000"/>
+                    <a:lumOff val="25000"/>
+                  </a:schemeClr>
+                </a:solidFill>
+                <a:latin typeface="+mn-lt"/>
+                <a:ea typeface="+mn-ea"/>
+                <a:cs typeface="+mn-cs"/>
+              </a:defRPr>
+            </a:lvl1pPr>
+            <a:lvl2pPr marL="384048" indent="-182880" algn="l" defTabSz="914400" rtl="0" eaLnBrk="1" latinLnBrk="0" hangingPunct="1">
+              <a:lnSpc>
+                <a:spcPct val="90000"/>
+              </a:lnSpc>
+              <a:spcBef>
+                <a:spcPts val="200"/>
+              </a:spcBef>
+              <a:spcAft>
+                <a:spcPts val="400"/>
+              </a:spcAft>
+              <a:buClr>
+                <a:schemeClr val="accent1"/>
+              </a:buClr>
+              <a:buFont typeface="Calibri" pitchFamily="34" charset="0"/>
+              <a:buChar char="◦"/>
+              <a:defRPr sz="1800" kern="1200">
+                <a:solidFill>
+                  <a:schemeClr val="tx1">
+                    <a:lumMod val="75000"/>
+                    <a:lumOff val="25000"/>
+                  </a:schemeClr>
+                </a:solidFill>
+                <a:latin typeface="+mn-lt"/>
+                <a:ea typeface="+mn-ea"/>
+                <a:cs typeface="+mn-cs"/>
+              </a:defRPr>
+            </a:lvl2pPr>
+            <a:lvl3pPr marL="566928" indent="-182880" algn="l" defTabSz="914400" rtl="0" eaLnBrk="1" latinLnBrk="0" hangingPunct="1">
+              <a:lnSpc>
+                <a:spcPct val="90000"/>
+              </a:lnSpc>
+              <a:spcBef>
+                <a:spcPts val="200"/>
+              </a:spcBef>
+              <a:spcAft>
+                <a:spcPts val="400"/>
+              </a:spcAft>
+              <a:buClr>
+                <a:schemeClr val="accent1"/>
+              </a:buClr>
+              <a:buFont typeface="Calibri" pitchFamily="34" charset="0"/>
+              <a:buChar char="◦"/>
+              <a:defRPr sz="1400" kern="1200">
+                <a:solidFill>
+                  <a:schemeClr val="tx1">
+                    <a:lumMod val="75000"/>
+                    <a:lumOff val="25000"/>
+                  </a:schemeClr>
+                </a:solidFill>
+                <a:latin typeface="+mn-lt"/>
+                <a:ea typeface="+mn-ea"/>
+                <a:cs typeface="+mn-cs"/>
+              </a:defRPr>
+            </a:lvl3pPr>
+            <a:lvl4pPr marL="749808" indent="-182880" algn="l" defTabSz="914400" rtl="0" eaLnBrk="1" latinLnBrk="0" hangingPunct="1">
+              <a:lnSpc>
+                <a:spcPct val="90000"/>
+              </a:lnSpc>
+              <a:spcBef>
+                <a:spcPts val="200"/>
+              </a:spcBef>
+              <a:spcAft>
+                <a:spcPts val="400"/>
+              </a:spcAft>
+              <a:buClr>
+                <a:schemeClr val="accent1"/>
+              </a:buClr>
+              <a:buFont typeface="Calibri" pitchFamily="34" charset="0"/>
+              <a:buChar char="◦"/>
+              <a:defRPr sz="1400" kern="1200">
+                <a:solidFill>
+                  <a:schemeClr val="tx1">
+                    <a:lumMod val="75000"/>
+                    <a:lumOff val="25000"/>
+                  </a:schemeClr>
+                </a:solidFill>
+                <a:latin typeface="+mn-lt"/>
+                <a:ea typeface="+mn-ea"/>
+                <a:cs typeface="+mn-cs"/>
+              </a:defRPr>
+            </a:lvl4pPr>
+            <a:lvl5pPr marL="932688" indent="-182880" algn="l" defTabSz="914400" rtl="0" eaLnBrk="1" latinLnBrk="0" hangingPunct="1">
+              <a:lnSpc>
+                <a:spcPct val="90000"/>
+              </a:lnSpc>
+              <a:spcBef>
+                <a:spcPts val="200"/>
+              </a:spcBef>
+              <a:spcAft>
+                <a:spcPts val="400"/>
+              </a:spcAft>
+              <a:buClr>
+                <a:schemeClr val="accent1"/>
+              </a:buClr>
+              <a:buFont typeface="Calibri" pitchFamily="34" charset="0"/>
+              <a:buChar char="◦"/>
+              <a:defRPr sz="1400" kern="1200">
+                <a:solidFill>
+                  <a:schemeClr val="tx1">
+                    <a:lumMod val="75000"/>
+                    <a:lumOff val="25000"/>
+                  </a:schemeClr>
+                </a:solidFill>
+                <a:latin typeface="+mn-lt"/>
+                <a:ea typeface="+mn-ea"/>
+                <a:cs typeface="+mn-cs"/>
+              </a:defRPr>
+            </a:lvl5pPr>
+            <a:lvl6pPr marL="1100000" indent="-228600" algn="l" defTabSz="914400" rtl="0" eaLnBrk="1" latinLnBrk="0" hangingPunct="1">
+              <a:lnSpc>
+                <a:spcPct val="90000"/>
+              </a:lnSpc>
+              <a:spcBef>
+                <a:spcPts val="200"/>
+              </a:spcBef>
+              <a:spcAft>
+                <a:spcPts val="400"/>
+              </a:spcAft>
+              <a:buClr>
+                <a:schemeClr val="accent1"/>
+              </a:buClr>
+              <a:buFont typeface="Calibri" pitchFamily="34" charset="0"/>
+              <a:buChar char="◦"/>
+              <a:defRPr sz="1400" kern="1200">
+                <a:solidFill>
+                  <a:schemeClr val="tx1">
+                    <a:lumMod val="75000"/>
+                    <a:lumOff val="25000"/>
+                  </a:schemeClr>
+                </a:solidFill>
+                <a:latin typeface="+mn-lt"/>
+                <a:ea typeface="+mn-ea"/>
+                <a:cs typeface="+mn-cs"/>
+              </a:defRPr>
+            </a:lvl6pPr>
+            <a:lvl7pPr marL="1300000" indent="-228600" algn="l" defTabSz="914400" rtl="0" eaLnBrk="1" latinLnBrk="0" hangingPunct="1">
+              <a:lnSpc>
+                <a:spcPct val="90000"/>
+              </a:lnSpc>
+              <a:spcBef>
+                <a:spcPts val="200"/>
+              </a:spcBef>
+              <a:spcAft>
+                <a:spcPts val="400"/>
+              </a:spcAft>
+              <a:buClr>
+                <a:schemeClr val="accent1"/>
+              </a:buClr>
+              <a:buFont typeface="Calibri" pitchFamily="34" charset="0"/>
+              <a:buChar char="◦"/>
+              <a:defRPr sz="1400" kern="1200">
+                <a:solidFill>
+                  <a:schemeClr val="tx1">
+                    <a:lumMod val="75000"/>
+                    <a:lumOff val="25000"/>
+                  </a:schemeClr>
+                </a:solidFill>
+                <a:latin typeface="+mn-lt"/>
+                <a:ea typeface="+mn-ea"/>
+                <a:cs typeface="+mn-cs"/>
+              </a:defRPr>
+            </a:lvl7pPr>
+            <a:lvl8pPr marL="1500000" indent="-228600" algn="l" defTabSz="914400" rtl="0" eaLnBrk="1" latinLnBrk="0" hangingPunct="1">
+              <a:lnSpc>
+                <a:spcPct val="90000"/>
+              </a:lnSpc>
+              <a:spcBef>
+                <a:spcPts val="200"/>
+              </a:spcBef>
+              <a:spcAft>
+                <a:spcPts val="400"/>
+              </a:spcAft>
+              <a:buClr>
+                <a:schemeClr val="accent1"/>
+              </a:buClr>
+              <a:buFont typeface="Calibri" pitchFamily="34" charset="0"/>
+              <a:buChar char="◦"/>
+              <a:defRPr sz="1400" kern="1200">
+                <a:solidFill>
+                  <a:schemeClr val="tx1">
+                    <a:lumMod val="75000"/>
+                    <a:lumOff val="25000"/>
+                  </a:schemeClr>
+                </a:solidFill>
+                <a:latin typeface="+mn-lt"/>
+                <a:ea typeface="+mn-ea"/>
+                <a:cs typeface="+mn-cs"/>
+              </a:defRPr>
+            </a:lvl8pPr>
+            <a:lvl9pPr marL="1700000" indent="-228600" algn="l" defTabSz="914400" rtl="0" eaLnBrk="1" latinLnBrk="0" hangingPunct="1">
+              <a:lnSpc>
+                <a:spcPct val="90000"/>
+              </a:lnSpc>
+              <a:spcBef>
+                <a:spcPts val="200"/>
+              </a:spcBef>
+              <a:spcAft>
+                <a:spcPts val="400"/>
+              </a:spcAft>
+              <a:buClr>
+                <a:schemeClr val="accent1"/>
+              </a:buClr>
+              <a:buFont typeface="Calibri" pitchFamily="34" charset="0"/>
+              <a:buChar char="◦"/>
+              <a:defRPr sz="1400" kern="1200">
+                <a:solidFill>
+                  <a:schemeClr val="tx1">
+                    <a:lumMod val="75000"/>
+                    <a:lumOff val="25000"/>
+                  </a:schemeClr>
+                </a:solidFill>
+                <a:latin typeface="+mn-lt"/>
+                <a:ea typeface="+mn-ea"/>
+                <a:cs typeface="+mn-cs"/>
+              </a:defRPr>
+            </a:lvl9pPr>
+          </a:lstStyle>
+          <a:p>
+            <a:pPr>
+              <a:buFont typeface="Wingdings" panose="05000000000000000000" pitchFamily="2" charset="2"/>
+              <a:buChar char="Ø"/>
+            </a:pPr>
+            <a:r>
+              <a:rPr lang="fr-FR" sz="4400" b="1" dirty="0"/>
+              <a:t>Le contexte</a:t>
+            </a:r>
+          </a:p>
+          <a:p>
+            <a:pPr>
+              <a:buFont typeface="Wingdings" panose="05000000000000000000" pitchFamily="2" charset="2"/>
+              <a:buChar char="Ø"/>
+            </a:pPr>
+            <a:r>
+              <a:rPr lang="fr-FR" sz="4400" b="1" dirty="0"/>
+              <a:t>L’architecture actuelle </a:t>
+            </a:r>
+          </a:p>
+          <a:p>
+            <a:pPr>
+              <a:buFont typeface="Wingdings" panose="05000000000000000000" pitchFamily="2" charset="2"/>
+              <a:buChar char="Ø"/>
+            </a:pPr>
+            <a:r>
+              <a:rPr lang="fr-FR" sz="4400" b="1" dirty="0"/>
+              <a:t>La nouvelle architecture </a:t>
+            </a:r>
+          </a:p>
+          <a:p>
+            <a:pPr>
+              <a:buFont typeface="Wingdings" panose="05000000000000000000" pitchFamily="2" charset="2"/>
+              <a:buChar char="Ø"/>
+            </a:pPr>
+            <a:r>
+              <a:rPr lang="fr-FR" sz="4400" b="1" dirty="0"/>
+              <a:t>Le plan de mise en place</a:t>
+            </a:r>
+          </a:p>
+          <a:p>
+            <a:pPr>
+              <a:buFont typeface="Wingdings" panose="05000000000000000000" pitchFamily="2" charset="2"/>
+              <a:buChar char="Ø"/>
+            </a:pPr>
+            <a:r>
+              <a:rPr lang="fr-FR" sz="4400" b="1" dirty="0"/>
+              <a:t>Questions</a:t>
+            </a:r>
+          </a:p>
+          <a:p>
+            <a:endParaRPr lang="fr-FR" dirty="0"/>
+          </a:p>
+        </p:txBody>
+      </p:sp>
+      <p:sp>
+        <p:nvSpPr>
+          <p:cNvPr id="5" name="Espace réservé du numéro de diapositive 4">
+            <a:extLst>
+              <a:ext uri="{FF2B5EF4-FFF2-40B4-BE49-F238E27FC236}">
+                <a16:creationId xmlns:a16="http://schemas.microsoft.com/office/drawing/2014/main" id="{1AAF9CBF-C28C-ABF3-4457-5520E3A107A0}"/>
+              </a:ext>
+            </a:extLst>
+          </p:cNvPr>
+          <p:cNvSpPr>
+            <a:spLocks noGrp="1"/>
+          </p:cNvSpPr>
+          <p:nvPr>
+            <p:ph type="sldNum" sz="quarter" idx="12"/>
+          </p:nvPr>
+        </p:nvSpPr>
+        <p:spPr/>
+        <p:txBody>
+          <a:bodyPr/>
+          <a:lstStyle/>
+          <a:p>
+            <a:fld id="{BB460250-132E-47B3-835F-8C1BCF0D91F5}" type="slidenum">
+              <a:rPr lang="fr-FR" smtClean="0"/>
+              <a:t>2</a:t>
+            </a:fld>
+            <a:endParaRPr lang="fr-FR"/>
+          </a:p>
+        </p:txBody>
+      </p:sp>
+    </p:spTree>
+    <p:extLst>
+      <p:ext uri="{BB962C8B-B14F-4D97-AF65-F5344CB8AC3E}">
+        <p14:creationId xmlns:p14="http://schemas.microsoft.com/office/powerpoint/2010/main" val="3699759215"/>
+      </p:ext>
+    </p:extLst>
+  </p:cSld>
+  <p:clrMapOvr>
+    <a:masterClrMapping/>
+  </p:clrMapOvr>
+</p:sld>
+</file>
+
+<file path=ppt/slides/slide20.xml><?xml version="1.0" encoding="utf-8"?>
 <p:sld xmlns:a="http://schemas.openxmlformats.org/drawingml/2006/main" xmlns:r="http://schemas.openxmlformats.org/officeDocument/2006/relationships" xmlns:p="http://schemas.openxmlformats.org/presentationml/2006/main">
   <p:cSld>
     <p:spTree>
@@ -11785,7 +13013,7 @@
           <a:p>
             <a:fld id="{BB460250-132E-47B3-835F-8C1BCF0D91F5}" type="slidenum">
               <a:rPr lang="fr-FR" smtClean="0"/>
-              <a:t>19</a:t>
+              <a:t>20</a:t>
             </a:fld>
             <a:endParaRPr lang="fr-FR"/>
           </a:p>
@@ -11795,451 +13023,6 @@
     <p:extLst>
       <p:ext uri="{BB962C8B-B14F-4D97-AF65-F5344CB8AC3E}">
         <p14:creationId xmlns:p14="http://schemas.microsoft.com/office/powerpoint/2010/main" val="2113078298"/>
-      </p:ext>
-    </p:extLst>
-  </p:cSld>
-  <p:clrMapOvr>
-    <a:masterClrMapping/>
-  </p:clrMapOvr>
-</p:sld>
-</file>
-
-<file path=ppt/slides/slide2.xml><?xml version="1.0" encoding="utf-8"?>
-<p:sld xmlns:a="http://schemas.openxmlformats.org/drawingml/2006/main" xmlns:r="http://schemas.openxmlformats.org/officeDocument/2006/relationships" xmlns:p="http://schemas.openxmlformats.org/presentationml/2006/main">
-  <p:cSld>
-    <p:spTree>
-      <p:nvGrpSpPr>
-        <p:cNvPr id="1" name=""/>
-        <p:cNvGrpSpPr/>
-        <p:nvPr/>
-      </p:nvGrpSpPr>
-      <p:grpSpPr>
-        <a:xfrm>
-          <a:off x="0" y="0"/>
-          <a:ext cx="0" cy="0"/>
-          <a:chOff x="0" y="0"/>
-          <a:chExt cx="0" cy="0"/>
-        </a:xfrm>
-      </p:grpSpPr>
-      <p:sp>
-        <p:nvSpPr>
-          <p:cNvPr id="2" name="Titre 1">
-            <a:extLst>
-              <a:ext uri="{FF2B5EF4-FFF2-40B4-BE49-F238E27FC236}">
-                <a16:creationId xmlns:a16="http://schemas.microsoft.com/office/drawing/2014/main" id="{80042FFF-9946-5386-809A-24AA943CDFAD}"/>
-              </a:ext>
-            </a:extLst>
-          </p:cNvPr>
-          <p:cNvSpPr txBox="1">
-            <a:spLocks/>
-          </p:cNvSpPr>
-          <p:nvPr/>
-        </p:nvSpPr>
-        <p:spPr>
-          <a:xfrm>
-            <a:off x="1097280" y="286603"/>
-            <a:ext cx="10058400" cy="1450757"/>
-          </a:xfrm>
-          <a:prstGeom prst="rect">
-            <a:avLst/>
-          </a:prstGeom>
-        </p:spPr>
-        <p:txBody>
-          <a:bodyPr/>
-          <a:lstStyle>
-            <a:lvl1pPr algn="l" defTabSz="914400" rtl="0" eaLnBrk="1" latinLnBrk="0" hangingPunct="1">
-              <a:lnSpc>
-                <a:spcPct val="85000"/>
-              </a:lnSpc>
-              <a:spcBef>
-                <a:spcPct val="0"/>
-              </a:spcBef>
-              <a:buNone/>
-              <a:defRPr sz="4800" kern="1200" spc="-50" baseline="0">
-                <a:solidFill>
-                  <a:schemeClr val="tx1">
-                    <a:lumMod val="75000"/>
-                    <a:lumOff val="25000"/>
-                  </a:schemeClr>
-                </a:solidFill>
-                <a:latin typeface="+mj-lt"/>
-                <a:ea typeface="+mj-ea"/>
-                <a:cs typeface="+mj-cs"/>
-              </a:defRPr>
-            </a:lvl1pPr>
-          </a:lstStyle>
-          <a:p>
-            <a:r>
-              <a:rPr lang="fr-FR" b="1">
-                <a:solidFill>
-                  <a:srgbClr val="00B0F0"/>
-                </a:solidFill>
-              </a:rPr>
-              <a:t>Sommaire :</a:t>
-            </a:r>
-            <a:endParaRPr lang="fr-FR" dirty="0"/>
-          </a:p>
-        </p:txBody>
-      </p:sp>
-      <p:sp>
-        <p:nvSpPr>
-          <p:cNvPr id="3" name="Espace réservé du contenu 2">
-            <a:extLst>
-              <a:ext uri="{FF2B5EF4-FFF2-40B4-BE49-F238E27FC236}">
-                <a16:creationId xmlns:a16="http://schemas.microsoft.com/office/drawing/2014/main" id="{792B8632-6BC6-51BC-60B3-D186BDE5F876}"/>
-              </a:ext>
-            </a:extLst>
-          </p:cNvPr>
-          <p:cNvSpPr txBox="1">
-            <a:spLocks/>
-          </p:cNvSpPr>
-          <p:nvPr/>
-        </p:nvSpPr>
-        <p:spPr>
-          <a:xfrm>
-            <a:off x="554975" y="1661668"/>
-            <a:ext cx="11380424" cy="3824731"/>
-          </a:xfrm>
-          <a:prstGeom prst="rect">
-            <a:avLst/>
-          </a:prstGeom>
-        </p:spPr>
-        <p:txBody>
-          <a:bodyPr/>
-          <a:lstStyle>
-            <a:lvl1pPr marL="91440" indent="-91440" algn="l" defTabSz="914400" rtl="0" eaLnBrk="1" latinLnBrk="0" hangingPunct="1">
-              <a:lnSpc>
-                <a:spcPct val="90000"/>
-              </a:lnSpc>
-              <a:spcBef>
-                <a:spcPts val="1200"/>
-              </a:spcBef>
-              <a:spcAft>
-                <a:spcPts val="200"/>
-              </a:spcAft>
-              <a:buClr>
-                <a:schemeClr val="accent1"/>
-              </a:buClr>
-              <a:buSzPct val="100000"/>
-              <a:buFont typeface="Calibri" panose="020F0502020204030204" pitchFamily="34" charset="0"/>
-              <a:buChar char=" "/>
-              <a:defRPr sz="2000" kern="1200">
-                <a:solidFill>
-                  <a:schemeClr val="tx1">
-                    <a:lumMod val="75000"/>
-                    <a:lumOff val="25000"/>
-                  </a:schemeClr>
-                </a:solidFill>
-                <a:latin typeface="+mn-lt"/>
-                <a:ea typeface="+mn-ea"/>
-                <a:cs typeface="+mn-cs"/>
-              </a:defRPr>
-            </a:lvl1pPr>
-            <a:lvl2pPr marL="384048" indent="-182880" algn="l" defTabSz="914400" rtl="0" eaLnBrk="1" latinLnBrk="0" hangingPunct="1">
-              <a:lnSpc>
-                <a:spcPct val="90000"/>
-              </a:lnSpc>
-              <a:spcBef>
-                <a:spcPts val="200"/>
-              </a:spcBef>
-              <a:spcAft>
-                <a:spcPts val="400"/>
-              </a:spcAft>
-              <a:buClr>
-                <a:schemeClr val="accent1"/>
-              </a:buClr>
-              <a:buFont typeface="Calibri" pitchFamily="34" charset="0"/>
-              <a:buChar char="◦"/>
-              <a:defRPr sz="1800" kern="1200">
-                <a:solidFill>
-                  <a:schemeClr val="tx1">
-                    <a:lumMod val="75000"/>
-                    <a:lumOff val="25000"/>
-                  </a:schemeClr>
-                </a:solidFill>
-                <a:latin typeface="+mn-lt"/>
-                <a:ea typeface="+mn-ea"/>
-                <a:cs typeface="+mn-cs"/>
-              </a:defRPr>
-            </a:lvl2pPr>
-            <a:lvl3pPr marL="566928" indent="-182880" algn="l" defTabSz="914400" rtl="0" eaLnBrk="1" latinLnBrk="0" hangingPunct="1">
-              <a:lnSpc>
-                <a:spcPct val="90000"/>
-              </a:lnSpc>
-              <a:spcBef>
-                <a:spcPts val="200"/>
-              </a:spcBef>
-              <a:spcAft>
-                <a:spcPts val="400"/>
-              </a:spcAft>
-              <a:buClr>
-                <a:schemeClr val="accent1"/>
-              </a:buClr>
-              <a:buFont typeface="Calibri" pitchFamily="34" charset="0"/>
-              <a:buChar char="◦"/>
-              <a:defRPr sz="1400" kern="1200">
-                <a:solidFill>
-                  <a:schemeClr val="tx1">
-                    <a:lumMod val="75000"/>
-                    <a:lumOff val="25000"/>
-                  </a:schemeClr>
-                </a:solidFill>
-                <a:latin typeface="+mn-lt"/>
-                <a:ea typeface="+mn-ea"/>
-                <a:cs typeface="+mn-cs"/>
-              </a:defRPr>
-            </a:lvl3pPr>
-            <a:lvl4pPr marL="749808" indent="-182880" algn="l" defTabSz="914400" rtl="0" eaLnBrk="1" latinLnBrk="0" hangingPunct="1">
-              <a:lnSpc>
-                <a:spcPct val="90000"/>
-              </a:lnSpc>
-              <a:spcBef>
-                <a:spcPts val="200"/>
-              </a:spcBef>
-              <a:spcAft>
-                <a:spcPts val="400"/>
-              </a:spcAft>
-              <a:buClr>
-                <a:schemeClr val="accent1"/>
-              </a:buClr>
-              <a:buFont typeface="Calibri" pitchFamily="34" charset="0"/>
-              <a:buChar char="◦"/>
-              <a:defRPr sz="1400" kern="1200">
-                <a:solidFill>
-                  <a:schemeClr val="tx1">
-                    <a:lumMod val="75000"/>
-                    <a:lumOff val="25000"/>
-                  </a:schemeClr>
-                </a:solidFill>
-                <a:latin typeface="+mn-lt"/>
-                <a:ea typeface="+mn-ea"/>
-                <a:cs typeface="+mn-cs"/>
-              </a:defRPr>
-            </a:lvl4pPr>
-            <a:lvl5pPr marL="932688" indent="-182880" algn="l" defTabSz="914400" rtl="0" eaLnBrk="1" latinLnBrk="0" hangingPunct="1">
-              <a:lnSpc>
-                <a:spcPct val="90000"/>
-              </a:lnSpc>
-              <a:spcBef>
-                <a:spcPts val="200"/>
-              </a:spcBef>
-              <a:spcAft>
-                <a:spcPts val="400"/>
-              </a:spcAft>
-              <a:buClr>
-                <a:schemeClr val="accent1"/>
-              </a:buClr>
-              <a:buFont typeface="Calibri" pitchFamily="34" charset="0"/>
-              <a:buChar char="◦"/>
-              <a:defRPr sz="1400" kern="1200">
-                <a:solidFill>
-                  <a:schemeClr val="tx1">
-                    <a:lumMod val="75000"/>
-                    <a:lumOff val="25000"/>
-                  </a:schemeClr>
-                </a:solidFill>
-                <a:latin typeface="+mn-lt"/>
-                <a:ea typeface="+mn-ea"/>
-                <a:cs typeface="+mn-cs"/>
-              </a:defRPr>
-            </a:lvl5pPr>
-            <a:lvl6pPr marL="1100000" indent="-228600" algn="l" defTabSz="914400" rtl="0" eaLnBrk="1" latinLnBrk="0" hangingPunct="1">
-              <a:lnSpc>
-                <a:spcPct val="90000"/>
-              </a:lnSpc>
-              <a:spcBef>
-                <a:spcPts val="200"/>
-              </a:spcBef>
-              <a:spcAft>
-                <a:spcPts val="400"/>
-              </a:spcAft>
-              <a:buClr>
-                <a:schemeClr val="accent1"/>
-              </a:buClr>
-              <a:buFont typeface="Calibri" pitchFamily="34" charset="0"/>
-              <a:buChar char="◦"/>
-              <a:defRPr sz="1400" kern="1200">
-                <a:solidFill>
-                  <a:schemeClr val="tx1">
-                    <a:lumMod val="75000"/>
-                    <a:lumOff val="25000"/>
-                  </a:schemeClr>
-                </a:solidFill>
-                <a:latin typeface="+mn-lt"/>
-                <a:ea typeface="+mn-ea"/>
-                <a:cs typeface="+mn-cs"/>
-              </a:defRPr>
-            </a:lvl6pPr>
-            <a:lvl7pPr marL="1300000" indent="-228600" algn="l" defTabSz="914400" rtl="0" eaLnBrk="1" latinLnBrk="0" hangingPunct="1">
-              <a:lnSpc>
-                <a:spcPct val="90000"/>
-              </a:lnSpc>
-              <a:spcBef>
-                <a:spcPts val="200"/>
-              </a:spcBef>
-              <a:spcAft>
-                <a:spcPts val="400"/>
-              </a:spcAft>
-              <a:buClr>
-                <a:schemeClr val="accent1"/>
-              </a:buClr>
-              <a:buFont typeface="Calibri" pitchFamily="34" charset="0"/>
-              <a:buChar char="◦"/>
-              <a:defRPr sz="1400" kern="1200">
-                <a:solidFill>
-                  <a:schemeClr val="tx1">
-                    <a:lumMod val="75000"/>
-                    <a:lumOff val="25000"/>
-                  </a:schemeClr>
-                </a:solidFill>
-                <a:latin typeface="+mn-lt"/>
-                <a:ea typeface="+mn-ea"/>
-                <a:cs typeface="+mn-cs"/>
-              </a:defRPr>
-            </a:lvl7pPr>
-            <a:lvl8pPr marL="1500000" indent="-228600" algn="l" defTabSz="914400" rtl="0" eaLnBrk="1" latinLnBrk="0" hangingPunct="1">
-              <a:lnSpc>
-                <a:spcPct val="90000"/>
-              </a:lnSpc>
-              <a:spcBef>
-                <a:spcPts val="200"/>
-              </a:spcBef>
-              <a:spcAft>
-                <a:spcPts val="400"/>
-              </a:spcAft>
-              <a:buClr>
-                <a:schemeClr val="accent1"/>
-              </a:buClr>
-              <a:buFont typeface="Calibri" pitchFamily="34" charset="0"/>
-              <a:buChar char="◦"/>
-              <a:defRPr sz="1400" kern="1200">
-                <a:solidFill>
-                  <a:schemeClr val="tx1">
-                    <a:lumMod val="75000"/>
-                    <a:lumOff val="25000"/>
-                  </a:schemeClr>
-                </a:solidFill>
-                <a:latin typeface="+mn-lt"/>
-                <a:ea typeface="+mn-ea"/>
-                <a:cs typeface="+mn-cs"/>
-              </a:defRPr>
-            </a:lvl8pPr>
-            <a:lvl9pPr marL="1700000" indent="-228600" algn="l" defTabSz="914400" rtl="0" eaLnBrk="1" latinLnBrk="0" hangingPunct="1">
-              <a:lnSpc>
-                <a:spcPct val="90000"/>
-              </a:lnSpc>
-              <a:spcBef>
-                <a:spcPts val="200"/>
-              </a:spcBef>
-              <a:spcAft>
-                <a:spcPts val="400"/>
-              </a:spcAft>
-              <a:buClr>
-                <a:schemeClr val="accent1"/>
-              </a:buClr>
-              <a:buFont typeface="Calibri" pitchFamily="34" charset="0"/>
-              <a:buChar char="◦"/>
-              <a:defRPr sz="1400" kern="1200">
-                <a:solidFill>
-                  <a:schemeClr val="tx1">
-                    <a:lumMod val="75000"/>
-                    <a:lumOff val="25000"/>
-                  </a:schemeClr>
-                </a:solidFill>
-                <a:latin typeface="+mn-lt"/>
-                <a:ea typeface="+mn-ea"/>
-                <a:cs typeface="+mn-cs"/>
-              </a:defRPr>
-            </a:lvl9pPr>
-          </a:lstStyle>
-          <a:p>
-            <a:pPr>
-              <a:buFont typeface="Wingdings" panose="05000000000000000000" pitchFamily="2" charset="2"/>
-              <a:buChar char="Ø"/>
-            </a:pPr>
-            <a:r>
-              <a:rPr lang="fr-FR" sz="4400" b="1" dirty="0"/>
-              <a:t>Le contexte</a:t>
-            </a:r>
-          </a:p>
-          <a:p>
-            <a:pPr>
-              <a:buFont typeface="Wingdings" panose="05000000000000000000" pitchFamily="2" charset="2"/>
-              <a:buChar char="Ø"/>
-            </a:pPr>
-            <a:r>
-              <a:rPr lang="fr-FR" sz="4400" b="1" dirty="0"/>
-              <a:t>L’architecture actuelle </a:t>
-            </a:r>
-          </a:p>
-          <a:p>
-            <a:pPr>
-              <a:buFont typeface="Wingdings" panose="05000000000000000000" pitchFamily="2" charset="2"/>
-              <a:buChar char="Ø"/>
-            </a:pPr>
-            <a:r>
-              <a:rPr lang="fr-FR" sz="4400" b="1" dirty="0"/>
-              <a:t>La nouvelle architecture </a:t>
-            </a:r>
-          </a:p>
-          <a:p>
-            <a:pPr>
-              <a:buFont typeface="Wingdings" panose="05000000000000000000" pitchFamily="2" charset="2"/>
-              <a:buChar char="Ø"/>
-            </a:pPr>
-            <a:r>
-              <a:rPr lang="fr-FR" sz="4400" b="1" dirty="0"/>
-              <a:t>Le plan de mise en place</a:t>
-            </a:r>
-          </a:p>
-          <a:p>
-            <a:pPr>
-              <a:buFont typeface="Wingdings" panose="05000000000000000000" pitchFamily="2" charset="2"/>
-              <a:buChar char="Ø"/>
-            </a:pPr>
-            <a:r>
-              <a:rPr lang="fr-FR" sz="4400" b="1" dirty="0"/>
-              <a:t>Questions</a:t>
-            </a:r>
-          </a:p>
-          <a:p>
-            <a:endParaRPr lang="fr-FR" dirty="0"/>
-          </a:p>
-        </p:txBody>
-      </p:sp>
-      <p:sp>
-        <p:nvSpPr>
-          <p:cNvPr id="5" name="Espace réservé du numéro de diapositive 4">
-            <a:extLst>
-              <a:ext uri="{FF2B5EF4-FFF2-40B4-BE49-F238E27FC236}">
-                <a16:creationId xmlns:a16="http://schemas.microsoft.com/office/drawing/2014/main" id="{1AAF9CBF-C28C-ABF3-4457-5520E3A107A0}"/>
-              </a:ext>
-            </a:extLst>
-          </p:cNvPr>
-          <p:cNvSpPr>
-            <a:spLocks noGrp="1"/>
-          </p:cNvSpPr>
-          <p:nvPr>
-            <p:ph type="sldNum" sz="quarter" idx="12"/>
-          </p:nvPr>
-        </p:nvSpPr>
-        <p:spPr/>
-        <p:txBody>
-          <a:bodyPr/>
-          <a:lstStyle/>
-          <a:p>
-            <a:fld id="{BB460250-132E-47B3-835F-8C1BCF0D91F5}" type="slidenum">
-              <a:rPr lang="fr-FR" smtClean="0"/>
-              <a:t>2</a:t>
-            </a:fld>
-            <a:endParaRPr lang="fr-FR"/>
-          </a:p>
-        </p:txBody>
-      </p:sp>
-    </p:spTree>
-    <p:extLst>
-      <p:ext uri="{BB962C8B-B14F-4D97-AF65-F5344CB8AC3E}">
-        <p14:creationId xmlns:p14="http://schemas.microsoft.com/office/powerpoint/2010/main" val="3699759215"/>
       </p:ext>
     </p:extLst>
   </p:cSld>

--- a/Architecture/4 - Présentation/Présentation.pptx
+++ b/Architecture/4 - Présentation/Présentation.pptx
@@ -216,7 +216,7 @@
           <a:p>
             <a:fld id="{CCA774A3-38F4-47C2-BD1F-E46A489CF4A2}" type="datetimeFigureOut">
               <a:rPr lang="fr-FR" smtClean="0"/>
-              <a:t>11/12/2022</a:t>
+              <a:t>12/12/2022</a:t>
             </a:fld>
             <a:endParaRPr lang="fr-FR"/>
           </a:p>
@@ -709,7 +709,7 @@
           <a:p>
             <a:fld id="{3F249580-64D2-4B76-B591-C5473F982823}" type="datetime1">
               <a:rPr lang="fr-FR" smtClean="0"/>
-              <a:t>11/12/2022</a:t>
+              <a:t>12/12/2022</a:t>
             </a:fld>
             <a:endParaRPr lang="fr-FR"/>
           </a:p>
@@ -917,7 +917,7 @@
           <a:p>
             <a:fld id="{25FEB1CE-075E-473B-91EC-3DA1EBD05549}" type="datetime1">
               <a:rPr lang="fr-FR" smtClean="0"/>
-              <a:t>11/12/2022</a:t>
+              <a:t>12/12/2022</a:t>
             </a:fld>
             <a:endParaRPr lang="fr-FR"/>
           </a:p>
@@ -1173,7 +1173,7 @@
           <a:p>
             <a:fld id="{4FE7E34D-3B68-4795-96F2-FD03EE03A76F}" type="datetime1">
               <a:rPr lang="fr-FR" smtClean="0"/>
-              <a:t>11/12/2022</a:t>
+              <a:t>12/12/2022</a:t>
             </a:fld>
             <a:endParaRPr lang="fr-FR"/>
           </a:p>
@@ -1347,7 +1347,7 @@
           <a:p>
             <a:fld id="{001DF3C6-A689-4502-9F43-449C2BBFFD40}" type="datetime1">
               <a:rPr lang="fr-FR" smtClean="0"/>
-              <a:t>11/12/2022</a:t>
+              <a:t>12/12/2022</a:t>
             </a:fld>
             <a:endParaRPr lang="fr-FR"/>
           </a:p>
@@ -1690,7 +1690,7 @@
           <a:p>
             <a:fld id="{DCE01207-BD96-495C-B22D-90A9CDE64D4D}" type="datetime1">
               <a:rPr lang="fr-FR" smtClean="0"/>
-              <a:t>11/12/2022</a:t>
+              <a:t>12/12/2022</a:t>
             </a:fld>
             <a:endParaRPr lang="fr-FR"/>
           </a:p>
@@ -1965,7 +1965,7 @@
           <a:p>
             <a:fld id="{72C85633-991D-444E-B562-B23E410BDD6A}" type="datetime1">
               <a:rPr lang="fr-FR" smtClean="0"/>
-              <a:t>11/12/2022</a:t>
+              <a:t>12/12/2022</a:t>
             </a:fld>
             <a:endParaRPr lang="fr-FR"/>
           </a:p>
@@ -2344,7 +2344,7 @@
           <a:p>
             <a:fld id="{9413EDA9-7E09-44A5-85AE-F505599743D6}" type="datetime1">
               <a:rPr lang="fr-FR" smtClean="0"/>
-              <a:t>11/12/2022</a:t>
+              <a:t>12/12/2022</a:t>
             </a:fld>
             <a:endParaRPr lang="fr-FR"/>
           </a:p>
@@ -2462,7 +2462,7 @@
           <a:p>
             <a:fld id="{DFC62449-823F-4317-AEDB-38B69A20922B}" type="datetime1">
               <a:rPr lang="fr-FR" smtClean="0"/>
-              <a:t>11/12/2022</a:t>
+              <a:t>12/12/2022</a:t>
             </a:fld>
             <a:endParaRPr lang="fr-FR"/>
           </a:p>
@@ -2633,7 +2633,7 @@
           <a:p>
             <a:fld id="{D04BD290-5A1E-4594-ACC2-3D4DDA00D310}" type="datetime1">
               <a:rPr lang="fr-FR" smtClean="0"/>
-              <a:t>11/12/2022</a:t>
+              <a:t>12/12/2022</a:t>
             </a:fld>
             <a:endParaRPr lang="fr-FR"/>
           </a:p>
@@ -2987,7 +2987,7 @@
           <a:p>
             <a:fld id="{96D18323-7850-41E2-91C4-294E7B72F05E}" type="datetime1">
               <a:rPr lang="fr-FR" smtClean="0"/>
-              <a:t>11/12/2022</a:t>
+              <a:t>12/12/2022</a:t>
             </a:fld>
             <a:endParaRPr lang="fr-FR"/>
           </a:p>
@@ -3369,7 +3369,7 @@
           <a:p>
             <a:fld id="{8993E515-910C-40A3-A03C-4734CA8F7219}" type="datetime1">
               <a:rPr lang="fr-FR" smtClean="0"/>
-              <a:t>11/12/2022</a:t>
+              <a:t>12/12/2022</a:t>
             </a:fld>
             <a:endParaRPr lang="fr-FR"/>
           </a:p>
@@ -3656,7 +3656,7 @@
           <a:p>
             <a:fld id="{2AAD1071-4DAA-4BD9-945D-51A49DCBDACD}" type="datetime1">
               <a:rPr lang="fr-FR" smtClean="0"/>
-              <a:t>11/12/2022</a:t>
+              <a:t>12/12/2022</a:t>
             </a:fld>
             <a:endParaRPr lang="fr-FR"/>
           </a:p>
@@ -7043,7 +7043,7 @@
         </p:nvSpPr>
         <p:spPr>
           <a:xfrm>
-            <a:off x="9504945" y="3560607"/>
+            <a:off x="9504945" y="4371487"/>
             <a:ext cx="2156059" cy="369332"/>
           </a:xfrm>
           <a:prstGeom prst="rect">
@@ -7078,7 +7078,7 @@
         </p:nvSpPr>
         <p:spPr>
           <a:xfrm>
-            <a:off x="9504945" y="5046587"/>
+            <a:off x="9504945" y="5519917"/>
             <a:ext cx="2396692" cy="369332"/>
           </a:xfrm>
           <a:prstGeom prst="rect">
@@ -7130,6 +7130,41 @@
             <a:r>
               <a:rPr lang="fr-FR" dirty="0"/>
               <a:t>Migration Séquentielle</a:t>
+            </a:r>
+          </a:p>
+        </p:txBody>
+      </p:sp>
+      <p:sp>
+        <p:nvSpPr>
+          <p:cNvPr id="2" name="ZoneTexte 1">
+            <a:extLst>
+              <a:ext uri="{FF2B5EF4-FFF2-40B4-BE49-F238E27FC236}">
+                <a16:creationId xmlns:a16="http://schemas.microsoft.com/office/drawing/2014/main" id="{C74B4D92-C117-D667-8DA0-4ECA0B04DA9C}"/>
+              </a:ext>
+            </a:extLst>
+          </p:cNvPr>
+          <p:cNvSpPr txBox="1"/>
+          <p:nvPr/>
+        </p:nvSpPr>
+        <p:spPr>
+          <a:xfrm>
+            <a:off x="9504945" y="3223057"/>
+            <a:ext cx="2396692" cy="646331"/>
+          </a:xfrm>
+          <a:prstGeom prst="rect">
+            <a:avLst/>
+          </a:prstGeom>
+          <a:noFill/>
+        </p:spPr>
+        <p:txBody>
+          <a:bodyPr wrap="square" rtlCol="0">
+            <a:spAutoFit/>
+          </a:bodyPr>
+          <a:lstStyle/>
+          <a:p>
+            <a:r>
+              <a:rPr lang="fr-FR" dirty="0"/>
+              <a:t>ETL migration données et contrôle</a:t>
             </a:r>
           </a:p>
         </p:txBody>
@@ -7284,7 +7319,7 @@
                                           </p:stCondLst>
                                         </p:cTn>
                                         <p:tgtEl>
-                                          <p:spTgt spid="8"/>
+                                          <p:spTgt spid="2"/>
                                         </p:tgtEl>
                                         <p:attrNameLst>
                                           <p:attrName>style.visibility</p:attrName>
@@ -7298,7 +7333,7 @@
                                       <p:cBhvr>
                                         <p:cTn id="17" dur="500"/>
                                         <p:tgtEl>
-                                          <p:spTgt spid="8"/>
+                                          <p:spTgt spid="2"/>
                                         </p:tgtEl>
                                       </p:cBhvr>
                                     </p:animEffect>
@@ -7337,7 +7372,7 @@
                                           </p:stCondLst>
                                         </p:cTn>
                                         <p:tgtEl>
-                                          <p:spTgt spid="9"/>
+                                          <p:spTgt spid="8"/>
                                         </p:tgtEl>
                                         <p:attrNameLst>
                                           <p:attrName>style.visibility</p:attrName>
@@ -7350,6 +7385,59 @@
                                     <p:animEffect transition="in" filter="fade">
                                       <p:cBhvr>
                                         <p:cTn id="22" dur="500"/>
+                                        <p:tgtEl>
+                                          <p:spTgt spid="8"/>
+                                        </p:tgtEl>
+                                      </p:cBhvr>
+                                    </p:animEffect>
+                                  </p:childTnLst>
+                                </p:cTn>
+                              </p:par>
+                            </p:childTnLst>
+                          </p:cTn>
+                        </p:par>
+                      </p:childTnLst>
+                    </p:cTn>
+                  </p:par>
+                  <p:par>
+                    <p:cTn id="23" fill="hold">
+                      <p:stCondLst>
+                        <p:cond delay="indefinite"/>
+                      </p:stCondLst>
+                      <p:childTnLst>
+                        <p:par>
+                          <p:cTn id="24" fill="hold">
+                            <p:stCondLst>
+                              <p:cond delay="0"/>
+                            </p:stCondLst>
+                            <p:childTnLst>
+                              <p:par>
+                                <p:cTn id="25" presetID="10" presetClass="entr" presetSubtype="0" fill="hold" grpId="0" nodeType="clickEffect">
+                                  <p:stCondLst>
+                                    <p:cond delay="0"/>
+                                  </p:stCondLst>
+                                  <p:childTnLst>
+                                    <p:set>
+                                      <p:cBhvr>
+                                        <p:cTn id="26" dur="1" fill="hold">
+                                          <p:stCondLst>
+                                            <p:cond delay="0"/>
+                                          </p:stCondLst>
+                                        </p:cTn>
+                                        <p:tgtEl>
+                                          <p:spTgt spid="9"/>
+                                        </p:tgtEl>
+                                        <p:attrNameLst>
+                                          <p:attrName>style.visibility</p:attrName>
+                                        </p:attrNameLst>
+                                      </p:cBhvr>
+                                      <p:to>
+                                        <p:strVal val="visible"/>
+                                      </p:to>
+                                    </p:set>
+                                    <p:animEffect transition="in" filter="fade">
+                                      <p:cBhvr>
+                                        <p:cTn id="27" dur="500"/>
                                         <p:tgtEl>
                                           <p:spTgt spid="9"/>
                                         </p:tgtEl>
@@ -7389,6 +7477,7 @@
       <p:bldP spid="8" grpId="0"/>
       <p:bldP spid="9" grpId="0"/>
       <p:bldP spid="10" grpId="0"/>
+      <p:bldP spid="2" grpId="0"/>
     </p:bldLst>
   </p:timing>
 </p:sld>
@@ -8749,6 +8838,142 @@
           </a:p>
         </p:txBody>
       </p:sp>
+      <p:sp>
+        <p:nvSpPr>
+          <p:cNvPr id="3" name="ZoneTexte 2">
+            <a:extLst>
+              <a:ext uri="{FF2B5EF4-FFF2-40B4-BE49-F238E27FC236}">
+                <a16:creationId xmlns:a16="http://schemas.microsoft.com/office/drawing/2014/main" id="{FC296230-8CCB-B89A-6C4F-0D76C46E7D48}"/>
+              </a:ext>
+            </a:extLst>
+          </p:cNvPr>
+          <p:cNvSpPr txBox="1"/>
+          <p:nvPr/>
+        </p:nvSpPr>
+        <p:spPr>
+          <a:xfrm>
+            <a:off x="1066800" y="2379847"/>
+            <a:ext cx="10145683" cy="757989"/>
+          </a:xfrm>
+          <a:prstGeom prst="rect">
+            <a:avLst/>
+          </a:prstGeom>
+          <a:solidFill>
+            <a:schemeClr val="bg1"/>
+          </a:solidFill>
+        </p:spPr>
+        <p:txBody>
+          <a:bodyPr wrap="square" rtlCol="0">
+            <a:spAutoFit/>
+          </a:bodyPr>
+          <a:lstStyle/>
+          <a:p>
+            <a:endParaRPr lang="fr-FR" dirty="0"/>
+          </a:p>
+        </p:txBody>
+      </p:sp>
+      <p:sp>
+        <p:nvSpPr>
+          <p:cNvPr id="6" name="ZoneTexte 5">
+            <a:extLst>
+              <a:ext uri="{FF2B5EF4-FFF2-40B4-BE49-F238E27FC236}">
+                <a16:creationId xmlns:a16="http://schemas.microsoft.com/office/drawing/2014/main" id="{D3F73ECB-1E29-B7F4-F4AB-D748566BF5F5}"/>
+              </a:ext>
+            </a:extLst>
+          </p:cNvPr>
+          <p:cNvSpPr txBox="1"/>
+          <p:nvPr/>
+        </p:nvSpPr>
+        <p:spPr>
+          <a:xfrm>
+            <a:off x="1097279" y="3137836"/>
+            <a:ext cx="10058400" cy="1049153"/>
+          </a:xfrm>
+          <a:prstGeom prst="rect">
+            <a:avLst/>
+          </a:prstGeom>
+          <a:solidFill>
+            <a:schemeClr val="bg1"/>
+          </a:solidFill>
+        </p:spPr>
+        <p:txBody>
+          <a:bodyPr wrap="square" rtlCol="0">
+            <a:spAutoFit/>
+          </a:bodyPr>
+          <a:lstStyle/>
+          <a:p>
+            <a:endParaRPr lang="fr-FR" dirty="0"/>
+          </a:p>
+        </p:txBody>
+      </p:sp>
+      <p:sp>
+        <p:nvSpPr>
+          <p:cNvPr id="7" name="ZoneTexte 6">
+            <a:extLst>
+              <a:ext uri="{FF2B5EF4-FFF2-40B4-BE49-F238E27FC236}">
+                <a16:creationId xmlns:a16="http://schemas.microsoft.com/office/drawing/2014/main" id="{078DF6FD-C1C8-9218-4E99-6E39037EE91B}"/>
+              </a:ext>
+            </a:extLst>
+          </p:cNvPr>
+          <p:cNvSpPr txBox="1"/>
+          <p:nvPr/>
+        </p:nvSpPr>
+        <p:spPr>
+          <a:xfrm>
+            <a:off x="1097279" y="4186989"/>
+            <a:ext cx="10058400" cy="1049153"/>
+          </a:xfrm>
+          <a:prstGeom prst="rect">
+            <a:avLst/>
+          </a:prstGeom>
+          <a:solidFill>
+            <a:schemeClr val="bg1"/>
+          </a:solidFill>
+        </p:spPr>
+        <p:txBody>
+          <a:bodyPr wrap="square" rtlCol="0">
+            <a:spAutoFit/>
+          </a:bodyPr>
+          <a:lstStyle/>
+          <a:p>
+            <a:endParaRPr lang="fr-FR" dirty="0"/>
+          </a:p>
+        </p:txBody>
+      </p:sp>
+      <p:sp>
+        <p:nvSpPr>
+          <p:cNvPr id="8" name="ZoneTexte 7">
+            <a:extLst>
+              <a:ext uri="{FF2B5EF4-FFF2-40B4-BE49-F238E27FC236}">
+                <a16:creationId xmlns:a16="http://schemas.microsoft.com/office/drawing/2014/main" id="{1F20EA2E-AA70-9CC4-E367-A2DA2671E2A2}"/>
+              </a:ext>
+            </a:extLst>
+          </p:cNvPr>
+          <p:cNvSpPr txBox="1"/>
+          <p:nvPr/>
+        </p:nvSpPr>
+        <p:spPr>
+          <a:xfrm>
+            <a:off x="1097279" y="5236142"/>
+            <a:ext cx="10058400" cy="1049153"/>
+          </a:xfrm>
+          <a:prstGeom prst="rect">
+            <a:avLst/>
+          </a:prstGeom>
+          <a:solidFill>
+            <a:schemeClr val="bg1"/>
+          </a:solidFill>
+        </p:spPr>
+        <p:txBody>
+          <a:bodyPr wrap="square" rtlCol="0">
+            <a:spAutoFit/>
+          </a:bodyPr>
+          <a:lstStyle/>
+          <a:p>
+            <a:endParaRPr lang="fr-FR" dirty="0"/>
+          </a:p>
+        </p:txBody>
+      </p:sp>
     </p:spTree>
     <p:extLst>
       <p:ext uri="{BB962C8B-B14F-4D97-AF65-F5344CB8AC3E}">
@@ -8759,6 +8984,254 @@
   <p:clrMapOvr>
     <a:masterClrMapping/>
   </p:clrMapOvr>
+  <p:timing>
+    <p:tnLst>
+      <p:par>
+        <p:cTn id="1" dur="indefinite" restart="never" nodeType="tmRoot">
+          <p:childTnLst>
+            <p:seq concurrent="1" nextAc="seek">
+              <p:cTn id="2" dur="indefinite" nodeType="mainSeq">
+                <p:childTnLst>
+                  <p:par>
+                    <p:cTn id="3" fill="hold">
+                      <p:stCondLst>
+                        <p:cond delay="indefinite"/>
+                      </p:stCondLst>
+                      <p:childTnLst>
+                        <p:par>
+                          <p:cTn id="4" fill="hold">
+                            <p:stCondLst>
+                              <p:cond delay="0"/>
+                            </p:stCondLst>
+                            <p:childTnLst>
+                              <p:par>
+                                <p:cTn id="5" presetID="10" presetClass="exit" presetSubtype="0" fill="hold" grpId="0" nodeType="clickEffect">
+                                  <p:stCondLst>
+                                    <p:cond delay="0"/>
+                                  </p:stCondLst>
+                                  <p:childTnLst>
+                                    <p:animEffect transition="out" filter="fade">
+                                      <p:cBhvr>
+                                        <p:cTn id="6" dur="500"/>
+                                        <p:tgtEl>
+                                          <p:spTgt spid="3"/>
+                                        </p:tgtEl>
+                                      </p:cBhvr>
+                                    </p:animEffect>
+                                    <p:set>
+                                      <p:cBhvr>
+                                        <p:cTn id="7" dur="1" fill="hold">
+                                          <p:stCondLst>
+                                            <p:cond delay="499"/>
+                                          </p:stCondLst>
+                                        </p:cTn>
+                                        <p:tgtEl>
+                                          <p:spTgt spid="3"/>
+                                        </p:tgtEl>
+                                        <p:attrNameLst>
+                                          <p:attrName>style.visibility</p:attrName>
+                                        </p:attrNameLst>
+                                      </p:cBhvr>
+                                      <p:to>
+                                        <p:strVal val="hidden"/>
+                                      </p:to>
+                                    </p:set>
+                                  </p:childTnLst>
+                                </p:cTn>
+                              </p:par>
+                            </p:childTnLst>
+                          </p:cTn>
+                        </p:par>
+                      </p:childTnLst>
+                    </p:cTn>
+                  </p:par>
+                  <p:par>
+                    <p:cTn id="8" fill="hold">
+                      <p:stCondLst>
+                        <p:cond delay="indefinite"/>
+                      </p:stCondLst>
+                      <p:childTnLst>
+                        <p:par>
+                          <p:cTn id="9" fill="hold">
+                            <p:stCondLst>
+                              <p:cond delay="0"/>
+                            </p:stCondLst>
+                            <p:childTnLst>
+                              <p:par>
+                                <p:cTn id="10" presetID="10" presetClass="exit" presetSubtype="0" fill="hold" grpId="0" nodeType="clickEffect">
+                                  <p:stCondLst>
+                                    <p:cond delay="0"/>
+                                  </p:stCondLst>
+                                  <p:childTnLst>
+                                    <p:animEffect transition="out" filter="fade">
+                                      <p:cBhvr>
+                                        <p:cTn id="11" dur="500"/>
+                                        <p:tgtEl>
+                                          <p:spTgt spid="6"/>
+                                        </p:tgtEl>
+                                      </p:cBhvr>
+                                    </p:animEffect>
+                                    <p:set>
+                                      <p:cBhvr>
+                                        <p:cTn id="12" dur="1" fill="hold">
+                                          <p:stCondLst>
+                                            <p:cond delay="499"/>
+                                          </p:stCondLst>
+                                        </p:cTn>
+                                        <p:tgtEl>
+                                          <p:spTgt spid="6"/>
+                                        </p:tgtEl>
+                                        <p:attrNameLst>
+                                          <p:attrName>style.visibility</p:attrName>
+                                        </p:attrNameLst>
+                                      </p:cBhvr>
+                                      <p:to>
+                                        <p:strVal val="hidden"/>
+                                      </p:to>
+                                    </p:set>
+                                  </p:childTnLst>
+                                </p:cTn>
+                              </p:par>
+                            </p:childTnLst>
+                          </p:cTn>
+                        </p:par>
+                      </p:childTnLst>
+                    </p:cTn>
+                  </p:par>
+                  <p:par>
+                    <p:cTn id="13" fill="hold">
+                      <p:stCondLst>
+                        <p:cond delay="indefinite"/>
+                      </p:stCondLst>
+                      <p:childTnLst>
+                        <p:par>
+                          <p:cTn id="14" fill="hold">
+                            <p:stCondLst>
+                              <p:cond delay="0"/>
+                            </p:stCondLst>
+                            <p:childTnLst>
+                              <p:par>
+                                <p:cTn id="15" presetID="10" presetClass="exit" presetSubtype="0" fill="hold" grpId="0" nodeType="clickEffect">
+                                  <p:stCondLst>
+                                    <p:cond delay="0"/>
+                                  </p:stCondLst>
+                                  <p:childTnLst>
+                                    <p:animEffect transition="out" filter="fade">
+                                      <p:cBhvr>
+                                        <p:cTn id="16" dur="500"/>
+                                        <p:tgtEl>
+                                          <p:spTgt spid="7"/>
+                                        </p:tgtEl>
+                                      </p:cBhvr>
+                                    </p:animEffect>
+                                    <p:set>
+                                      <p:cBhvr>
+                                        <p:cTn id="17" dur="1" fill="hold">
+                                          <p:stCondLst>
+                                            <p:cond delay="499"/>
+                                          </p:stCondLst>
+                                        </p:cTn>
+                                        <p:tgtEl>
+                                          <p:spTgt spid="7"/>
+                                        </p:tgtEl>
+                                        <p:attrNameLst>
+                                          <p:attrName>style.visibility</p:attrName>
+                                        </p:attrNameLst>
+                                      </p:cBhvr>
+                                      <p:to>
+                                        <p:strVal val="hidden"/>
+                                      </p:to>
+                                    </p:set>
+                                  </p:childTnLst>
+                                </p:cTn>
+                              </p:par>
+                            </p:childTnLst>
+                          </p:cTn>
+                        </p:par>
+                      </p:childTnLst>
+                    </p:cTn>
+                  </p:par>
+                  <p:par>
+                    <p:cTn id="18" fill="hold">
+                      <p:stCondLst>
+                        <p:cond delay="indefinite"/>
+                      </p:stCondLst>
+                      <p:childTnLst>
+                        <p:par>
+                          <p:cTn id="19" fill="hold">
+                            <p:stCondLst>
+                              <p:cond delay="0"/>
+                            </p:stCondLst>
+                            <p:childTnLst>
+                              <p:par>
+                                <p:cTn id="20" presetID="10" presetClass="exit" presetSubtype="0" fill="hold" grpId="0" nodeType="clickEffect">
+                                  <p:stCondLst>
+                                    <p:cond delay="0"/>
+                                  </p:stCondLst>
+                                  <p:childTnLst>
+                                    <p:animEffect transition="out" filter="fade">
+                                      <p:cBhvr>
+                                        <p:cTn id="21" dur="500"/>
+                                        <p:tgtEl>
+                                          <p:spTgt spid="8"/>
+                                        </p:tgtEl>
+                                      </p:cBhvr>
+                                    </p:animEffect>
+                                    <p:set>
+                                      <p:cBhvr>
+                                        <p:cTn id="22" dur="1" fill="hold">
+                                          <p:stCondLst>
+                                            <p:cond delay="499"/>
+                                          </p:stCondLst>
+                                        </p:cTn>
+                                        <p:tgtEl>
+                                          <p:spTgt spid="8"/>
+                                        </p:tgtEl>
+                                        <p:attrNameLst>
+                                          <p:attrName>style.visibility</p:attrName>
+                                        </p:attrNameLst>
+                                      </p:cBhvr>
+                                      <p:to>
+                                        <p:strVal val="hidden"/>
+                                      </p:to>
+                                    </p:set>
+                                  </p:childTnLst>
+                                </p:cTn>
+                              </p:par>
+                            </p:childTnLst>
+                          </p:cTn>
+                        </p:par>
+                      </p:childTnLst>
+                    </p:cTn>
+                  </p:par>
+                </p:childTnLst>
+              </p:cTn>
+              <p:prevCondLst>
+                <p:cond evt="onPrev" delay="0">
+                  <p:tgtEl>
+                    <p:sldTgt/>
+                  </p:tgtEl>
+                </p:cond>
+              </p:prevCondLst>
+              <p:nextCondLst>
+                <p:cond evt="onNext" delay="0">
+                  <p:tgtEl>
+                    <p:sldTgt/>
+                  </p:tgtEl>
+                </p:cond>
+              </p:nextCondLst>
+            </p:seq>
+          </p:childTnLst>
+        </p:cTn>
+      </p:par>
+    </p:tnLst>
+    <p:bldLst>
+      <p:bldP spid="3" grpId="0" animBg="1"/>
+      <p:bldP spid="6" grpId="0" animBg="1"/>
+      <p:bldP spid="7" grpId="0" animBg="1"/>
+      <p:bldP spid="8" grpId="0" animBg="1"/>
+    </p:bldLst>
+  </p:timing>
 </p:sld>
 </file>
 
@@ -11261,6 +11734,74 @@
           </a:p>
         </p:txBody>
       </p:sp>
+      <p:sp>
+        <p:nvSpPr>
+          <p:cNvPr id="3" name="ZoneTexte 2">
+            <a:extLst>
+              <a:ext uri="{FF2B5EF4-FFF2-40B4-BE49-F238E27FC236}">
+                <a16:creationId xmlns:a16="http://schemas.microsoft.com/office/drawing/2014/main" id="{B51B0839-E00F-77AC-AB3D-CB1DA7F3322A}"/>
+              </a:ext>
+            </a:extLst>
+          </p:cNvPr>
+          <p:cNvSpPr txBox="1"/>
+          <p:nvPr/>
+        </p:nvSpPr>
+        <p:spPr>
+          <a:xfrm>
+            <a:off x="3291840" y="2358188"/>
+            <a:ext cx="847023" cy="3629085"/>
+          </a:xfrm>
+          <a:prstGeom prst="rect">
+            <a:avLst/>
+          </a:prstGeom>
+          <a:solidFill>
+            <a:schemeClr val="bg1"/>
+          </a:solidFill>
+        </p:spPr>
+        <p:txBody>
+          <a:bodyPr wrap="square" rtlCol="0">
+            <a:spAutoFit/>
+          </a:bodyPr>
+          <a:lstStyle/>
+          <a:p>
+            <a:endParaRPr lang="fr-FR" dirty="0"/>
+          </a:p>
+        </p:txBody>
+      </p:sp>
+      <p:sp>
+        <p:nvSpPr>
+          <p:cNvPr id="5" name="ZoneTexte 4">
+            <a:extLst>
+              <a:ext uri="{FF2B5EF4-FFF2-40B4-BE49-F238E27FC236}">
+                <a16:creationId xmlns:a16="http://schemas.microsoft.com/office/drawing/2014/main" id="{7D1291A3-532A-7D6B-3D3C-FF7DB6FD1481}"/>
+              </a:ext>
+            </a:extLst>
+          </p:cNvPr>
+          <p:cNvSpPr txBox="1"/>
+          <p:nvPr/>
+        </p:nvSpPr>
+        <p:spPr>
+          <a:xfrm>
+            <a:off x="4138863" y="2329313"/>
+            <a:ext cx="3595451" cy="3629085"/>
+          </a:xfrm>
+          <a:prstGeom prst="rect">
+            <a:avLst/>
+          </a:prstGeom>
+          <a:solidFill>
+            <a:schemeClr val="bg1"/>
+          </a:solidFill>
+        </p:spPr>
+        <p:txBody>
+          <a:bodyPr wrap="square" rtlCol="0">
+            <a:spAutoFit/>
+          </a:bodyPr>
+          <a:lstStyle/>
+          <a:p>
+            <a:endParaRPr lang="fr-FR" dirty="0"/>
+          </a:p>
+        </p:txBody>
+      </p:sp>
     </p:spTree>
     <p:extLst>
       <p:ext uri="{BB962C8B-B14F-4D97-AF65-F5344CB8AC3E}">
@@ -11345,37 +11886,37 @@
                             </p:stCondLst>
                             <p:childTnLst>
                               <p:par>
-                                <p:cTn id="10" presetID="10" presetClass="entr" presetSubtype="0" fill="hold" grpId="0" nodeType="clickEffect">
+                                <p:cTn id="10" presetID="10" presetClass="exit" presetSubtype="0" fill="hold" grpId="0" nodeType="clickEffect">
                                   <p:stCondLst>
                                     <p:cond delay="0"/>
                                   </p:stCondLst>
                                   <p:childTnLst>
+                                    <p:animEffect transition="out" filter="fade">
+                                      <p:cBhvr>
+                                        <p:cTn id="11" dur="500"/>
+                                        <p:tgtEl>
+                                          <p:spTgt spid="3"/>
+                                        </p:tgtEl>
+                                      </p:cBhvr>
+                                    </p:animEffect>
                                     <p:set>
                                       <p:cBhvr>
-                                        <p:cTn id="11" dur="1" fill="hold">
+                                        <p:cTn id="12" dur="1" fill="hold">
                                           <p:stCondLst>
-                                            <p:cond delay="0"/>
+                                            <p:cond delay="499"/>
                                           </p:stCondLst>
                                         </p:cTn>
                                         <p:tgtEl>
-                                          <p:spTgt spid="9"/>
+                                          <p:spTgt spid="3"/>
                                         </p:tgtEl>
                                         <p:attrNameLst>
                                           <p:attrName>style.visibility</p:attrName>
                                         </p:attrNameLst>
                                       </p:cBhvr>
                                       <p:to>
-                                        <p:strVal val="visible"/>
+                                        <p:strVal val="hidden"/>
                                       </p:to>
                                     </p:set>
-                                    <p:animEffect transition="in" filter="fade">
-                                      <p:cBhvr>
-                                        <p:cTn id="12" dur="500"/>
-                                        <p:tgtEl>
-                                          <p:spTgt spid="9"/>
-                                        </p:tgtEl>
-                                      </p:cBhvr>
-                                    </p:animEffect>
                                   </p:childTnLst>
                                 </p:cTn>
                               </p:par>
@@ -11398,37 +11939,37 @@
                             </p:stCondLst>
                             <p:childTnLst>
                               <p:par>
-                                <p:cTn id="15" presetID="10" presetClass="entr" presetSubtype="0" fill="hold" grpId="0" nodeType="clickEffect">
+                                <p:cTn id="15" presetID="10" presetClass="exit" presetSubtype="0" fill="hold" grpId="0" nodeType="clickEffect">
                                   <p:stCondLst>
                                     <p:cond delay="0"/>
                                   </p:stCondLst>
                                   <p:childTnLst>
+                                    <p:animEffect transition="out" filter="fade">
+                                      <p:cBhvr>
+                                        <p:cTn id="16" dur="500"/>
+                                        <p:tgtEl>
+                                          <p:spTgt spid="5"/>
+                                        </p:tgtEl>
+                                      </p:cBhvr>
+                                    </p:animEffect>
                                     <p:set>
                                       <p:cBhvr>
-                                        <p:cTn id="16" dur="1" fill="hold">
+                                        <p:cTn id="17" dur="1" fill="hold">
                                           <p:stCondLst>
-                                            <p:cond delay="0"/>
+                                            <p:cond delay="499"/>
                                           </p:stCondLst>
                                         </p:cTn>
                                         <p:tgtEl>
-                                          <p:spTgt spid="11"/>
+                                          <p:spTgt spid="5"/>
                                         </p:tgtEl>
                                         <p:attrNameLst>
                                           <p:attrName>style.visibility</p:attrName>
                                         </p:attrNameLst>
                                       </p:cBhvr>
                                       <p:to>
-                                        <p:strVal val="visible"/>
+                                        <p:strVal val="hidden"/>
                                       </p:to>
                                     </p:set>
-                                    <p:animEffect transition="in" filter="fade">
-                                      <p:cBhvr>
-                                        <p:cTn id="17" dur="500"/>
-                                        <p:tgtEl>
-                                          <p:spTgt spid="11"/>
-                                        </p:tgtEl>
-                                      </p:cBhvr>
-                                    </p:animEffect>
                                   </p:childTnLst>
                                 </p:cTn>
                               </p:par>
@@ -11464,7 +12005,7 @@
                                           </p:stCondLst>
                                         </p:cTn>
                                         <p:tgtEl>
-                                          <p:spTgt spid="12"/>
+                                          <p:spTgt spid="9"/>
                                         </p:tgtEl>
                                         <p:attrNameLst>
                                           <p:attrName>style.visibility</p:attrName>
@@ -11477,6 +12018,112 @@
                                     <p:animEffect transition="in" filter="fade">
                                       <p:cBhvr>
                                         <p:cTn id="22" dur="500"/>
+                                        <p:tgtEl>
+                                          <p:spTgt spid="9"/>
+                                        </p:tgtEl>
+                                      </p:cBhvr>
+                                    </p:animEffect>
+                                  </p:childTnLst>
+                                </p:cTn>
+                              </p:par>
+                            </p:childTnLst>
+                          </p:cTn>
+                        </p:par>
+                      </p:childTnLst>
+                    </p:cTn>
+                  </p:par>
+                  <p:par>
+                    <p:cTn id="23" fill="hold">
+                      <p:stCondLst>
+                        <p:cond delay="indefinite"/>
+                      </p:stCondLst>
+                      <p:childTnLst>
+                        <p:par>
+                          <p:cTn id="24" fill="hold">
+                            <p:stCondLst>
+                              <p:cond delay="0"/>
+                            </p:stCondLst>
+                            <p:childTnLst>
+                              <p:par>
+                                <p:cTn id="25" presetID="10" presetClass="entr" presetSubtype="0" fill="hold" grpId="0" nodeType="clickEffect">
+                                  <p:stCondLst>
+                                    <p:cond delay="0"/>
+                                  </p:stCondLst>
+                                  <p:childTnLst>
+                                    <p:set>
+                                      <p:cBhvr>
+                                        <p:cTn id="26" dur="1" fill="hold">
+                                          <p:stCondLst>
+                                            <p:cond delay="0"/>
+                                          </p:stCondLst>
+                                        </p:cTn>
+                                        <p:tgtEl>
+                                          <p:spTgt spid="11"/>
+                                        </p:tgtEl>
+                                        <p:attrNameLst>
+                                          <p:attrName>style.visibility</p:attrName>
+                                        </p:attrNameLst>
+                                      </p:cBhvr>
+                                      <p:to>
+                                        <p:strVal val="visible"/>
+                                      </p:to>
+                                    </p:set>
+                                    <p:animEffect transition="in" filter="fade">
+                                      <p:cBhvr>
+                                        <p:cTn id="27" dur="500"/>
+                                        <p:tgtEl>
+                                          <p:spTgt spid="11"/>
+                                        </p:tgtEl>
+                                      </p:cBhvr>
+                                    </p:animEffect>
+                                  </p:childTnLst>
+                                </p:cTn>
+                              </p:par>
+                            </p:childTnLst>
+                          </p:cTn>
+                        </p:par>
+                      </p:childTnLst>
+                    </p:cTn>
+                  </p:par>
+                  <p:par>
+                    <p:cTn id="28" fill="hold">
+                      <p:stCondLst>
+                        <p:cond delay="indefinite"/>
+                      </p:stCondLst>
+                      <p:childTnLst>
+                        <p:par>
+                          <p:cTn id="29" fill="hold">
+                            <p:stCondLst>
+                              <p:cond delay="0"/>
+                            </p:stCondLst>
+                            <p:childTnLst>
+                              <p:par>
+                                <p:cTn id="30" presetID="10" presetClass="entr" presetSubtype="0" fill="hold" grpId="0" nodeType="clickEffect">
+                                  <p:stCondLst>
+                                    <p:cond delay="0"/>
+                                  </p:stCondLst>
+                                  <p:childTnLst>
+                                    <p:set>
+                                      <p:cBhvr>
+                                        <p:cTn id="31" dur="1" fill="hold">
+                                          <p:stCondLst>
+                                            <p:cond delay="0"/>
+                                          </p:stCondLst>
+                                        </p:cTn>
+                                        <p:tgtEl>
+                                          <p:spTgt spid="12"/>
+                                        </p:tgtEl>
+                                        <p:attrNameLst>
+                                          <p:attrName>style.visibility</p:attrName>
+                                        </p:attrNameLst>
+                                      </p:cBhvr>
+                                      <p:to>
+                                        <p:strVal val="visible"/>
+                                      </p:to>
+                                    </p:set>
+                                    <p:animEffect transition="in" filter="fade">
+                                      <p:cBhvr>
+                                        <p:cTn id="32" dur="500"/>
                                         <p:tgtEl>
                                           <p:spTgt spid="12"/>
                                         </p:tgtEl>
@@ -11516,6 +12163,8 @@
       <p:bldP spid="9" grpId="0"/>
       <p:bldP spid="11" grpId="0"/>
       <p:bldP spid="12" grpId="0"/>
+      <p:bldP spid="3" grpId="0" animBg="1"/>
+      <p:bldP spid="5" grpId="0" animBg="1"/>
     </p:bldLst>
   </p:timing>
 </p:sld>
@@ -11707,7 +12356,7 @@
                   <a:srgbClr val="FFC000"/>
                 </a:solidFill>
               </a:rPr>
-              <a:t>Manque la sécurisation des données / backup et redondance</a:t>
+              <a:t>Manque la sécurisation des données / backup et la redondance</a:t>
             </a:r>
           </a:p>
         </p:txBody>
@@ -17546,41 +18195,6 @@
                                   </p:childTnLst>
                                 </p:cTn>
                               </p:par>
-                              <p:par>
-                                <p:cTn id="80" presetID="10" presetClass="exit" presetSubtype="0" fill="hold" nodeType="withEffect">
-                                  <p:stCondLst>
-                                    <p:cond delay="0"/>
-                                  </p:stCondLst>
-                                  <p:childTnLst>
-                                    <p:animEffect transition="out" filter="fade">
-                                      <p:cBhvr>
-                                        <p:cTn id="81" dur="500"/>
-                                        <p:tgtEl>
-                                          <p:spTgt spid="39"/>
-                                        </p:tgtEl>
-                                      </p:cBhvr>
-                                    </p:animEffect>
-                                    <p:set>
-                                      <p:cBhvr>
-                                        <p:cTn id="82" dur="1" fill="hold">
-                                          <p:stCondLst>
-                                            <p:cond delay="499"/>
-                                          </p:stCondLst>
-                                        </p:cTn>
-                                        <p:tgtEl>
-                                          <p:spTgt spid="39"/>
-                                        </p:tgtEl>
-                                        <p:attrNameLst>
-                                          <p:attrName>style.visibility</p:attrName>
-                                        </p:attrNameLst>
-                                      </p:cBhvr>
-                                      <p:to>
-                                        <p:strVal val="hidden"/>
-                                      </p:to>
-                                    </p:set>
-                                  </p:childTnLst>
-                                </p:cTn>
-                              </p:par>
                             </p:childTnLst>
                           </p:cTn>
                         </p:par>
@@ -17588,26 +18202,26 @@
                     </p:cTn>
                   </p:par>
                   <p:par>
-                    <p:cTn id="83" fill="hold">
+                    <p:cTn id="80" fill="hold">
                       <p:stCondLst>
                         <p:cond delay="indefinite"/>
                       </p:stCondLst>
                       <p:childTnLst>
                         <p:par>
-                          <p:cTn id="84" fill="hold">
+                          <p:cTn id="81" fill="hold">
                             <p:stCondLst>
                               <p:cond delay="0"/>
                             </p:stCondLst>
                             <p:childTnLst>
                               <p:par>
-                                <p:cTn id="85" presetID="10" presetClass="entr" presetSubtype="0" fill="hold" grpId="0" nodeType="clickEffect">
+                                <p:cTn id="82" presetID="10" presetClass="entr" presetSubtype="0" fill="hold" grpId="0" nodeType="clickEffect">
                                   <p:stCondLst>
                                     <p:cond delay="0"/>
                                   </p:stCondLst>
                                   <p:childTnLst>
                                     <p:set>
                                       <p:cBhvr>
-                                        <p:cTn id="86" dur="1" fill="hold">
+                                        <p:cTn id="83" dur="1" fill="hold">
                                           <p:stCondLst>
                                             <p:cond delay="0"/>
                                           </p:stCondLst>
@@ -17625,12 +18239,47 @@
                                     </p:set>
                                     <p:animEffect transition="in" filter="fade">
                                       <p:cBhvr>
-                                        <p:cTn id="87" dur="500"/>
+                                        <p:cTn id="84" dur="500"/>
                                         <p:tgtEl>
                                           <p:spTgt spid="40"/>
                                         </p:tgtEl>
                                       </p:cBhvr>
                                     </p:animEffect>
+                                  </p:childTnLst>
+                                </p:cTn>
+                              </p:par>
+                              <p:par>
+                                <p:cTn id="85" presetID="10" presetClass="exit" presetSubtype="0" fill="hold" nodeType="withEffect">
+                                  <p:stCondLst>
+                                    <p:cond delay="0"/>
+                                  </p:stCondLst>
+                                  <p:childTnLst>
+                                    <p:animEffect transition="out" filter="fade">
+                                      <p:cBhvr>
+                                        <p:cTn id="86" dur="500"/>
+                                        <p:tgtEl>
+                                          <p:spTgt spid="39"/>
+                                        </p:tgtEl>
+                                      </p:cBhvr>
+                                    </p:animEffect>
+                                    <p:set>
+                                      <p:cBhvr>
+                                        <p:cTn id="87" dur="1" fill="hold">
+                                          <p:stCondLst>
+                                            <p:cond delay="499"/>
+                                          </p:stCondLst>
+                                        </p:cTn>
+                                        <p:tgtEl>
+                                          <p:spTgt spid="39"/>
+                                        </p:tgtEl>
+                                        <p:attrNameLst>
+                                          <p:attrName>style.visibility</p:attrName>
+                                        </p:attrNameLst>
+                                      </p:cBhvr>
+                                      <p:to>
+                                        <p:strVal val="hidden"/>
+                                      </p:to>
+                                    </p:set>
                                   </p:childTnLst>
                                 </p:cTn>
                               </p:par>

--- a/Architecture/4 - Présentation/Présentation.pptx
+++ b/Architecture/4 - Présentation/Présentation.pptx
@@ -5315,7 +5315,7 @@
                   <a:srgbClr val="FF0000"/>
                 </a:solidFill>
               </a:rPr>
-              <a:t>Actions manuels réduit</a:t>
+              <a:t>Actions manuelles réduite</a:t>
             </a:r>
           </a:p>
         </p:txBody>
@@ -9277,7 +9277,7 @@
           <a:p>
             <a:r>
               <a:rPr lang="fr-FR" sz="4000" dirty="0"/>
-              <a:t>La transition : les coût, le temps et les ressources</a:t>
+              <a:t>La transition : les coûts, le temps et les ressources</a:t>
             </a:r>
           </a:p>
         </p:txBody>
@@ -9327,13 +9327,13 @@
             <p:ph idx="1"/>
             <p:extLst>
               <p:ext uri="{D42A27DB-BD31-4B8C-83A1-F6EECF244321}">
-                <p14:modId xmlns:p14="http://schemas.microsoft.com/office/powerpoint/2010/main" val="2226778980"/>
+                <p14:modId xmlns:p14="http://schemas.microsoft.com/office/powerpoint/2010/main" val="1094079810"/>
               </p:ext>
             </p:extLst>
           </p:nvPr>
         </p:nvGraphicFramePr>
         <p:xfrm>
-          <a:off x="1169049" y="2007110"/>
+          <a:off x="1169049" y="2022718"/>
           <a:ext cx="6565265" cy="3951288"/>
         </p:xfrm>
         <a:graphic>
@@ -9474,12 +9474,12 @@
                         </a:spcAft>
                       </a:pPr>
                       <a:r>
-                        <a:rPr lang="fr-FR" sz="1100">
+                        <a:rPr lang="fr-FR" sz="1100" dirty="0">
                           <a:effectLst/>
                         </a:rPr>
-                        <a:t>Coût en €</a:t>
+                        <a:t>Coûts en €</a:t>
                       </a:r>
-                      <a:endParaRPr lang="fr-FR" sz="1100">
+                      <a:endParaRPr lang="fr-FR" sz="1100" dirty="0">
                         <a:effectLst/>
                         <a:latin typeface="Calibri" panose="020F0502020204030204" pitchFamily="34" charset="0"/>
                         <a:ea typeface="Calibri" panose="020F0502020204030204" pitchFamily="34" charset="0"/>
@@ -9510,12 +9510,12 @@
                         </a:spcAft>
                       </a:pPr>
                       <a:r>
-                        <a:rPr lang="fr-FR" sz="1100">
+                        <a:rPr lang="fr-FR" sz="1100" dirty="0">
                           <a:effectLst/>
                         </a:rPr>
                         <a:t>Prérequis</a:t>
                       </a:r>
-                      <a:endParaRPr lang="fr-FR" sz="1100">
+                      <a:endParaRPr lang="fr-FR" sz="1100" dirty="0">
                         <a:effectLst/>
                         <a:latin typeface="Calibri" panose="020F0502020204030204" pitchFamily="34" charset="0"/>
                         <a:ea typeface="Calibri" panose="020F0502020204030204" pitchFamily="34" charset="0"/>
@@ -12278,7 +12278,7 @@
                   <a:srgbClr val="00B050"/>
                 </a:solidFill>
               </a:rPr>
-              <a:t>Un Project viable</a:t>
+              <a:t>Un projet viable</a:t>
             </a:r>
           </a:p>
         </p:txBody>
@@ -12317,7 +12317,7 @@
                   <a:srgbClr val="00B050"/>
                 </a:solidFill>
               </a:rPr>
-              <a:t>Un Project qui rentre dans les clous financiers</a:t>
+              <a:t>Un projet qui rentre dans les clous financiers</a:t>
             </a:r>
           </a:p>
         </p:txBody>
@@ -12395,7 +12395,7 @@
                   <a:srgbClr val="FFC000"/>
                 </a:solidFill>
               </a:rPr>
-              <a:t>Communication avec des outils externes tiers peu être un risque de blocage</a:t>
+              <a:t>Communication avec des outils externes tiers peut être un risque de blocage</a:t>
             </a:r>
           </a:p>
         </p:txBody>
@@ -13986,7 +13986,7 @@
           <a:p>
             <a:r>
               <a:rPr lang="fr-FR" dirty="0"/>
-              <a:t>Basé dans le Sud-Ouest de la France</a:t>
+              <a:t>Basée dans le Sud-Ouest de la France</a:t>
             </a:r>
           </a:p>
         </p:txBody>
@@ -14021,7 +14021,7 @@
           <a:p>
             <a:r>
               <a:rPr lang="fr-FR" dirty="0"/>
-              <a:t>Chiffre d’affaire de 320 000 euros</a:t>
+              <a:t>Chiffre d’affaires de 320 000 euros</a:t>
             </a:r>
           </a:p>
         </p:txBody>
@@ -14200,7 +14200,7 @@
           <a:p>
             <a:r>
               <a:rPr lang="fr-FR" dirty="0"/>
-              <a:t>1 chef techniciens de maintenance</a:t>
+              <a:t>1 chef technicien de maintenance</a:t>
             </a:r>
           </a:p>
         </p:txBody>
@@ -15011,7 +15011,7 @@
         <p:spPr>
           <a:xfrm>
             <a:off x="4411998" y="3714857"/>
-            <a:ext cx="4217875" cy="646331"/>
+            <a:ext cx="4217875" cy="369332"/>
           </a:xfrm>
           <a:prstGeom prst="rect">
             <a:avLst/>
@@ -15030,7 +15030,7 @@
                   <a:srgbClr val="FF0000"/>
                 </a:solidFill>
               </a:rPr>
-              <a:t>Aucune interconnexion entre chaque outils</a:t>
+              <a:t>Aucune interconnexion entre chaque outil</a:t>
             </a:r>
           </a:p>
         </p:txBody>
@@ -15105,7 +15105,7 @@
                   <a:srgbClr val="FF0000"/>
                 </a:solidFill>
               </a:rPr>
-              <a:t>Systèmes obsolète</a:t>
+              <a:t>Système obsolète</a:t>
             </a:r>
           </a:p>
         </p:txBody>
@@ -15144,7 +15144,7 @@
                   <a:srgbClr val="FF0000"/>
                 </a:solidFill>
               </a:rPr>
-              <a:t>Beaucoup d’actions manuels</a:t>
+              <a:t>Beaucoup d’actions manuelles</a:t>
             </a:r>
           </a:p>
         </p:txBody>
@@ -16769,7 +16769,7 @@
         <p:spPr>
           <a:xfrm>
             <a:off x="240632" y="1936753"/>
-            <a:ext cx="2377441" cy="646331"/>
+            <a:ext cx="2377441" cy="923330"/>
           </a:xfrm>
           <a:prstGeom prst="rect">
             <a:avLst/>
@@ -16788,7 +16788,7 @@
                   <a:srgbClr val="00B0F0"/>
                 </a:solidFill>
               </a:rPr>
-              <a:t>Base de données de technologie différentes</a:t>
+              <a:t>Base de données de technologies différentes</a:t>
             </a:r>
           </a:p>
         </p:txBody>
@@ -17207,7 +17207,7 @@
                   <a:schemeClr val="accent1"/>
                 </a:solidFill>
               </a:rPr>
-              <a:t>Actions manuels / lenteur</a:t>
+              <a:t>Actions manuelles / lenteur</a:t>
             </a:r>
           </a:p>
         </p:txBody>
@@ -17227,7 +17227,7 @@
         <p:spPr>
           <a:xfrm>
             <a:off x="9095874" y="2065941"/>
-            <a:ext cx="2778492" cy="923330"/>
+            <a:ext cx="3022332" cy="923330"/>
           </a:xfrm>
           <a:prstGeom prst="rect">
             <a:avLst/>
@@ -17246,7 +17246,7 @@
                   <a:schemeClr val="accent1"/>
                 </a:solidFill>
               </a:rPr>
-              <a:t>Saisie multiple  de données dans des  systèmes non performant et non sécurisé </a:t>
+              <a:t>Saisie multiple  de données dans des  systèmes non performants et non sécurisés</a:t>
             </a:r>
           </a:p>
         </p:txBody>
